--- a/13 - Modulation/Amplitude Modulation - Tremolo and Ring Modulation - Copy.pptx
+++ b/13 - Modulation/Amplitude Modulation - Tremolo and Ring Modulation - Copy.pptx
@@ -8,35 +8,30 @@
     <p:sldMasterId id="2147483652" r:id="rId4"/>
     <p:sldMasterId id="2147483653" r:id="rId5"/>
     <p:sldMasterId id="2147483654" r:id="rId6"/>
-    <p:sldMasterId id="2147483732" r:id="rId7"/>
   </p:sldMasterIdLst>
   <p:notesMasterIdLst>
-    <p:notesMasterId r:id="rId31"/>
+    <p:notesMasterId r:id="rId26"/>
   </p:notesMasterIdLst>
   <p:sldIdLst>
-    <p:sldId id="293" r:id="rId8"/>
-    <p:sldId id="269" r:id="rId9"/>
-    <p:sldId id="295" r:id="rId10"/>
-    <p:sldId id="296" r:id="rId11"/>
-    <p:sldId id="289" r:id="rId12"/>
-    <p:sldId id="297" r:id="rId13"/>
-    <p:sldId id="298" r:id="rId14"/>
-    <p:sldId id="300" r:id="rId15"/>
-    <p:sldId id="301" r:id="rId16"/>
-    <p:sldId id="302" r:id="rId17"/>
-    <p:sldId id="277" r:id="rId18"/>
-    <p:sldId id="306" r:id="rId19"/>
-    <p:sldId id="307" r:id="rId20"/>
-    <p:sldId id="305" r:id="rId21"/>
-    <p:sldId id="279" r:id="rId22"/>
-    <p:sldId id="304" r:id="rId23"/>
-    <p:sldId id="303" r:id="rId24"/>
-    <p:sldId id="258" r:id="rId25"/>
-    <p:sldId id="294" r:id="rId26"/>
-    <p:sldId id="256" r:id="rId27"/>
-    <p:sldId id="271" r:id="rId28"/>
-    <p:sldId id="308" r:id="rId29"/>
-    <p:sldId id="259" r:id="rId30"/>
+    <p:sldId id="293" r:id="rId7"/>
+    <p:sldId id="269" r:id="rId8"/>
+    <p:sldId id="295" r:id="rId9"/>
+    <p:sldId id="296" r:id="rId10"/>
+    <p:sldId id="289" r:id="rId11"/>
+    <p:sldId id="297" r:id="rId12"/>
+    <p:sldId id="298" r:id="rId13"/>
+    <p:sldId id="300" r:id="rId14"/>
+    <p:sldId id="301" r:id="rId15"/>
+    <p:sldId id="302" r:id="rId16"/>
+    <p:sldId id="277" r:id="rId17"/>
+    <p:sldId id="306" r:id="rId18"/>
+    <p:sldId id="307" r:id="rId19"/>
+    <p:sldId id="305" r:id="rId20"/>
+    <p:sldId id="279" r:id="rId21"/>
+    <p:sldId id="304" r:id="rId22"/>
+    <p:sldId id="303" r:id="rId23"/>
+    <p:sldId id="258" r:id="rId24"/>
+    <p:sldId id="294" r:id="rId25"/>
   </p:sldIdLst>
   <p:sldSz cx="17340263" cy="9753600"/>
   <p:notesSz cx="6858000" cy="9144000"/>
@@ -553,168 +548,6 @@
 </p:notes>
 </file>
 
-<file path=ppt/notesSlides/notesSlide10.xml><?xml version="1.0" encoding="utf-8"?>
-<p:notes xmlns:a="http://schemas.openxmlformats.org/drawingml/2006/main" xmlns:r="http://schemas.openxmlformats.org/officeDocument/2006/relationships" xmlns:p="http://schemas.openxmlformats.org/presentationml/2006/main">
-  <p:cSld>
-    <p:spTree>
-      <p:nvGrpSpPr>
-        <p:cNvPr id="1" name=""/>
-        <p:cNvGrpSpPr/>
-        <p:nvPr/>
-      </p:nvGrpSpPr>
-      <p:grpSpPr>
-        <a:xfrm>
-          <a:off x="0" y="0"/>
-          <a:ext cx="0" cy="0"/>
-          <a:chOff x="0" y="0"/>
-          <a:chExt cx="0" cy="0"/>
-        </a:xfrm>
-      </p:grpSpPr>
-      <p:sp>
-        <p:nvSpPr>
-          <p:cNvPr id="2" name="Slide Image Placeholder 1"/>
-          <p:cNvSpPr>
-            <a:spLocks noGrp="1" noRot="1" noChangeAspect="1"/>
-          </p:cNvSpPr>
-          <p:nvPr>
-            <p:ph type="sldImg"/>
-          </p:nvPr>
-        </p:nvSpPr>
-        <p:spPr/>
-      </p:sp>
-      <p:sp>
-        <p:nvSpPr>
-          <p:cNvPr id="3" name="Notes Placeholder 2"/>
-          <p:cNvSpPr>
-            <a:spLocks noGrp="1"/>
-          </p:cNvSpPr>
-          <p:nvPr>
-            <p:ph type="body" idx="1"/>
-          </p:nvPr>
-        </p:nvSpPr>
-        <p:spPr/>
-        <p:txBody>
-          <a:bodyPr/>
-          <a:lstStyle/>
-          <a:p>
-            <a:r>
-              <a:rPr lang="en-GB" dirty="0"/>
-              <a:t>See https://www.eeeguide.com/theory-of-frequency-modulation-and-phase-modulation/</a:t>
-            </a:r>
-          </a:p>
-          <a:p>
-            <a:endParaRPr lang="en-GB" dirty="0"/>
-          </a:p>
-          <a:p>
-            <a:r>
-              <a:rPr lang="en-GB" dirty="0">
-                <a:hlinkClick r:id="rId3"/>
-              </a:rPr>
-              <a:t>http://www.cs.cmu.edu/~music/icm-online/readings/fm-synthesis/fm_synthesis.pdf</a:t>
-            </a:r>
-            <a:r>
-              <a:rPr lang="en-GB" dirty="0"/>
-              <a:t> </a:t>
-            </a:r>
-          </a:p>
-        </p:txBody>
-      </p:sp>
-      <p:sp>
-        <p:nvSpPr>
-          <p:cNvPr id="4" name="Slide Number Placeholder 3"/>
-          <p:cNvSpPr>
-            <a:spLocks noGrp="1"/>
-          </p:cNvSpPr>
-          <p:nvPr>
-            <p:ph type="sldNum" sz="quarter" idx="10"/>
-          </p:nvPr>
-        </p:nvSpPr>
-        <p:spPr/>
-        <p:txBody>
-          <a:bodyPr/>
-          <a:lstStyle/>
-          <a:p>
-            <a:pPr marL="0" marR="0" lvl="0" indent="0" algn="r" defTabSz="914400" rtl="0" eaLnBrk="1" fontAlgn="auto" latinLnBrk="0" hangingPunct="1">
-              <a:lnSpc>
-                <a:spcPct val="100000"/>
-              </a:lnSpc>
-              <a:spcBef>
-                <a:spcPts val="0"/>
-              </a:spcBef>
-              <a:spcAft>
-                <a:spcPts val="0"/>
-              </a:spcAft>
-              <a:buClrTx/>
-              <a:buSzTx/>
-              <a:buFontTx/>
-              <a:buNone/>
-              <a:tabLst/>
-              <a:defRPr/>
-            </a:pPr>
-            <a:fld id="{BA74F522-7E3D-4814-8767-4DEF2D106291}" type="slidenum">
-              <a:rPr kumimoji="0" lang="en-GB" sz="1200" b="0" i="0" u="none" strike="noStrike" kern="1200" cap="none" spc="0" normalizeH="0" baseline="0" noProof="0" smtClean="0">
-                <a:ln>
-                  <a:noFill/>
-                </a:ln>
-                <a:solidFill>
-                  <a:prstClr val="black"/>
-                </a:solidFill>
-                <a:effectLst/>
-                <a:uLnTx/>
-                <a:uFillTx/>
-                <a:latin typeface="Calibri" panose="020F0502020204030204"/>
-                <a:ea typeface="+mn-ea"/>
-                <a:cs typeface="+mn-cs"/>
-              </a:rPr>
-              <a:pPr marL="0" marR="0" lvl="0" indent="0" algn="r" defTabSz="914400" rtl="0" eaLnBrk="1" fontAlgn="auto" latinLnBrk="0" hangingPunct="1">
-                <a:lnSpc>
-                  <a:spcPct val="100000"/>
-                </a:lnSpc>
-                <a:spcBef>
-                  <a:spcPts val="0"/>
-                </a:spcBef>
-                <a:spcAft>
-                  <a:spcPts val="0"/>
-                </a:spcAft>
-                <a:buClrTx/>
-                <a:buSzTx/>
-                <a:buFontTx/>
-                <a:buNone/>
-                <a:tabLst/>
-                <a:defRPr/>
-              </a:pPr>
-              <a:t>22</a:t>
-            </a:fld>
-            <a:endParaRPr kumimoji="0" lang="en-GB" sz="1200" b="0" i="0" u="none" strike="noStrike" kern="1200" cap="none" spc="0" normalizeH="0" baseline="0" noProof="0">
-              <a:ln>
-                <a:noFill/>
-              </a:ln>
-              <a:solidFill>
-                <a:prstClr val="black"/>
-              </a:solidFill>
-              <a:effectLst/>
-              <a:uLnTx/>
-              <a:uFillTx/>
-              <a:latin typeface="Calibri" panose="020F0502020204030204"/>
-              <a:ea typeface="+mn-ea"/>
-              <a:cs typeface="+mn-cs"/>
-            </a:endParaRPr>
-          </a:p>
-        </p:txBody>
-      </p:sp>
-    </p:spTree>
-    <p:extLst>
-      <p:ext uri="{BB962C8B-B14F-4D97-AF65-F5344CB8AC3E}">
-        <p14:creationId xmlns:p14="http://schemas.microsoft.com/office/powerpoint/2010/main" val="2157400763"/>
-      </p:ext>
-    </p:extLst>
-  </p:cSld>
-  <p:clrMapOvr>
-    <a:masterClrMapping/>
-  </p:clrMapOvr>
-</p:notes>
-</file>
-
 <file path=ppt/notesSlides/notesSlide2.xml><?xml version="1.0" encoding="utf-8"?>
 <p:notes xmlns:a="http://schemas.openxmlformats.org/drawingml/2006/main" xmlns:r="http://schemas.openxmlformats.org/officeDocument/2006/relationships" xmlns:p="http://schemas.openxmlformats.org/presentationml/2006/main">
   <p:cSld>
@@ -12428,704 +12261,6 @@
 </p:sldLayout>
 </file>
 
-<file path=ppt/slideLayouts/slideLayout67.xml><?xml version="1.0" encoding="utf-8"?>
-<p:sldLayout xmlns:a="http://schemas.openxmlformats.org/drawingml/2006/main" xmlns:r="http://schemas.openxmlformats.org/officeDocument/2006/relationships" xmlns:p="http://schemas.openxmlformats.org/presentationml/2006/main" type="title" preserve="1">
-  <p:cSld name="Title Slide">
-    <p:spTree>
-      <p:nvGrpSpPr>
-        <p:cNvPr id="1" name=""/>
-        <p:cNvGrpSpPr/>
-        <p:nvPr/>
-      </p:nvGrpSpPr>
-      <p:grpSpPr>
-        <a:xfrm>
-          <a:off x="0" y="0"/>
-          <a:ext cx="0" cy="0"/>
-          <a:chOff x="0" y="0"/>
-          <a:chExt cx="0" cy="0"/>
-        </a:xfrm>
-      </p:grpSpPr>
-      <p:sp>
-        <p:nvSpPr>
-          <p:cNvPr id="2" name="Title 1">
-            <a:extLst>
-              <a:ext uri="{FF2B5EF4-FFF2-40B4-BE49-F238E27FC236}">
-                <a16:creationId xmlns:a16="http://schemas.microsoft.com/office/drawing/2014/main" id="{924A557A-57D3-4453-8CBA-73412D790ED7}"/>
-              </a:ext>
-            </a:extLst>
-          </p:cNvPr>
-          <p:cNvSpPr>
-            <a:spLocks noGrp="1"/>
-          </p:cNvSpPr>
-          <p:nvPr>
-            <p:ph type="ctrTitle"/>
-          </p:nvPr>
-        </p:nvSpPr>
-        <p:spPr>
-          <a:xfrm>
-            <a:off x="2167533" y="1596249"/>
-            <a:ext cx="13005197" cy="3395698"/>
-          </a:xfrm>
-        </p:spPr>
-        <p:txBody>
-          <a:bodyPr anchor="b"/>
-          <a:lstStyle>
-            <a:lvl1pPr algn="ctr">
-              <a:defRPr sz="8533"/>
-            </a:lvl1pPr>
-          </a:lstStyle>
-          <a:p>
-            <a:r>
-              <a:rPr lang="en-US"/>
-              <a:t>Click to edit Master title style</a:t>
-            </a:r>
-            <a:endParaRPr lang="en-GB"/>
-          </a:p>
-        </p:txBody>
-      </p:sp>
-      <p:sp>
-        <p:nvSpPr>
-          <p:cNvPr id="3" name="Subtitle 2">
-            <a:extLst>
-              <a:ext uri="{FF2B5EF4-FFF2-40B4-BE49-F238E27FC236}">
-                <a16:creationId xmlns:a16="http://schemas.microsoft.com/office/drawing/2014/main" id="{4B8FB83D-2A2B-4320-9742-8D99C7B63ED5}"/>
-              </a:ext>
-            </a:extLst>
-          </p:cNvPr>
-          <p:cNvSpPr>
-            <a:spLocks noGrp="1"/>
-          </p:cNvSpPr>
-          <p:nvPr>
-            <p:ph type="subTitle" idx="1"/>
-          </p:nvPr>
-        </p:nvSpPr>
-        <p:spPr>
-          <a:xfrm>
-            <a:off x="2167533" y="5122898"/>
-            <a:ext cx="13005197" cy="2354862"/>
-          </a:xfrm>
-        </p:spPr>
-        <p:txBody>
-          <a:bodyPr/>
-          <a:lstStyle>
-            <a:lvl1pPr marL="0" indent="0" algn="ctr">
-              <a:buNone/>
-              <a:defRPr sz="3413"/>
-            </a:lvl1pPr>
-            <a:lvl2pPr marL="650230" indent="0" algn="ctr">
-              <a:buNone/>
-              <a:defRPr sz="2844"/>
-            </a:lvl2pPr>
-            <a:lvl3pPr marL="1300460" indent="0" algn="ctr">
-              <a:buNone/>
-              <a:defRPr sz="2560"/>
-            </a:lvl3pPr>
-            <a:lvl4pPr marL="1950690" indent="0" algn="ctr">
-              <a:buNone/>
-              <a:defRPr sz="2276"/>
-            </a:lvl4pPr>
-            <a:lvl5pPr marL="2600919" indent="0" algn="ctr">
-              <a:buNone/>
-              <a:defRPr sz="2276"/>
-            </a:lvl5pPr>
-            <a:lvl6pPr marL="3251149" indent="0" algn="ctr">
-              <a:buNone/>
-              <a:defRPr sz="2276"/>
-            </a:lvl6pPr>
-            <a:lvl7pPr marL="3901379" indent="0" algn="ctr">
-              <a:buNone/>
-              <a:defRPr sz="2276"/>
-            </a:lvl7pPr>
-            <a:lvl8pPr marL="4551609" indent="0" algn="ctr">
-              <a:buNone/>
-              <a:defRPr sz="2276"/>
-            </a:lvl8pPr>
-            <a:lvl9pPr marL="5201839" indent="0" algn="ctr">
-              <a:buNone/>
-              <a:defRPr sz="2276"/>
-            </a:lvl9pPr>
-          </a:lstStyle>
-          <a:p>
-            <a:r>
-              <a:rPr lang="en-US"/>
-              <a:t>Click to edit Master subtitle style</a:t>
-            </a:r>
-            <a:endParaRPr lang="en-GB"/>
-          </a:p>
-        </p:txBody>
-      </p:sp>
-      <p:sp>
-        <p:nvSpPr>
-          <p:cNvPr id="4" name="Date Placeholder 3">
-            <a:extLst>
-              <a:ext uri="{FF2B5EF4-FFF2-40B4-BE49-F238E27FC236}">
-                <a16:creationId xmlns:a16="http://schemas.microsoft.com/office/drawing/2014/main" id="{7641D960-446D-4D0E-B50F-1975AA1EC799}"/>
-              </a:ext>
-            </a:extLst>
-          </p:cNvPr>
-          <p:cNvSpPr>
-            <a:spLocks noGrp="1"/>
-          </p:cNvSpPr>
-          <p:nvPr>
-            <p:ph type="dt" sz="half" idx="10"/>
-          </p:nvPr>
-        </p:nvSpPr>
-        <p:spPr/>
-        <p:txBody>
-          <a:bodyPr/>
-          <a:lstStyle/>
-          <a:p>
-            <a:fld id="{5CAFF7CB-A38A-4A36-B304-607D939BA3D6}" type="datetimeFigureOut">
-              <a:rPr lang="en-GB" smtClean="0"/>
-              <a:t>05/12/2023</a:t>
-            </a:fld>
-            <a:endParaRPr lang="en-GB"/>
-          </a:p>
-        </p:txBody>
-      </p:sp>
-      <p:sp>
-        <p:nvSpPr>
-          <p:cNvPr id="5" name="Footer Placeholder 4">
-            <a:extLst>
-              <a:ext uri="{FF2B5EF4-FFF2-40B4-BE49-F238E27FC236}">
-                <a16:creationId xmlns:a16="http://schemas.microsoft.com/office/drawing/2014/main" id="{E1722F05-3185-4223-9C3E-79075E7D6369}"/>
-              </a:ext>
-            </a:extLst>
-          </p:cNvPr>
-          <p:cNvSpPr>
-            <a:spLocks noGrp="1"/>
-          </p:cNvSpPr>
-          <p:nvPr>
-            <p:ph type="ftr" sz="quarter" idx="11"/>
-          </p:nvPr>
-        </p:nvSpPr>
-        <p:spPr/>
-        <p:txBody>
-          <a:bodyPr/>
-          <a:lstStyle/>
-          <a:p>
-            <a:endParaRPr lang="en-GB"/>
-          </a:p>
-        </p:txBody>
-      </p:sp>
-      <p:sp>
-        <p:nvSpPr>
-          <p:cNvPr id="6" name="Slide Number Placeholder 5">
-            <a:extLst>
-              <a:ext uri="{FF2B5EF4-FFF2-40B4-BE49-F238E27FC236}">
-                <a16:creationId xmlns:a16="http://schemas.microsoft.com/office/drawing/2014/main" id="{AF4E2256-8A55-46F7-A083-998926050A27}"/>
-              </a:ext>
-            </a:extLst>
-          </p:cNvPr>
-          <p:cNvSpPr>
-            <a:spLocks noGrp="1"/>
-          </p:cNvSpPr>
-          <p:nvPr>
-            <p:ph type="sldNum" sz="quarter" idx="12"/>
-          </p:nvPr>
-        </p:nvSpPr>
-        <p:spPr/>
-        <p:txBody>
-          <a:bodyPr/>
-          <a:lstStyle/>
-          <a:p>
-            <a:fld id="{981EB3C1-91EE-4842-99D8-6C7F16425B7A}" type="slidenum">
-              <a:rPr lang="en-GB" smtClean="0"/>
-              <a:t>‹#›</a:t>
-            </a:fld>
-            <a:endParaRPr lang="en-GB"/>
-          </a:p>
-        </p:txBody>
-      </p:sp>
-    </p:spTree>
-    <p:extLst>
-      <p:ext uri="{BB962C8B-B14F-4D97-AF65-F5344CB8AC3E}">
-        <p14:creationId xmlns:p14="http://schemas.microsoft.com/office/powerpoint/2010/main" val="770642773"/>
-      </p:ext>
-    </p:extLst>
-  </p:cSld>
-  <p:clrMapOvr>
-    <a:masterClrMapping/>
-  </p:clrMapOvr>
-</p:sldLayout>
-</file>
-
-<file path=ppt/slideLayouts/slideLayout68.xml><?xml version="1.0" encoding="utf-8"?>
-<p:sldLayout xmlns:a="http://schemas.openxmlformats.org/drawingml/2006/main" xmlns:r="http://schemas.openxmlformats.org/officeDocument/2006/relationships" xmlns:p="http://schemas.openxmlformats.org/presentationml/2006/main" type="obj" preserve="1">
-  <p:cSld name="Title and Content">
-    <p:spTree>
-      <p:nvGrpSpPr>
-        <p:cNvPr id="1" name=""/>
-        <p:cNvGrpSpPr/>
-        <p:nvPr/>
-      </p:nvGrpSpPr>
-      <p:grpSpPr>
-        <a:xfrm>
-          <a:off x="0" y="0"/>
-          <a:ext cx="0" cy="0"/>
-          <a:chOff x="0" y="0"/>
-          <a:chExt cx="0" cy="0"/>
-        </a:xfrm>
-      </p:grpSpPr>
-      <p:sp>
-        <p:nvSpPr>
-          <p:cNvPr id="2" name="Title 1">
-            <a:extLst>
-              <a:ext uri="{FF2B5EF4-FFF2-40B4-BE49-F238E27FC236}">
-                <a16:creationId xmlns:a16="http://schemas.microsoft.com/office/drawing/2014/main" id="{459EB90F-99B0-49C6-A978-FF9AFBB30EF1}"/>
-              </a:ext>
-            </a:extLst>
-          </p:cNvPr>
-          <p:cNvSpPr>
-            <a:spLocks noGrp="1"/>
-          </p:cNvSpPr>
-          <p:nvPr>
-            <p:ph type="title"/>
-          </p:nvPr>
-        </p:nvSpPr>
-        <p:spPr/>
-        <p:txBody>
-          <a:bodyPr/>
-          <a:lstStyle/>
-          <a:p>
-            <a:r>
-              <a:rPr lang="en-US"/>
-              <a:t>Click to edit Master title style</a:t>
-            </a:r>
-            <a:endParaRPr lang="en-GB"/>
-          </a:p>
-        </p:txBody>
-      </p:sp>
-      <p:sp>
-        <p:nvSpPr>
-          <p:cNvPr id="3" name="Content Placeholder 2">
-            <a:extLst>
-              <a:ext uri="{FF2B5EF4-FFF2-40B4-BE49-F238E27FC236}">
-                <a16:creationId xmlns:a16="http://schemas.microsoft.com/office/drawing/2014/main" id="{252AD25B-E85F-4EEF-89BC-CBEAE0C26F2E}"/>
-              </a:ext>
-            </a:extLst>
-          </p:cNvPr>
-          <p:cNvSpPr>
-            <a:spLocks noGrp="1"/>
-          </p:cNvSpPr>
-          <p:nvPr>
-            <p:ph idx="1"/>
-          </p:nvPr>
-        </p:nvSpPr>
-        <p:spPr/>
-        <p:txBody>
-          <a:bodyPr/>
-          <a:lstStyle/>
-          <a:p>
-            <a:pPr lvl="0"/>
-            <a:r>
-              <a:rPr lang="en-US"/>
-              <a:t>Click to edit Master text styles</a:t>
-            </a:r>
-          </a:p>
-          <a:p>
-            <a:pPr lvl="1"/>
-            <a:r>
-              <a:rPr lang="en-US"/>
-              <a:t>Second level</a:t>
-            </a:r>
-          </a:p>
-          <a:p>
-            <a:pPr lvl="2"/>
-            <a:r>
-              <a:rPr lang="en-US"/>
-              <a:t>Third level</a:t>
-            </a:r>
-          </a:p>
-          <a:p>
-            <a:pPr lvl="3"/>
-            <a:r>
-              <a:rPr lang="en-US"/>
-              <a:t>Fourth level</a:t>
-            </a:r>
-          </a:p>
-          <a:p>
-            <a:pPr lvl="4"/>
-            <a:r>
-              <a:rPr lang="en-US"/>
-              <a:t>Fifth level</a:t>
-            </a:r>
-            <a:endParaRPr lang="en-GB"/>
-          </a:p>
-        </p:txBody>
-      </p:sp>
-      <p:sp>
-        <p:nvSpPr>
-          <p:cNvPr id="4" name="Date Placeholder 3">
-            <a:extLst>
-              <a:ext uri="{FF2B5EF4-FFF2-40B4-BE49-F238E27FC236}">
-                <a16:creationId xmlns:a16="http://schemas.microsoft.com/office/drawing/2014/main" id="{078C9720-024C-428E-9A7C-4FF68423C5BC}"/>
-              </a:ext>
-            </a:extLst>
-          </p:cNvPr>
-          <p:cNvSpPr>
-            <a:spLocks noGrp="1"/>
-          </p:cNvSpPr>
-          <p:nvPr>
-            <p:ph type="dt" sz="half" idx="10"/>
-          </p:nvPr>
-        </p:nvSpPr>
-        <p:spPr/>
-        <p:txBody>
-          <a:bodyPr/>
-          <a:lstStyle/>
-          <a:p>
-            <a:fld id="{5CAFF7CB-A38A-4A36-B304-607D939BA3D6}" type="datetimeFigureOut">
-              <a:rPr lang="en-GB" smtClean="0"/>
-              <a:t>05/12/2023</a:t>
-            </a:fld>
-            <a:endParaRPr lang="en-GB"/>
-          </a:p>
-        </p:txBody>
-      </p:sp>
-      <p:sp>
-        <p:nvSpPr>
-          <p:cNvPr id="5" name="Footer Placeholder 4">
-            <a:extLst>
-              <a:ext uri="{FF2B5EF4-FFF2-40B4-BE49-F238E27FC236}">
-                <a16:creationId xmlns:a16="http://schemas.microsoft.com/office/drawing/2014/main" id="{20A1DC4D-D63D-488B-AAC7-FD1C0257ACBF}"/>
-              </a:ext>
-            </a:extLst>
-          </p:cNvPr>
-          <p:cNvSpPr>
-            <a:spLocks noGrp="1"/>
-          </p:cNvSpPr>
-          <p:nvPr>
-            <p:ph type="ftr" sz="quarter" idx="11"/>
-          </p:nvPr>
-        </p:nvSpPr>
-        <p:spPr/>
-        <p:txBody>
-          <a:bodyPr/>
-          <a:lstStyle/>
-          <a:p>
-            <a:endParaRPr lang="en-GB"/>
-          </a:p>
-        </p:txBody>
-      </p:sp>
-      <p:sp>
-        <p:nvSpPr>
-          <p:cNvPr id="6" name="Slide Number Placeholder 5">
-            <a:extLst>
-              <a:ext uri="{FF2B5EF4-FFF2-40B4-BE49-F238E27FC236}">
-                <a16:creationId xmlns:a16="http://schemas.microsoft.com/office/drawing/2014/main" id="{B3011CF1-87E0-40BB-9460-9BDEDC592081}"/>
-              </a:ext>
-            </a:extLst>
-          </p:cNvPr>
-          <p:cNvSpPr>
-            <a:spLocks noGrp="1"/>
-          </p:cNvSpPr>
-          <p:nvPr>
-            <p:ph type="sldNum" sz="quarter" idx="12"/>
-          </p:nvPr>
-        </p:nvSpPr>
-        <p:spPr/>
-        <p:txBody>
-          <a:bodyPr/>
-          <a:lstStyle/>
-          <a:p>
-            <a:fld id="{981EB3C1-91EE-4842-99D8-6C7F16425B7A}" type="slidenum">
-              <a:rPr lang="en-GB" smtClean="0"/>
-              <a:t>‹#›</a:t>
-            </a:fld>
-            <a:endParaRPr lang="en-GB"/>
-          </a:p>
-        </p:txBody>
-      </p:sp>
-    </p:spTree>
-    <p:extLst>
-      <p:ext uri="{BB962C8B-B14F-4D97-AF65-F5344CB8AC3E}">
-        <p14:creationId xmlns:p14="http://schemas.microsoft.com/office/powerpoint/2010/main" val="1500246504"/>
-      </p:ext>
-    </p:extLst>
-  </p:cSld>
-  <p:clrMapOvr>
-    <a:masterClrMapping/>
-  </p:clrMapOvr>
-</p:sldLayout>
-</file>
-
-<file path=ppt/slideLayouts/slideLayout69.xml><?xml version="1.0" encoding="utf-8"?>
-<p:sldLayout xmlns:a="http://schemas.openxmlformats.org/drawingml/2006/main" xmlns:r="http://schemas.openxmlformats.org/officeDocument/2006/relationships" xmlns:p="http://schemas.openxmlformats.org/presentationml/2006/main" type="secHead" preserve="1">
-  <p:cSld name="Section Header">
-    <p:spTree>
-      <p:nvGrpSpPr>
-        <p:cNvPr id="1" name=""/>
-        <p:cNvGrpSpPr/>
-        <p:nvPr/>
-      </p:nvGrpSpPr>
-      <p:grpSpPr>
-        <a:xfrm>
-          <a:off x="0" y="0"/>
-          <a:ext cx="0" cy="0"/>
-          <a:chOff x="0" y="0"/>
-          <a:chExt cx="0" cy="0"/>
-        </a:xfrm>
-      </p:grpSpPr>
-      <p:sp>
-        <p:nvSpPr>
-          <p:cNvPr id="2" name="Title 1">
-            <a:extLst>
-              <a:ext uri="{FF2B5EF4-FFF2-40B4-BE49-F238E27FC236}">
-                <a16:creationId xmlns:a16="http://schemas.microsoft.com/office/drawing/2014/main" id="{A949601F-31C9-4E22-971A-5E12FD809456}"/>
-              </a:ext>
-            </a:extLst>
-          </p:cNvPr>
-          <p:cNvSpPr>
-            <a:spLocks noGrp="1"/>
-          </p:cNvSpPr>
-          <p:nvPr>
-            <p:ph type="title"/>
-          </p:nvPr>
-        </p:nvSpPr>
-        <p:spPr>
-          <a:xfrm>
-            <a:off x="1183112" y="2431628"/>
-            <a:ext cx="14955977" cy="4057226"/>
-          </a:xfrm>
-        </p:spPr>
-        <p:txBody>
-          <a:bodyPr anchor="b"/>
-          <a:lstStyle>
-            <a:lvl1pPr>
-              <a:defRPr sz="8533"/>
-            </a:lvl1pPr>
-          </a:lstStyle>
-          <a:p>
-            <a:r>
-              <a:rPr lang="en-US"/>
-              <a:t>Click to edit Master title style</a:t>
-            </a:r>
-            <a:endParaRPr lang="en-GB"/>
-          </a:p>
-        </p:txBody>
-      </p:sp>
-      <p:sp>
-        <p:nvSpPr>
-          <p:cNvPr id="3" name="Text Placeholder 2">
-            <a:extLst>
-              <a:ext uri="{FF2B5EF4-FFF2-40B4-BE49-F238E27FC236}">
-                <a16:creationId xmlns:a16="http://schemas.microsoft.com/office/drawing/2014/main" id="{F0EE90F4-E429-49C0-B94C-CB3ADBB798FA}"/>
-              </a:ext>
-            </a:extLst>
-          </p:cNvPr>
-          <p:cNvSpPr>
-            <a:spLocks noGrp="1"/>
-          </p:cNvSpPr>
-          <p:nvPr>
-            <p:ph type="body" idx="1"/>
-          </p:nvPr>
-        </p:nvSpPr>
-        <p:spPr>
-          <a:xfrm>
-            <a:off x="1183112" y="6527237"/>
-            <a:ext cx="14955977" cy="2133599"/>
-          </a:xfrm>
-        </p:spPr>
-        <p:txBody>
-          <a:bodyPr/>
-          <a:lstStyle>
-            <a:lvl1pPr marL="0" indent="0">
-              <a:buNone/>
-              <a:defRPr sz="3413">
-                <a:solidFill>
-                  <a:schemeClr val="tx1">
-                    <a:tint val="75000"/>
-                  </a:schemeClr>
-                </a:solidFill>
-              </a:defRPr>
-            </a:lvl1pPr>
-            <a:lvl2pPr marL="650230" indent="0">
-              <a:buNone/>
-              <a:defRPr sz="2844">
-                <a:solidFill>
-                  <a:schemeClr val="tx1">
-                    <a:tint val="75000"/>
-                  </a:schemeClr>
-                </a:solidFill>
-              </a:defRPr>
-            </a:lvl2pPr>
-            <a:lvl3pPr marL="1300460" indent="0">
-              <a:buNone/>
-              <a:defRPr sz="2560">
-                <a:solidFill>
-                  <a:schemeClr val="tx1">
-                    <a:tint val="75000"/>
-                  </a:schemeClr>
-                </a:solidFill>
-              </a:defRPr>
-            </a:lvl3pPr>
-            <a:lvl4pPr marL="1950690" indent="0">
-              <a:buNone/>
-              <a:defRPr sz="2276">
-                <a:solidFill>
-                  <a:schemeClr val="tx1">
-                    <a:tint val="75000"/>
-                  </a:schemeClr>
-                </a:solidFill>
-              </a:defRPr>
-            </a:lvl4pPr>
-            <a:lvl5pPr marL="2600919" indent="0">
-              <a:buNone/>
-              <a:defRPr sz="2276">
-                <a:solidFill>
-                  <a:schemeClr val="tx1">
-                    <a:tint val="75000"/>
-                  </a:schemeClr>
-                </a:solidFill>
-              </a:defRPr>
-            </a:lvl5pPr>
-            <a:lvl6pPr marL="3251149" indent="0">
-              <a:buNone/>
-              <a:defRPr sz="2276">
-                <a:solidFill>
-                  <a:schemeClr val="tx1">
-                    <a:tint val="75000"/>
-                  </a:schemeClr>
-                </a:solidFill>
-              </a:defRPr>
-            </a:lvl6pPr>
-            <a:lvl7pPr marL="3901379" indent="0">
-              <a:buNone/>
-              <a:defRPr sz="2276">
-                <a:solidFill>
-                  <a:schemeClr val="tx1">
-                    <a:tint val="75000"/>
-                  </a:schemeClr>
-                </a:solidFill>
-              </a:defRPr>
-            </a:lvl7pPr>
-            <a:lvl8pPr marL="4551609" indent="0">
-              <a:buNone/>
-              <a:defRPr sz="2276">
-                <a:solidFill>
-                  <a:schemeClr val="tx1">
-                    <a:tint val="75000"/>
-                  </a:schemeClr>
-                </a:solidFill>
-              </a:defRPr>
-            </a:lvl8pPr>
-            <a:lvl9pPr marL="5201839" indent="0">
-              <a:buNone/>
-              <a:defRPr sz="2276">
-                <a:solidFill>
-                  <a:schemeClr val="tx1">
-                    <a:tint val="75000"/>
-                  </a:schemeClr>
-                </a:solidFill>
-              </a:defRPr>
-            </a:lvl9pPr>
-          </a:lstStyle>
-          <a:p>
-            <a:pPr lvl="0"/>
-            <a:r>
-              <a:rPr lang="en-US"/>
-              <a:t>Click to edit Master text styles</a:t>
-            </a:r>
-          </a:p>
-        </p:txBody>
-      </p:sp>
-      <p:sp>
-        <p:nvSpPr>
-          <p:cNvPr id="4" name="Date Placeholder 3">
-            <a:extLst>
-              <a:ext uri="{FF2B5EF4-FFF2-40B4-BE49-F238E27FC236}">
-                <a16:creationId xmlns:a16="http://schemas.microsoft.com/office/drawing/2014/main" id="{27ADB8A2-33E8-4EDA-92CA-667507DA56B2}"/>
-              </a:ext>
-            </a:extLst>
-          </p:cNvPr>
-          <p:cNvSpPr>
-            <a:spLocks noGrp="1"/>
-          </p:cNvSpPr>
-          <p:nvPr>
-            <p:ph type="dt" sz="half" idx="10"/>
-          </p:nvPr>
-        </p:nvSpPr>
-        <p:spPr/>
-        <p:txBody>
-          <a:bodyPr/>
-          <a:lstStyle/>
-          <a:p>
-            <a:fld id="{5CAFF7CB-A38A-4A36-B304-607D939BA3D6}" type="datetimeFigureOut">
-              <a:rPr lang="en-GB" smtClean="0"/>
-              <a:t>05/12/2023</a:t>
-            </a:fld>
-            <a:endParaRPr lang="en-GB"/>
-          </a:p>
-        </p:txBody>
-      </p:sp>
-      <p:sp>
-        <p:nvSpPr>
-          <p:cNvPr id="5" name="Footer Placeholder 4">
-            <a:extLst>
-              <a:ext uri="{FF2B5EF4-FFF2-40B4-BE49-F238E27FC236}">
-                <a16:creationId xmlns:a16="http://schemas.microsoft.com/office/drawing/2014/main" id="{AED3E4A7-C4A0-4F5A-B4A1-4C7C47CC7C33}"/>
-              </a:ext>
-            </a:extLst>
-          </p:cNvPr>
-          <p:cNvSpPr>
-            <a:spLocks noGrp="1"/>
-          </p:cNvSpPr>
-          <p:nvPr>
-            <p:ph type="ftr" sz="quarter" idx="11"/>
-          </p:nvPr>
-        </p:nvSpPr>
-        <p:spPr/>
-        <p:txBody>
-          <a:bodyPr/>
-          <a:lstStyle/>
-          <a:p>
-            <a:endParaRPr lang="en-GB"/>
-          </a:p>
-        </p:txBody>
-      </p:sp>
-      <p:sp>
-        <p:nvSpPr>
-          <p:cNvPr id="6" name="Slide Number Placeholder 5">
-            <a:extLst>
-              <a:ext uri="{FF2B5EF4-FFF2-40B4-BE49-F238E27FC236}">
-                <a16:creationId xmlns:a16="http://schemas.microsoft.com/office/drawing/2014/main" id="{51991F63-D12A-4F69-ABB4-1293C4F58412}"/>
-              </a:ext>
-            </a:extLst>
-          </p:cNvPr>
-          <p:cNvSpPr>
-            <a:spLocks noGrp="1"/>
-          </p:cNvSpPr>
-          <p:nvPr>
-            <p:ph type="sldNum" sz="quarter" idx="12"/>
-          </p:nvPr>
-        </p:nvSpPr>
-        <p:spPr/>
-        <p:txBody>
-          <a:bodyPr/>
-          <a:lstStyle/>
-          <a:p>
-            <a:fld id="{981EB3C1-91EE-4842-99D8-6C7F16425B7A}" type="slidenum">
-              <a:rPr lang="en-GB" smtClean="0"/>
-              <a:t>‹#›</a:t>
-            </a:fld>
-            <a:endParaRPr lang="en-GB"/>
-          </a:p>
-        </p:txBody>
-      </p:sp>
-    </p:spTree>
-    <p:extLst>
-      <p:ext uri="{BB962C8B-B14F-4D97-AF65-F5344CB8AC3E}">
-        <p14:creationId xmlns:p14="http://schemas.microsoft.com/office/powerpoint/2010/main" val="461387935"/>
-      </p:ext>
-    </p:extLst>
-  </p:cSld>
-  <p:clrMapOvr>
-    <a:masterClrMapping/>
-  </p:clrMapOvr>
-</p:sldLayout>
-</file>
-
 <file path=ppt/slideLayouts/slideLayout7.xml><?xml version="1.0" encoding="utf-8"?>
 <p:sldLayout xmlns:a="http://schemas.openxmlformats.org/drawingml/2006/main" xmlns:r="http://schemas.openxmlformats.org/officeDocument/2006/relationships" xmlns:p="http://schemas.openxmlformats.org/presentationml/2006/main" type="blank" preserve="1">
   <p:cSld name="Blank">
@@ -13149,1956 +12284,6 @@
     <a:masterClrMapping/>
   </p:clrMapOvr>
   <p:transition/>
-</p:sldLayout>
-</file>
-
-<file path=ppt/slideLayouts/slideLayout70.xml><?xml version="1.0" encoding="utf-8"?>
-<p:sldLayout xmlns:a="http://schemas.openxmlformats.org/drawingml/2006/main" xmlns:r="http://schemas.openxmlformats.org/officeDocument/2006/relationships" xmlns:p="http://schemas.openxmlformats.org/presentationml/2006/main" type="twoObj" preserve="1">
-  <p:cSld name="Two Content">
-    <p:spTree>
-      <p:nvGrpSpPr>
-        <p:cNvPr id="1" name=""/>
-        <p:cNvGrpSpPr/>
-        <p:nvPr/>
-      </p:nvGrpSpPr>
-      <p:grpSpPr>
-        <a:xfrm>
-          <a:off x="0" y="0"/>
-          <a:ext cx="0" cy="0"/>
-          <a:chOff x="0" y="0"/>
-          <a:chExt cx="0" cy="0"/>
-        </a:xfrm>
-      </p:grpSpPr>
-      <p:sp>
-        <p:nvSpPr>
-          <p:cNvPr id="2" name="Title 1">
-            <a:extLst>
-              <a:ext uri="{FF2B5EF4-FFF2-40B4-BE49-F238E27FC236}">
-                <a16:creationId xmlns:a16="http://schemas.microsoft.com/office/drawing/2014/main" id="{F6FB5FDF-ADB1-4F4D-AD3F-FE041D61EF24}"/>
-              </a:ext>
-            </a:extLst>
-          </p:cNvPr>
-          <p:cNvSpPr>
-            <a:spLocks noGrp="1"/>
-          </p:cNvSpPr>
-          <p:nvPr>
-            <p:ph type="title"/>
-          </p:nvPr>
-        </p:nvSpPr>
-        <p:spPr/>
-        <p:txBody>
-          <a:bodyPr/>
-          <a:lstStyle/>
-          <a:p>
-            <a:r>
-              <a:rPr lang="en-US"/>
-              <a:t>Click to edit Master title style</a:t>
-            </a:r>
-            <a:endParaRPr lang="en-GB"/>
-          </a:p>
-        </p:txBody>
-      </p:sp>
-      <p:sp>
-        <p:nvSpPr>
-          <p:cNvPr id="3" name="Content Placeholder 2">
-            <a:extLst>
-              <a:ext uri="{FF2B5EF4-FFF2-40B4-BE49-F238E27FC236}">
-                <a16:creationId xmlns:a16="http://schemas.microsoft.com/office/drawing/2014/main" id="{5E72CD21-4CF3-4813-BA11-9049456C6E86}"/>
-              </a:ext>
-            </a:extLst>
-          </p:cNvPr>
-          <p:cNvSpPr>
-            <a:spLocks noGrp="1"/>
-          </p:cNvSpPr>
-          <p:nvPr>
-            <p:ph sz="half" idx="1"/>
-          </p:nvPr>
-        </p:nvSpPr>
-        <p:spPr>
-          <a:xfrm>
-            <a:off x="1192143" y="2596444"/>
-            <a:ext cx="7369612" cy="6188570"/>
-          </a:xfrm>
-        </p:spPr>
-        <p:txBody>
-          <a:bodyPr/>
-          <a:lstStyle/>
-          <a:p>
-            <a:pPr lvl="0"/>
-            <a:r>
-              <a:rPr lang="en-US"/>
-              <a:t>Click to edit Master text styles</a:t>
-            </a:r>
-          </a:p>
-          <a:p>
-            <a:pPr lvl="1"/>
-            <a:r>
-              <a:rPr lang="en-US"/>
-              <a:t>Second level</a:t>
-            </a:r>
-          </a:p>
-          <a:p>
-            <a:pPr lvl="2"/>
-            <a:r>
-              <a:rPr lang="en-US"/>
-              <a:t>Third level</a:t>
-            </a:r>
-          </a:p>
-          <a:p>
-            <a:pPr lvl="3"/>
-            <a:r>
-              <a:rPr lang="en-US"/>
-              <a:t>Fourth level</a:t>
-            </a:r>
-          </a:p>
-          <a:p>
-            <a:pPr lvl="4"/>
-            <a:r>
-              <a:rPr lang="en-US"/>
-              <a:t>Fifth level</a:t>
-            </a:r>
-            <a:endParaRPr lang="en-GB"/>
-          </a:p>
-        </p:txBody>
-      </p:sp>
-      <p:sp>
-        <p:nvSpPr>
-          <p:cNvPr id="4" name="Content Placeholder 3">
-            <a:extLst>
-              <a:ext uri="{FF2B5EF4-FFF2-40B4-BE49-F238E27FC236}">
-                <a16:creationId xmlns:a16="http://schemas.microsoft.com/office/drawing/2014/main" id="{3F2DAAF8-F4C2-4F5A-B537-A13D19379D25}"/>
-              </a:ext>
-            </a:extLst>
-          </p:cNvPr>
-          <p:cNvSpPr>
-            <a:spLocks noGrp="1"/>
-          </p:cNvSpPr>
-          <p:nvPr>
-            <p:ph sz="half" idx="2"/>
-          </p:nvPr>
-        </p:nvSpPr>
-        <p:spPr>
-          <a:xfrm>
-            <a:off x="8778508" y="2596444"/>
-            <a:ext cx="7369612" cy="6188570"/>
-          </a:xfrm>
-        </p:spPr>
-        <p:txBody>
-          <a:bodyPr/>
-          <a:lstStyle/>
-          <a:p>
-            <a:pPr lvl="0"/>
-            <a:r>
-              <a:rPr lang="en-US"/>
-              <a:t>Click to edit Master text styles</a:t>
-            </a:r>
-          </a:p>
-          <a:p>
-            <a:pPr lvl="1"/>
-            <a:r>
-              <a:rPr lang="en-US"/>
-              <a:t>Second level</a:t>
-            </a:r>
-          </a:p>
-          <a:p>
-            <a:pPr lvl="2"/>
-            <a:r>
-              <a:rPr lang="en-US"/>
-              <a:t>Third level</a:t>
-            </a:r>
-          </a:p>
-          <a:p>
-            <a:pPr lvl="3"/>
-            <a:r>
-              <a:rPr lang="en-US"/>
-              <a:t>Fourth level</a:t>
-            </a:r>
-          </a:p>
-          <a:p>
-            <a:pPr lvl="4"/>
-            <a:r>
-              <a:rPr lang="en-US"/>
-              <a:t>Fifth level</a:t>
-            </a:r>
-            <a:endParaRPr lang="en-GB"/>
-          </a:p>
-        </p:txBody>
-      </p:sp>
-      <p:sp>
-        <p:nvSpPr>
-          <p:cNvPr id="5" name="Date Placeholder 4">
-            <a:extLst>
-              <a:ext uri="{FF2B5EF4-FFF2-40B4-BE49-F238E27FC236}">
-                <a16:creationId xmlns:a16="http://schemas.microsoft.com/office/drawing/2014/main" id="{E82BD357-D0A9-41FA-A7C8-371A6E8E820C}"/>
-              </a:ext>
-            </a:extLst>
-          </p:cNvPr>
-          <p:cNvSpPr>
-            <a:spLocks noGrp="1"/>
-          </p:cNvSpPr>
-          <p:nvPr>
-            <p:ph type="dt" sz="half" idx="10"/>
-          </p:nvPr>
-        </p:nvSpPr>
-        <p:spPr/>
-        <p:txBody>
-          <a:bodyPr/>
-          <a:lstStyle/>
-          <a:p>
-            <a:fld id="{5CAFF7CB-A38A-4A36-B304-607D939BA3D6}" type="datetimeFigureOut">
-              <a:rPr lang="en-GB" smtClean="0"/>
-              <a:t>05/12/2023</a:t>
-            </a:fld>
-            <a:endParaRPr lang="en-GB"/>
-          </a:p>
-        </p:txBody>
-      </p:sp>
-      <p:sp>
-        <p:nvSpPr>
-          <p:cNvPr id="6" name="Footer Placeholder 5">
-            <a:extLst>
-              <a:ext uri="{FF2B5EF4-FFF2-40B4-BE49-F238E27FC236}">
-                <a16:creationId xmlns:a16="http://schemas.microsoft.com/office/drawing/2014/main" id="{BD03B8FC-7D43-4397-979D-1A8D8BAF641E}"/>
-              </a:ext>
-            </a:extLst>
-          </p:cNvPr>
-          <p:cNvSpPr>
-            <a:spLocks noGrp="1"/>
-          </p:cNvSpPr>
-          <p:nvPr>
-            <p:ph type="ftr" sz="quarter" idx="11"/>
-          </p:nvPr>
-        </p:nvSpPr>
-        <p:spPr/>
-        <p:txBody>
-          <a:bodyPr/>
-          <a:lstStyle/>
-          <a:p>
-            <a:endParaRPr lang="en-GB"/>
-          </a:p>
-        </p:txBody>
-      </p:sp>
-      <p:sp>
-        <p:nvSpPr>
-          <p:cNvPr id="7" name="Slide Number Placeholder 6">
-            <a:extLst>
-              <a:ext uri="{FF2B5EF4-FFF2-40B4-BE49-F238E27FC236}">
-                <a16:creationId xmlns:a16="http://schemas.microsoft.com/office/drawing/2014/main" id="{E5FE2297-B4ED-4FDA-8AE1-B2AD64550315}"/>
-              </a:ext>
-            </a:extLst>
-          </p:cNvPr>
-          <p:cNvSpPr>
-            <a:spLocks noGrp="1"/>
-          </p:cNvSpPr>
-          <p:nvPr>
-            <p:ph type="sldNum" sz="quarter" idx="12"/>
-          </p:nvPr>
-        </p:nvSpPr>
-        <p:spPr/>
-        <p:txBody>
-          <a:bodyPr/>
-          <a:lstStyle/>
-          <a:p>
-            <a:fld id="{981EB3C1-91EE-4842-99D8-6C7F16425B7A}" type="slidenum">
-              <a:rPr lang="en-GB" smtClean="0"/>
-              <a:t>‹#›</a:t>
-            </a:fld>
-            <a:endParaRPr lang="en-GB"/>
-          </a:p>
-        </p:txBody>
-      </p:sp>
-    </p:spTree>
-    <p:extLst>
-      <p:ext uri="{BB962C8B-B14F-4D97-AF65-F5344CB8AC3E}">
-        <p14:creationId xmlns:p14="http://schemas.microsoft.com/office/powerpoint/2010/main" val="2868762508"/>
-      </p:ext>
-    </p:extLst>
-  </p:cSld>
-  <p:clrMapOvr>
-    <a:masterClrMapping/>
-  </p:clrMapOvr>
-</p:sldLayout>
-</file>
-
-<file path=ppt/slideLayouts/slideLayout71.xml><?xml version="1.0" encoding="utf-8"?>
-<p:sldLayout xmlns:a="http://schemas.openxmlformats.org/drawingml/2006/main" xmlns:r="http://schemas.openxmlformats.org/officeDocument/2006/relationships" xmlns:p="http://schemas.openxmlformats.org/presentationml/2006/main" type="twoTxTwoObj" preserve="1">
-  <p:cSld name="Comparison">
-    <p:spTree>
-      <p:nvGrpSpPr>
-        <p:cNvPr id="1" name=""/>
-        <p:cNvGrpSpPr/>
-        <p:nvPr/>
-      </p:nvGrpSpPr>
-      <p:grpSpPr>
-        <a:xfrm>
-          <a:off x="0" y="0"/>
-          <a:ext cx="0" cy="0"/>
-          <a:chOff x="0" y="0"/>
-          <a:chExt cx="0" cy="0"/>
-        </a:xfrm>
-      </p:grpSpPr>
-      <p:sp>
-        <p:nvSpPr>
-          <p:cNvPr id="2" name="Title 1">
-            <a:extLst>
-              <a:ext uri="{FF2B5EF4-FFF2-40B4-BE49-F238E27FC236}">
-                <a16:creationId xmlns:a16="http://schemas.microsoft.com/office/drawing/2014/main" id="{F169C22A-432C-4774-BDF5-A4921B83888C}"/>
-              </a:ext>
-            </a:extLst>
-          </p:cNvPr>
-          <p:cNvSpPr>
-            <a:spLocks noGrp="1"/>
-          </p:cNvSpPr>
-          <p:nvPr>
-            <p:ph type="title"/>
-          </p:nvPr>
-        </p:nvSpPr>
-        <p:spPr>
-          <a:xfrm>
-            <a:off x="1194402" y="519290"/>
-            <a:ext cx="14955977" cy="1885245"/>
-          </a:xfrm>
-        </p:spPr>
-        <p:txBody>
-          <a:bodyPr/>
-          <a:lstStyle/>
-          <a:p>
-            <a:r>
-              <a:rPr lang="en-US"/>
-              <a:t>Click to edit Master title style</a:t>
-            </a:r>
-            <a:endParaRPr lang="en-GB"/>
-          </a:p>
-        </p:txBody>
-      </p:sp>
-      <p:sp>
-        <p:nvSpPr>
-          <p:cNvPr id="3" name="Text Placeholder 2">
-            <a:extLst>
-              <a:ext uri="{FF2B5EF4-FFF2-40B4-BE49-F238E27FC236}">
-                <a16:creationId xmlns:a16="http://schemas.microsoft.com/office/drawing/2014/main" id="{4FB4016D-DCA8-47FD-9665-05F30D5A5E71}"/>
-              </a:ext>
-            </a:extLst>
-          </p:cNvPr>
-          <p:cNvSpPr>
-            <a:spLocks noGrp="1"/>
-          </p:cNvSpPr>
-          <p:nvPr>
-            <p:ph type="body" idx="1"/>
-          </p:nvPr>
-        </p:nvSpPr>
-        <p:spPr>
-          <a:xfrm>
-            <a:off x="1194403" y="2390987"/>
-            <a:ext cx="7335743" cy="1171786"/>
-          </a:xfrm>
-        </p:spPr>
-        <p:txBody>
-          <a:bodyPr anchor="b"/>
-          <a:lstStyle>
-            <a:lvl1pPr marL="0" indent="0">
-              <a:buNone/>
-              <a:defRPr sz="3413" b="1"/>
-            </a:lvl1pPr>
-            <a:lvl2pPr marL="650230" indent="0">
-              <a:buNone/>
-              <a:defRPr sz="2844" b="1"/>
-            </a:lvl2pPr>
-            <a:lvl3pPr marL="1300460" indent="0">
-              <a:buNone/>
-              <a:defRPr sz="2560" b="1"/>
-            </a:lvl3pPr>
-            <a:lvl4pPr marL="1950690" indent="0">
-              <a:buNone/>
-              <a:defRPr sz="2276" b="1"/>
-            </a:lvl4pPr>
-            <a:lvl5pPr marL="2600919" indent="0">
-              <a:buNone/>
-              <a:defRPr sz="2276" b="1"/>
-            </a:lvl5pPr>
-            <a:lvl6pPr marL="3251149" indent="0">
-              <a:buNone/>
-              <a:defRPr sz="2276" b="1"/>
-            </a:lvl6pPr>
-            <a:lvl7pPr marL="3901379" indent="0">
-              <a:buNone/>
-              <a:defRPr sz="2276" b="1"/>
-            </a:lvl7pPr>
-            <a:lvl8pPr marL="4551609" indent="0">
-              <a:buNone/>
-              <a:defRPr sz="2276" b="1"/>
-            </a:lvl8pPr>
-            <a:lvl9pPr marL="5201839" indent="0">
-              <a:buNone/>
-              <a:defRPr sz="2276" b="1"/>
-            </a:lvl9pPr>
-          </a:lstStyle>
-          <a:p>
-            <a:pPr lvl="0"/>
-            <a:r>
-              <a:rPr lang="en-US"/>
-              <a:t>Click to edit Master text styles</a:t>
-            </a:r>
-          </a:p>
-        </p:txBody>
-      </p:sp>
-      <p:sp>
-        <p:nvSpPr>
-          <p:cNvPr id="4" name="Content Placeholder 3">
-            <a:extLst>
-              <a:ext uri="{FF2B5EF4-FFF2-40B4-BE49-F238E27FC236}">
-                <a16:creationId xmlns:a16="http://schemas.microsoft.com/office/drawing/2014/main" id="{6C506BDF-4E07-45BD-9AD1-E6C340A5AC8E}"/>
-              </a:ext>
-            </a:extLst>
-          </p:cNvPr>
-          <p:cNvSpPr>
-            <a:spLocks noGrp="1"/>
-          </p:cNvSpPr>
-          <p:nvPr>
-            <p:ph sz="half" idx="2"/>
-          </p:nvPr>
-        </p:nvSpPr>
-        <p:spPr>
-          <a:xfrm>
-            <a:off x="1194403" y="3562773"/>
-            <a:ext cx="7335743" cy="5240303"/>
-          </a:xfrm>
-        </p:spPr>
-        <p:txBody>
-          <a:bodyPr/>
-          <a:lstStyle/>
-          <a:p>
-            <a:pPr lvl="0"/>
-            <a:r>
-              <a:rPr lang="en-US"/>
-              <a:t>Click to edit Master text styles</a:t>
-            </a:r>
-          </a:p>
-          <a:p>
-            <a:pPr lvl="1"/>
-            <a:r>
-              <a:rPr lang="en-US"/>
-              <a:t>Second level</a:t>
-            </a:r>
-          </a:p>
-          <a:p>
-            <a:pPr lvl="2"/>
-            <a:r>
-              <a:rPr lang="en-US"/>
-              <a:t>Third level</a:t>
-            </a:r>
-          </a:p>
-          <a:p>
-            <a:pPr lvl="3"/>
-            <a:r>
-              <a:rPr lang="en-US"/>
-              <a:t>Fourth level</a:t>
-            </a:r>
-          </a:p>
-          <a:p>
-            <a:pPr lvl="4"/>
-            <a:r>
-              <a:rPr lang="en-US"/>
-              <a:t>Fifth level</a:t>
-            </a:r>
-            <a:endParaRPr lang="en-GB"/>
-          </a:p>
-        </p:txBody>
-      </p:sp>
-      <p:sp>
-        <p:nvSpPr>
-          <p:cNvPr id="5" name="Text Placeholder 4">
-            <a:extLst>
-              <a:ext uri="{FF2B5EF4-FFF2-40B4-BE49-F238E27FC236}">
-                <a16:creationId xmlns:a16="http://schemas.microsoft.com/office/drawing/2014/main" id="{7494838E-05EF-4920-819B-6ADFB7EE7530}"/>
-              </a:ext>
-            </a:extLst>
-          </p:cNvPr>
-          <p:cNvSpPr>
-            <a:spLocks noGrp="1"/>
-          </p:cNvSpPr>
-          <p:nvPr>
-            <p:ph type="body" sz="quarter" idx="3"/>
-          </p:nvPr>
-        </p:nvSpPr>
-        <p:spPr>
-          <a:xfrm>
-            <a:off x="8778508" y="2390987"/>
-            <a:ext cx="7371870" cy="1171786"/>
-          </a:xfrm>
-        </p:spPr>
-        <p:txBody>
-          <a:bodyPr anchor="b"/>
-          <a:lstStyle>
-            <a:lvl1pPr marL="0" indent="0">
-              <a:buNone/>
-              <a:defRPr sz="3413" b="1"/>
-            </a:lvl1pPr>
-            <a:lvl2pPr marL="650230" indent="0">
-              <a:buNone/>
-              <a:defRPr sz="2844" b="1"/>
-            </a:lvl2pPr>
-            <a:lvl3pPr marL="1300460" indent="0">
-              <a:buNone/>
-              <a:defRPr sz="2560" b="1"/>
-            </a:lvl3pPr>
-            <a:lvl4pPr marL="1950690" indent="0">
-              <a:buNone/>
-              <a:defRPr sz="2276" b="1"/>
-            </a:lvl4pPr>
-            <a:lvl5pPr marL="2600919" indent="0">
-              <a:buNone/>
-              <a:defRPr sz="2276" b="1"/>
-            </a:lvl5pPr>
-            <a:lvl6pPr marL="3251149" indent="0">
-              <a:buNone/>
-              <a:defRPr sz="2276" b="1"/>
-            </a:lvl6pPr>
-            <a:lvl7pPr marL="3901379" indent="0">
-              <a:buNone/>
-              <a:defRPr sz="2276" b="1"/>
-            </a:lvl7pPr>
-            <a:lvl8pPr marL="4551609" indent="0">
-              <a:buNone/>
-              <a:defRPr sz="2276" b="1"/>
-            </a:lvl8pPr>
-            <a:lvl9pPr marL="5201839" indent="0">
-              <a:buNone/>
-              <a:defRPr sz="2276" b="1"/>
-            </a:lvl9pPr>
-          </a:lstStyle>
-          <a:p>
-            <a:pPr lvl="0"/>
-            <a:r>
-              <a:rPr lang="en-US"/>
-              <a:t>Click to edit Master text styles</a:t>
-            </a:r>
-          </a:p>
-        </p:txBody>
-      </p:sp>
-      <p:sp>
-        <p:nvSpPr>
-          <p:cNvPr id="6" name="Content Placeholder 5">
-            <a:extLst>
-              <a:ext uri="{FF2B5EF4-FFF2-40B4-BE49-F238E27FC236}">
-                <a16:creationId xmlns:a16="http://schemas.microsoft.com/office/drawing/2014/main" id="{F978B826-AD82-42BC-B8E1-FBA32582FF7C}"/>
-              </a:ext>
-            </a:extLst>
-          </p:cNvPr>
-          <p:cNvSpPr>
-            <a:spLocks noGrp="1"/>
-          </p:cNvSpPr>
-          <p:nvPr>
-            <p:ph sz="quarter" idx="4"/>
-          </p:nvPr>
-        </p:nvSpPr>
-        <p:spPr>
-          <a:xfrm>
-            <a:off x="8778508" y="3562773"/>
-            <a:ext cx="7371870" cy="5240303"/>
-          </a:xfrm>
-        </p:spPr>
-        <p:txBody>
-          <a:bodyPr/>
-          <a:lstStyle/>
-          <a:p>
-            <a:pPr lvl="0"/>
-            <a:r>
-              <a:rPr lang="en-US"/>
-              <a:t>Click to edit Master text styles</a:t>
-            </a:r>
-          </a:p>
-          <a:p>
-            <a:pPr lvl="1"/>
-            <a:r>
-              <a:rPr lang="en-US"/>
-              <a:t>Second level</a:t>
-            </a:r>
-          </a:p>
-          <a:p>
-            <a:pPr lvl="2"/>
-            <a:r>
-              <a:rPr lang="en-US"/>
-              <a:t>Third level</a:t>
-            </a:r>
-          </a:p>
-          <a:p>
-            <a:pPr lvl="3"/>
-            <a:r>
-              <a:rPr lang="en-US"/>
-              <a:t>Fourth level</a:t>
-            </a:r>
-          </a:p>
-          <a:p>
-            <a:pPr lvl="4"/>
-            <a:r>
-              <a:rPr lang="en-US"/>
-              <a:t>Fifth level</a:t>
-            </a:r>
-            <a:endParaRPr lang="en-GB"/>
-          </a:p>
-        </p:txBody>
-      </p:sp>
-      <p:sp>
-        <p:nvSpPr>
-          <p:cNvPr id="7" name="Date Placeholder 6">
-            <a:extLst>
-              <a:ext uri="{FF2B5EF4-FFF2-40B4-BE49-F238E27FC236}">
-                <a16:creationId xmlns:a16="http://schemas.microsoft.com/office/drawing/2014/main" id="{2F9D1F97-B931-4806-8D59-C459950F647C}"/>
-              </a:ext>
-            </a:extLst>
-          </p:cNvPr>
-          <p:cNvSpPr>
-            <a:spLocks noGrp="1"/>
-          </p:cNvSpPr>
-          <p:nvPr>
-            <p:ph type="dt" sz="half" idx="10"/>
-          </p:nvPr>
-        </p:nvSpPr>
-        <p:spPr/>
-        <p:txBody>
-          <a:bodyPr/>
-          <a:lstStyle/>
-          <a:p>
-            <a:fld id="{5CAFF7CB-A38A-4A36-B304-607D939BA3D6}" type="datetimeFigureOut">
-              <a:rPr lang="en-GB" smtClean="0"/>
-              <a:t>05/12/2023</a:t>
-            </a:fld>
-            <a:endParaRPr lang="en-GB"/>
-          </a:p>
-        </p:txBody>
-      </p:sp>
-      <p:sp>
-        <p:nvSpPr>
-          <p:cNvPr id="8" name="Footer Placeholder 7">
-            <a:extLst>
-              <a:ext uri="{FF2B5EF4-FFF2-40B4-BE49-F238E27FC236}">
-                <a16:creationId xmlns:a16="http://schemas.microsoft.com/office/drawing/2014/main" id="{6CAF5EAA-43A6-4A06-A0B8-90859F648BB6}"/>
-              </a:ext>
-            </a:extLst>
-          </p:cNvPr>
-          <p:cNvSpPr>
-            <a:spLocks noGrp="1"/>
-          </p:cNvSpPr>
-          <p:nvPr>
-            <p:ph type="ftr" sz="quarter" idx="11"/>
-          </p:nvPr>
-        </p:nvSpPr>
-        <p:spPr/>
-        <p:txBody>
-          <a:bodyPr/>
-          <a:lstStyle/>
-          <a:p>
-            <a:endParaRPr lang="en-GB"/>
-          </a:p>
-        </p:txBody>
-      </p:sp>
-      <p:sp>
-        <p:nvSpPr>
-          <p:cNvPr id="9" name="Slide Number Placeholder 8">
-            <a:extLst>
-              <a:ext uri="{FF2B5EF4-FFF2-40B4-BE49-F238E27FC236}">
-                <a16:creationId xmlns:a16="http://schemas.microsoft.com/office/drawing/2014/main" id="{2D6B9FA8-2902-45EE-B3EF-E0FF037C3EDE}"/>
-              </a:ext>
-            </a:extLst>
-          </p:cNvPr>
-          <p:cNvSpPr>
-            <a:spLocks noGrp="1"/>
-          </p:cNvSpPr>
-          <p:nvPr>
-            <p:ph type="sldNum" sz="quarter" idx="12"/>
-          </p:nvPr>
-        </p:nvSpPr>
-        <p:spPr/>
-        <p:txBody>
-          <a:bodyPr/>
-          <a:lstStyle/>
-          <a:p>
-            <a:fld id="{981EB3C1-91EE-4842-99D8-6C7F16425B7A}" type="slidenum">
-              <a:rPr lang="en-GB" smtClean="0"/>
-              <a:t>‹#›</a:t>
-            </a:fld>
-            <a:endParaRPr lang="en-GB"/>
-          </a:p>
-        </p:txBody>
-      </p:sp>
-    </p:spTree>
-    <p:extLst>
-      <p:ext uri="{BB962C8B-B14F-4D97-AF65-F5344CB8AC3E}">
-        <p14:creationId xmlns:p14="http://schemas.microsoft.com/office/powerpoint/2010/main" val="1851975191"/>
-      </p:ext>
-    </p:extLst>
-  </p:cSld>
-  <p:clrMapOvr>
-    <a:masterClrMapping/>
-  </p:clrMapOvr>
-</p:sldLayout>
-</file>
-
-<file path=ppt/slideLayouts/slideLayout72.xml><?xml version="1.0" encoding="utf-8"?>
-<p:sldLayout xmlns:a="http://schemas.openxmlformats.org/drawingml/2006/main" xmlns:r="http://schemas.openxmlformats.org/officeDocument/2006/relationships" xmlns:p="http://schemas.openxmlformats.org/presentationml/2006/main" type="titleOnly" preserve="1">
-  <p:cSld name="Title Only">
-    <p:spTree>
-      <p:nvGrpSpPr>
-        <p:cNvPr id="1" name=""/>
-        <p:cNvGrpSpPr/>
-        <p:nvPr/>
-      </p:nvGrpSpPr>
-      <p:grpSpPr>
-        <a:xfrm>
-          <a:off x="0" y="0"/>
-          <a:ext cx="0" cy="0"/>
-          <a:chOff x="0" y="0"/>
-          <a:chExt cx="0" cy="0"/>
-        </a:xfrm>
-      </p:grpSpPr>
-      <p:sp>
-        <p:nvSpPr>
-          <p:cNvPr id="2" name="Title 1">
-            <a:extLst>
-              <a:ext uri="{FF2B5EF4-FFF2-40B4-BE49-F238E27FC236}">
-                <a16:creationId xmlns:a16="http://schemas.microsoft.com/office/drawing/2014/main" id="{7712947F-A4E9-4769-826F-A72FA9FD14CD}"/>
-              </a:ext>
-            </a:extLst>
-          </p:cNvPr>
-          <p:cNvSpPr>
-            <a:spLocks noGrp="1"/>
-          </p:cNvSpPr>
-          <p:nvPr>
-            <p:ph type="title"/>
-          </p:nvPr>
-        </p:nvSpPr>
-        <p:spPr/>
-        <p:txBody>
-          <a:bodyPr/>
-          <a:lstStyle/>
-          <a:p>
-            <a:r>
-              <a:rPr lang="en-US"/>
-              <a:t>Click to edit Master title style</a:t>
-            </a:r>
-            <a:endParaRPr lang="en-GB"/>
-          </a:p>
-        </p:txBody>
-      </p:sp>
-      <p:sp>
-        <p:nvSpPr>
-          <p:cNvPr id="3" name="Date Placeholder 2">
-            <a:extLst>
-              <a:ext uri="{FF2B5EF4-FFF2-40B4-BE49-F238E27FC236}">
-                <a16:creationId xmlns:a16="http://schemas.microsoft.com/office/drawing/2014/main" id="{005D0767-878E-4219-A29E-385F60C32518}"/>
-              </a:ext>
-            </a:extLst>
-          </p:cNvPr>
-          <p:cNvSpPr>
-            <a:spLocks noGrp="1"/>
-          </p:cNvSpPr>
-          <p:nvPr>
-            <p:ph type="dt" sz="half" idx="10"/>
-          </p:nvPr>
-        </p:nvSpPr>
-        <p:spPr/>
-        <p:txBody>
-          <a:bodyPr/>
-          <a:lstStyle/>
-          <a:p>
-            <a:fld id="{5CAFF7CB-A38A-4A36-B304-607D939BA3D6}" type="datetimeFigureOut">
-              <a:rPr lang="en-GB" smtClean="0"/>
-              <a:t>05/12/2023</a:t>
-            </a:fld>
-            <a:endParaRPr lang="en-GB"/>
-          </a:p>
-        </p:txBody>
-      </p:sp>
-      <p:sp>
-        <p:nvSpPr>
-          <p:cNvPr id="4" name="Footer Placeholder 3">
-            <a:extLst>
-              <a:ext uri="{FF2B5EF4-FFF2-40B4-BE49-F238E27FC236}">
-                <a16:creationId xmlns:a16="http://schemas.microsoft.com/office/drawing/2014/main" id="{601311A0-1A52-4903-84D0-4F05B3F5F8F6}"/>
-              </a:ext>
-            </a:extLst>
-          </p:cNvPr>
-          <p:cNvSpPr>
-            <a:spLocks noGrp="1"/>
-          </p:cNvSpPr>
-          <p:nvPr>
-            <p:ph type="ftr" sz="quarter" idx="11"/>
-          </p:nvPr>
-        </p:nvSpPr>
-        <p:spPr/>
-        <p:txBody>
-          <a:bodyPr/>
-          <a:lstStyle/>
-          <a:p>
-            <a:endParaRPr lang="en-GB"/>
-          </a:p>
-        </p:txBody>
-      </p:sp>
-      <p:sp>
-        <p:nvSpPr>
-          <p:cNvPr id="5" name="Slide Number Placeholder 4">
-            <a:extLst>
-              <a:ext uri="{FF2B5EF4-FFF2-40B4-BE49-F238E27FC236}">
-                <a16:creationId xmlns:a16="http://schemas.microsoft.com/office/drawing/2014/main" id="{EDBCE3E9-5118-4E83-B32B-B9290FF21A3A}"/>
-              </a:ext>
-            </a:extLst>
-          </p:cNvPr>
-          <p:cNvSpPr>
-            <a:spLocks noGrp="1"/>
-          </p:cNvSpPr>
-          <p:nvPr>
-            <p:ph type="sldNum" sz="quarter" idx="12"/>
-          </p:nvPr>
-        </p:nvSpPr>
-        <p:spPr/>
-        <p:txBody>
-          <a:bodyPr/>
-          <a:lstStyle/>
-          <a:p>
-            <a:fld id="{981EB3C1-91EE-4842-99D8-6C7F16425B7A}" type="slidenum">
-              <a:rPr lang="en-GB" smtClean="0"/>
-              <a:t>‹#›</a:t>
-            </a:fld>
-            <a:endParaRPr lang="en-GB"/>
-          </a:p>
-        </p:txBody>
-      </p:sp>
-    </p:spTree>
-    <p:extLst>
-      <p:ext uri="{BB962C8B-B14F-4D97-AF65-F5344CB8AC3E}">
-        <p14:creationId xmlns:p14="http://schemas.microsoft.com/office/powerpoint/2010/main" val="3414278164"/>
-      </p:ext>
-    </p:extLst>
-  </p:cSld>
-  <p:clrMapOvr>
-    <a:masterClrMapping/>
-  </p:clrMapOvr>
-</p:sldLayout>
-</file>
-
-<file path=ppt/slideLayouts/slideLayout73.xml><?xml version="1.0" encoding="utf-8"?>
-<p:sldLayout xmlns:a="http://schemas.openxmlformats.org/drawingml/2006/main" xmlns:r="http://schemas.openxmlformats.org/officeDocument/2006/relationships" xmlns:p="http://schemas.openxmlformats.org/presentationml/2006/main" type="blank" preserve="1">
-  <p:cSld name="Blank">
-    <p:spTree>
-      <p:nvGrpSpPr>
-        <p:cNvPr id="1" name=""/>
-        <p:cNvGrpSpPr/>
-        <p:nvPr/>
-      </p:nvGrpSpPr>
-      <p:grpSpPr>
-        <a:xfrm>
-          <a:off x="0" y="0"/>
-          <a:ext cx="0" cy="0"/>
-          <a:chOff x="0" y="0"/>
-          <a:chExt cx="0" cy="0"/>
-        </a:xfrm>
-      </p:grpSpPr>
-      <p:sp>
-        <p:nvSpPr>
-          <p:cNvPr id="2" name="Date Placeholder 1">
-            <a:extLst>
-              <a:ext uri="{FF2B5EF4-FFF2-40B4-BE49-F238E27FC236}">
-                <a16:creationId xmlns:a16="http://schemas.microsoft.com/office/drawing/2014/main" id="{887101A4-A3C0-4399-951E-FDBB436DE2C7}"/>
-              </a:ext>
-            </a:extLst>
-          </p:cNvPr>
-          <p:cNvSpPr>
-            <a:spLocks noGrp="1"/>
-          </p:cNvSpPr>
-          <p:nvPr>
-            <p:ph type="dt" sz="half" idx="10"/>
-          </p:nvPr>
-        </p:nvSpPr>
-        <p:spPr/>
-        <p:txBody>
-          <a:bodyPr/>
-          <a:lstStyle/>
-          <a:p>
-            <a:fld id="{5CAFF7CB-A38A-4A36-B304-607D939BA3D6}" type="datetimeFigureOut">
-              <a:rPr lang="en-GB" smtClean="0"/>
-              <a:t>05/12/2023</a:t>
-            </a:fld>
-            <a:endParaRPr lang="en-GB"/>
-          </a:p>
-        </p:txBody>
-      </p:sp>
-      <p:sp>
-        <p:nvSpPr>
-          <p:cNvPr id="3" name="Footer Placeholder 2">
-            <a:extLst>
-              <a:ext uri="{FF2B5EF4-FFF2-40B4-BE49-F238E27FC236}">
-                <a16:creationId xmlns:a16="http://schemas.microsoft.com/office/drawing/2014/main" id="{134180E6-D8B4-43C6-A5D6-7A5E366E9D7E}"/>
-              </a:ext>
-            </a:extLst>
-          </p:cNvPr>
-          <p:cNvSpPr>
-            <a:spLocks noGrp="1"/>
-          </p:cNvSpPr>
-          <p:nvPr>
-            <p:ph type="ftr" sz="quarter" idx="11"/>
-          </p:nvPr>
-        </p:nvSpPr>
-        <p:spPr/>
-        <p:txBody>
-          <a:bodyPr/>
-          <a:lstStyle/>
-          <a:p>
-            <a:endParaRPr lang="en-GB"/>
-          </a:p>
-        </p:txBody>
-      </p:sp>
-      <p:sp>
-        <p:nvSpPr>
-          <p:cNvPr id="4" name="Slide Number Placeholder 3">
-            <a:extLst>
-              <a:ext uri="{FF2B5EF4-FFF2-40B4-BE49-F238E27FC236}">
-                <a16:creationId xmlns:a16="http://schemas.microsoft.com/office/drawing/2014/main" id="{929CE9FF-DD46-466D-9E31-8CBEE51250D7}"/>
-              </a:ext>
-            </a:extLst>
-          </p:cNvPr>
-          <p:cNvSpPr>
-            <a:spLocks noGrp="1"/>
-          </p:cNvSpPr>
-          <p:nvPr>
-            <p:ph type="sldNum" sz="quarter" idx="12"/>
-          </p:nvPr>
-        </p:nvSpPr>
-        <p:spPr/>
-        <p:txBody>
-          <a:bodyPr/>
-          <a:lstStyle/>
-          <a:p>
-            <a:fld id="{981EB3C1-91EE-4842-99D8-6C7F16425B7A}" type="slidenum">
-              <a:rPr lang="en-GB" smtClean="0"/>
-              <a:t>‹#›</a:t>
-            </a:fld>
-            <a:endParaRPr lang="en-GB"/>
-          </a:p>
-        </p:txBody>
-      </p:sp>
-    </p:spTree>
-    <p:extLst>
-      <p:ext uri="{BB962C8B-B14F-4D97-AF65-F5344CB8AC3E}">
-        <p14:creationId xmlns:p14="http://schemas.microsoft.com/office/powerpoint/2010/main" val="4065362892"/>
-      </p:ext>
-    </p:extLst>
-  </p:cSld>
-  <p:clrMapOvr>
-    <a:masterClrMapping/>
-  </p:clrMapOvr>
-</p:sldLayout>
-</file>
-
-<file path=ppt/slideLayouts/slideLayout74.xml><?xml version="1.0" encoding="utf-8"?>
-<p:sldLayout xmlns:a="http://schemas.openxmlformats.org/drawingml/2006/main" xmlns:r="http://schemas.openxmlformats.org/officeDocument/2006/relationships" xmlns:p="http://schemas.openxmlformats.org/presentationml/2006/main" type="objTx" preserve="1">
-  <p:cSld name="Content with Caption">
-    <p:spTree>
-      <p:nvGrpSpPr>
-        <p:cNvPr id="1" name=""/>
-        <p:cNvGrpSpPr/>
-        <p:nvPr/>
-      </p:nvGrpSpPr>
-      <p:grpSpPr>
-        <a:xfrm>
-          <a:off x="0" y="0"/>
-          <a:ext cx="0" cy="0"/>
-          <a:chOff x="0" y="0"/>
-          <a:chExt cx="0" cy="0"/>
-        </a:xfrm>
-      </p:grpSpPr>
-      <p:sp>
-        <p:nvSpPr>
-          <p:cNvPr id="2" name="Title 1">
-            <a:extLst>
-              <a:ext uri="{FF2B5EF4-FFF2-40B4-BE49-F238E27FC236}">
-                <a16:creationId xmlns:a16="http://schemas.microsoft.com/office/drawing/2014/main" id="{083A39A5-A7D8-4A1F-88BC-94B956E3CAB8}"/>
-              </a:ext>
-            </a:extLst>
-          </p:cNvPr>
-          <p:cNvSpPr>
-            <a:spLocks noGrp="1"/>
-          </p:cNvSpPr>
-          <p:nvPr>
-            <p:ph type="title"/>
-          </p:nvPr>
-        </p:nvSpPr>
-        <p:spPr>
-          <a:xfrm>
-            <a:off x="1194402" y="650240"/>
-            <a:ext cx="5592686" cy="2275840"/>
-          </a:xfrm>
-        </p:spPr>
-        <p:txBody>
-          <a:bodyPr anchor="b"/>
-          <a:lstStyle>
-            <a:lvl1pPr>
-              <a:defRPr sz="4551"/>
-            </a:lvl1pPr>
-          </a:lstStyle>
-          <a:p>
-            <a:r>
-              <a:rPr lang="en-US"/>
-              <a:t>Click to edit Master title style</a:t>
-            </a:r>
-            <a:endParaRPr lang="en-GB"/>
-          </a:p>
-        </p:txBody>
-      </p:sp>
-      <p:sp>
-        <p:nvSpPr>
-          <p:cNvPr id="3" name="Content Placeholder 2">
-            <a:extLst>
-              <a:ext uri="{FF2B5EF4-FFF2-40B4-BE49-F238E27FC236}">
-                <a16:creationId xmlns:a16="http://schemas.microsoft.com/office/drawing/2014/main" id="{83833DC9-DC58-4305-BC33-F06EDA9D4308}"/>
-              </a:ext>
-            </a:extLst>
-          </p:cNvPr>
-          <p:cNvSpPr>
-            <a:spLocks noGrp="1"/>
-          </p:cNvSpPr>
-          <p:nvPr>
-            <p:ph idx="1"/>
-          </p:nvPr>
-        </p:nvSpPr>
-        <p:spPr>
-          <a:xfrm>
-            <a:off x="7371870" y="1404338"/>
-            <a:ext cx="8778508" cy="6931378"/>
-          </a:xfrm>
-        </p:spPr>
-        <p:txBody>
-          <a:bodyPr/>
-          <a:lstStyle>
-            <a:lvl1pPr>
-              <a:defRPr sz="4551"/>
-            </a:lvl1pPr>
-            <a:lvl2pPr>
-              <a:defRPr sz="3982"/>
-            </a:lvl2pPr>
-            <a:lvl3pPr>
-              <a:defRPr sz="3413"/>
-            </a:lvl3pPr>
-            <a:lvl4pPr>
-              <a:defRPr sz="2844"/>
-            </a:lvl4pPr>
-            <a:lvl5pPr>
-              <a:defRPr sz="2844"/>
-            </a:lvl5pPr>
-            <a:lvl6pPr>
-              <a:defRPr sz="2844"/>
-            </a:lvl6pPr>
-            <a:lvl7pPr>
-              <a:defRPr sz="2844"/>
-            </a:lvl7pPr>
-            <a:lvl8pPr>
-              <a:defRPr sz="2844"/>
-            </a:lvl8pPr>
-            <a:lvl9pPr>
-              <a:defRPr sz="2844"/>
-            </a:lvl9pPr>
-          </a:lstStyle>
-          <a:p>
-            <a:pPr lvl="0"/>
-            <a:r>
-              <a:rPr lang="en-US"/>
-              <a:t>Click to edit Master text styles</a:t>
-            </a:r>
-          </a:p>
-          <a:p>
-            <a:pPr lvl="1"/>
-            <a:r>
-              <a:rPr lang="en-US"/>
-              <a:t>Second level</a:t>
-            </a:r>
-          </a:p>
-          <a:p>
-            <a:pPr lvl="2"/>
-            <a:r>
-              <a:rPr lang="en-US"/>
-              <a:t>Third level</a:t>
-            </a:r>
-          </a:p>
-          <a:p>
-            <a:pPr lvl="3"/>
-            <a:r>
-              <a:rPr lang="en-US"/>
-              <a:t>Fourth level</a:t>
-            </a:r>
-          </a:p>
-          <a:p>
-            <a:pPr lvl="4"/>
-            <a:r>
-              <a:rPr lang="en-US"/>
-              <a:t>Fifth level</a:t>
-            </a:r>
-            <a:endParaRPr lang="en-GB"/>
-          </a:p>
-        </p:txBody>
-      </p:sp>
-      <p:sp>
-        <p:nvSpPr>
-          <p:cNvPr id="4" name="Text Placeholder 3">
-            <a:extLst>
-              <a:ext uri="{FF2B5EF4-FFF2-40B4-BE49-F238E27FC236}">
-                <a16:creationId xmlns:a16="http://schemas.microsoft.com/office/drawing/2014/main" id="{E63E9032-AA78-4970-B405-3E80A3FC860B}"/>
-              </a:ext>
-            </a:extLst>
-          </p:cNvPr>
-          <p:cNvSpPr>
-            <a:spLocks noGrp="1"/>
-          </p:cNvSpPr>
-          <p:nvPr>
-            <p:ph type="body" sz="half" idx="2"/>
-          </p:nvPr>
-        </p:nvSpPr>
-        <p:spPr>
-          <a:xfrm>
-            <a:off x="1194402" y="2926080"/>
-            <a:ext cx="5592686" cy="5420925"/>
-          </a:xfrm>
-        </p:spPr>
-        <p:txBody>
-          <a:bodyPr/>
-          <a:lstStyle>
-            <a:lvl1pPr marL="0" indent="0">
-              <a:buNone/>
-              <a:defRPr sz="2276"/>
-            </a:lvl1pPr>
-            <a:lvl2pPr marL="650230" indent="0">
-              <a:buNone/>
-              <a:defRPr sz="1991"/>
-            </a:lvl2pPr>
-            <a:lvl3pPr marL="1300460" indent="0">
-              <a:buNone/>
-              <a:defRPr sz="1707"/>
-            </a:lvl3pPr>
-            <a:lvl4pPr marL="1950690" indent="0">
-              <a:buNone/>
-              <a:defRPr sz="1422"/>
-            </a:lvl4pPr>
-            <a:lvl5pPr marL="2600919" indent="0">
-              <a:buNone/>
-              <a:defRPr sz="1422"/>
-            </a:lvl5pPr>
-            <a:lvl6pPr marL="3251149" indent="0">
-              <a:buNone/>
-              <a:defRPr sz="1422"/>
-            </a:lvl6pPr>
-            <a:lvl7pPr marL="3901379" indent="0">
-              <a:buNone/>
-              <a:defRPr sz="1422"/>
-            </a:lvl7pPr>
-            <a:lvl8pPr marL="4551609" indent="0">
-              <a:buNone/>
-              <a:defRPr sz="1422"/>
-            </a:lvl8pPr>
-            <a:lvl9pPr marL="5201839" indent="0">
-              <a:buNone/>
-              <a:defRPr sz="1422"/>
-            </a:lvl9pPr>
-          </a:lstStyle>
-          <a:p>
-            <a:pPr lvl="0"/>
-            <a:r>
-              <a:rPr lang="en-US"/>
-              <a:t>Click to edit Master text styles</a:t>
-            </a:r>
-          </a:p>
-        </p:txBody>
-      </p:sp>
-      <p:sp>
-        <p:nvSpPr>
-          <p:cNvPr id="5" name="Date Placeholder 4">
-            <a:extLst>
-              <a:ext uri="{FF2B5EF4-FFF2-40B4-BE49-F238E27FC236}">
-                <a16:creationId xmlns:a16="http://schemas.microsoft.com/office/drawing/2014/main" id="{69CEF6BA-9236-4007-A4E2-69D3A0F65CFC}"/>
-              </a:ext>
-            </a:extLst>
-          </p:cNvPr>
-          <p:cNvSpPr>
-            <a:spLocks noGrp="1"/>
-          </p:cNvSpPr>
-          <p:nvPr>
-            <p:ph type="dt" sz="half" idx="10"/>
-          </p:nvPr>
-        </p:nvSpPr>
-        <p:spPr/>
-        <p:txBody>
-          <a:bodyPr/>
-          <a:lstStyle/>
-          <a:p>
-            <a:fld id="{5CAFF7CB-A38A-4A36-B304-607D939BA3D6}" type="datetimeFigureOut">
-              <a:rPr lang="en-GB" smtClean="0"/>
-              <a:t>05/12/2023</a:t>
-            </a:fld>
-            <a:endParaRPr lang="en-GB"/>
-          </a:p>
-        </p:txBody>
-      </p:sp>
-      <p:sp>
-        <p:nvSpPr>
-          <p:cNvPr id="6" name="Footer Placeholder 5">
-            <a:extLst>
-              <a:ext uri="{FF2B5EF4-FFF2-40B4-BE49-F238E27FC236}">
-                <a16:creationId xmlns:a16="http://schemas.microsoft.com/office/drawing/2014/main" id="{28D2E5C2-20A4-4E7C-BC0C-EE0AADB0A425}"/>
-              </a:ext>
-            </a:extLst>
-          </p:cNvPr>
-          <p:cNvSpPr>
-            <a:spLocks noGrp="1"/>
-          </p:cNvSpPr>
-          <p:nvPr>
-            <p:ph type="ftr" sz="quarter" idx="11"/>
-          </p:nvPr>
-        </p:nvSpPr>
-        <p:spPr/>
-        <p:txBody>
-          <a:bodyPr/>
-          <a:lstStyle/>
-          <a:p>
-            <a:endParaRPr lang="en-GB"/>
-          </a:p>
-        </p:txBody>
-      </p:sp>
-      <p:sp>
-        <p:nvSpPr>
-          <p:cNvPr id="7" name="Slide Number Placeholder 6">
-            <a:extLst>
-              <a:ext uri="{FF2B5EF4-FFF2-40B4-BE49-F238E27FC236}">
-                <a16:creationId xmlns:a16="http://schemas.microsoft.com/office/drawing/2014/main" id="{3206BB31-42A4-468A-8EDD-14DC9AC0A1C4}"/>
-              </a:ext>
-            </a:extLst>
-          </p:cNvPr>
-          <p:cNvSpPr>
-            <a:spLocks noGrp="1"/>
-          </p:cNvSpPr>
-          <p:nvPr>
-            <p:ph type="sldNum" sz="quarter" idx="12"/>
-          </p:nvPr>
-        </p:nvSpPr>
-        <p:spPr/>
-        <p:txBody>
-          <a:bodyPr/>
-          <a:lstStyle/>
-          <a:p>
-            <a:fld id="{981EB3C1-91EE-4842-99D8-6C7F16425B7A}" type="slidenum">
-              <a:rPr lang="en-GB" smtClean="0"/>
-              <a:t>‹#›</a:t>
-            </a:fld>
-            <a:endParaRPr lang="en-GB"/>
-          </a:p>
-        </p:txBody>
-      </p:sp>
-    </p:spTree>
-    <p:extLst>
-      <p:ext uri="{BB962C8B-B14F-4D97-AF65-F5344CB8AC3E}">
-        <p14:creationId xmlns:p14="http://schemas.microsoft.com/office/powerpoint/2010/main" val="585835541"/>
-      </p:ext>
-    </p:extLst>
-  </p:cSld>
-  <p:clrMapOvr>
-    <a:masterClrMapping/>
-  </p:clrMapOvr>
-</p:sldLayout>
-</file>
-
-<file path=ppt/slideLayouts/slideLayout75.xml><?xml version="1.0" encoding="utf-8"?>
-<p:sldLayout xmlns:a="http://schemas.openxmlformats.org/drawingml/2006/main" xmlns:r="http://schemas.openxmlformats.org/officeDocument/2006/relationships" xmlns:p="http://schemas.openxmlformats.org/presentationml/2006/main" type="picTx" preserve="1">
-  <p:cSld name="Picture with Caption">
-    <p:spTree>
-      <p:nvGrpSpPr>
-        <p:cNvPr id="1" name=""/>
-        <p:cNvGrpSpPr/>
-        <p:nvPr/>
-      </p:nvGrpSpPr>
-      <p:grpSpPr>
-        <a:xfrm>
-          <a:off x="0" y="0"/>
-          <a:ext cx="0" cy="0"/>
-          <a:chOff x="0" y="0"/>
-          <a:chExt cx="0" cy="0"/>
-        </a:xfrm>
-      </p:grpSpPr>
-      <p:sp>
-        <p:nvSpPr>
-          <p:cNvPr id="2" name="Title 1">
-            <a:extLst>
-              <a:ext uri="{FF2B5EF4-FFF2-40B4-BE49-F238E27FC236}">
-                <a16:creationId xmlns:a16="http://schemas.microsoft.com/office/drawing/2014/main" id="{D021BA97-1672-4DDB-8E17-42EE173A3D37}"/>
-              </a:ext>
-            </a:extLst>
-          </p:cNvPr>
-          <p:cNvSpPr>
-            <a:spLocks noGrp="1"/>
-          </p:cNvSpPr>
-          <p:nvPr>
-            <p:ph type="title"/>
-          </p:nvPr>
-        </p:nvSpPr>
-        <p:spPr>
-          <a:xfrm>
-            <a:off x="1194402" y="650240"/>
-            <a:ext cx="5592686" cy="2275840"/>
-          </a:xfrm>
-        </p:spPr>
-        <p:txBody>
-          <a:bodyPr anchor="b"/>
-          <a:lstStyle>
-            <a:lvl1pPr>
-              <a:defRPr sz="4551"/>
-            </a:lvl1pPr>
-          </a:lstStyle>
-          <a:p>
-            <a:r>
-              <a:rPr lang="en-US"/>
-              <a:t>Click to edit Master title style</a:t>
-            </a:r>
-            <a:endParaRPr lang="en-GB"/>
-          </a:p>
-        </p:txBody>
-      </p:sp>
-      <p:sp>
-        <p:nvSpPr>
-          <p:cNvPr id="3" name="Picture Placeholder 2">
-            <a:extLst>
-              <a:ext uri="{FF2B5EF4-FFF2-40B4-BE49-F238E27FC236}">
-                <a16:creationId xmlns:a16="http://schemas.microsoft.com/office/drawing/2014/main" id="{EFBE407A-42B5-415A-9970-7E9FE89F68D8}"/>
-              </a:ext>
-            </a:extLst>
-          </p:cNvPr>
-          <p:cNvSpPr>
-            <a:spLocks noGrp="1"/>
-          </p:cNvSpPr>
-          <p:nvPr>
-            <p:ph type="pic" idx="1"/>
-          </p:nvPr>
-        </p:nvSpPr>
-        <p:spPr>
-          <a:xfrm>
-            <a:off x="7371870" y="1404338"/>
-            <a:ext cx="8778508" cy="6931378"/>
-          </a:xfrm>
-        </p:spPr>
-        <p:txBody>
-          <a:bodyPr/>
-          <a:lstStyle>
-            <a:lvl1pPr marL="0" indent="0">
-              <a:buNone/>
-              <a:defRPr sz="4551"/>
-            </a:lvl1pPr>
-            <a:lvl2pPr marL="650230" indent="0">
-              <a:buNone/>
-              <a:defRPr sz="3982"/>
-            </a:lvl2pPr>
-            <a:lvl3pPr marL="1300460" indent="0">
-              <a:buNone/>
-              <a:defRPr sz="3413"/>
-            </a:lvl3pPr>
-            <a:lvl4pPr marL="1950690" indent="0">
-              <a:buNone/>
-              <a:defRPr sz="2844"/>
-            </a:lvl4pPr>
-            <a:lvl5pPr marL="2600919" indent="0">
-              <a:buNone/>
-              <a:defRPr sz="2844"/>
-            </a:lvl5pPr>
-            <a:lvl6pPr marL="3251149" indent="0">
-              <a:buNone/>
-              <a:defRPr sz="2844"/>
-            </a:lvl6pPr>
-            <a:lvl7pPr marL="3901379" indent="0">
-              <a:buNone/>
-              <a:defRPr sz="2844"/>
-            </a:lvl7pPr>
-            <a:lvl8pPr marL="4551609" indent="0">
-              <a:buNone/>
-              <a:defRPr sz="2844"/>
-            </a:lvl8pPr>
-            <a:lvl9pPr marL="5201839" indent="0">
-              <a:buNone/>
-              <a:defRPr sz="2844"/>
-            </a:lvl9pPr>
-          </a:lstStyle>
-          <a:p>
-            <a:endParaRPr lang="en-GB"/>
-          </a:p>
-        </p:txBody>
-      </p:sp>
-      <p:sp>
-        <p:nvSpPr>
-          <p:cNvPr id="4" name="Text Placeholder 3">
-            <a:extLst>
-              <a:ext uri="{FF2B5EF4-FFF2-40B4-BE49-F238E27FC236}">
-                <a16:creationId xmlns:a16="http://schemas.microsoft.com/office/drawing/2014/main" id="{F42D3155-CF09-4D65-9954-16A960DF8FED}"/>
-              </a:ext>
-            </a:extLst>
-          </p:cNvPr>
-          <p:cNvSpPr>
-            <a:spLocks noGrp="1"/>
-          </p:cNvSpPr>
-          <p:nvPr>
-            <p:ph type="body" sz="half" idx="2"/>
-          </p:nvPr>
-        </p:nvSpPr>
-        <p:spPr>
-          <a:xfrm>
-            <a:off x="1194402" y="2926080"/>
-            <a:ext cx="5592686" cy="5420925"/>
-          </a:xfrm>
-        </p:spPr>
-        <p:txBody>
-          <a:bodyPr/>
-          <a:lstStyle>
-            <a:lvl1pPr marL="0" indent="0">
-              <a:buNone/>
-              <a:defRPr sz="2276"/>
-            </a:lvl1pPr>
-            <a:lvl2pPr marL="650230" indent="0">
-              <a:buNone/>
-              <a:defRPr sz="1991"/>
-            </a:lvl2pPr>
-            <a:lvl3pPr marL="1300460" indent="0">
-              <a:buNone/>
-              <a:defRPr sz="1707"/>
-            </a:lvl3pPr>
-            <a:lvl4pPr marL="1950690" indent="0">
-              <a:buNone/>
-              <a:defRPr sz="1422"/>
-            </a:lvl4pPr>
-            <a:lvl5pPr marL="2600919" indent="0">
-              <a:buNone/>
-              <a:defRPr sz="1422"/>
-            </a:lvl5pPr>
-            <a:lvl6pPr marL="3251149" indent="0">
-              <a:buNone/>
-              <a:defRPr sz="1422"/>
-            </a:lvl6pPr>
-            <a:lvl7pPr marL="3901379" indent="0">
-              <a:buNone/>
-              <a:defRPr sz="1422"/>
-            </a:lvl7pPr>
-            <a:lvl8pPr marL="4551609" indent="0">
-              <a:buNone/>
-              <a:defRPr sz="1422"/>
-            </a:lvl8pPr>
-            <a:lvl9pPr marL="5201839" indent="0">
-              <a:buNone/>
-              <a:defRPr sz="1422"/>
-            </a:lvl9pPr>
-          </a:lstStyle>
-          <a:p>
-            <a:pPr lvl="0"/>
-            <a:r>
-              <a:rPr lang="en-US"/>
-              <a:t>Click to edit Master text styles</a:t>
-            </a:r>
-          </a:p>
-        </p:txBody>
-      </p:sp>
-      <p:sp>
-        <p:nvSpPr>
-          <p:cNvPr id="5" name="Date Placeholder 4">
-            <a:extLst>
-              <a:ext uri="{FF2B5EF4-FFF2-40B4-BE49-F238E27FC236}">
-                <a16:creationId xmlns:a16="http://schemas.microsoft.com/office/drawing/2014/main" id="{3EB45B26-01E5-4B76-B5B4-B74CB92739D0}"/>
-              </a:ext>
-            </a:extLst>
-          </p:cNvPr>
-          <p:cNvSpPr>
-            <a:spLocks noGrp="1"/>
-          </p:cNvSpPr>
-          <p:nvPr>
-            <p:ph type="dt" sz="half" idx="10"/>
-          </p:nvPr>
-        </p:nvSpPr>
-        <p:spPr/>
-        <p:txBody>
-          <a:bodyPr/>
-          <a:lstStyle/>
-          <a:p>
-            <a:fld id="{5CAFF7CB-A38A-4A36-B304-607D939BA3D6}" type="datetimeFigureOut">
-              <a:rPr lang="en-GB" smtClean="0"/>
-              <a:t>05/12/2023</a:t>
-            </a:fld>
-            <a:endParaRPr lang="en-GB"/>
-          </a:p>
-        </p:txBody>
-      </p:sp>
-      <p:sp>
-        <p:nvSpPr>
-          <p:cNvPr id="6" name="Footer Placeholder 5">
-            <a:extLst>
-              <a:ext uri="{FF2B5EF4-FFF2-40B4-BE49-F238E27FC236}">
-                <a16:creationId xmlns:a16="http://schemas.microsoft.com/office/drawing/2014/main" id="{8FEA6818-A28A-43B1-A3D0-0DFE14C3BD77}"/>
-              </a:ext>
-            </a:extLst>
-          </p:cNvPr>
-          <p:cNvSpPr>
-            <a:spLocks noGrp="1"/>
-          </p:cNvSpPr>
-          <p:nvPr>
-            <p:ph type="ftr" sz="quarter" idx="11"/>
-          </p:nvPr>
-        </p:nvSpPr>
-        <p:spPr/>
-        <p:txBody>
-          <a:bodyPr/>
-          <a:lstStyle/>
-          <a:p>
-            <a:endParaRPr lang="en-GB"/>
-          </a:p>
-        </p:txBody>
-      </p:sp>
-      <p:sp>
-        <p:nvSpPr>
-          <p:cNvPr id="7" name="Slide Number Placeholder 6">
-            <a:extLst>
-              <a:ext uri="{FF2B5EF4-FFF2-40B4-BE49-F238E27FC236}">
-                <a16:creationId xmlns:a16="http://schemas.microsoft.com/office/drawing/2014/main" id="{8083A2FF-39FA-4743-A0F7-67493B7B3C41}"/>
-              </a:ext>
-            </a:extLst>
-          </p:cNvPr>
-          <p:cNvSpPr>
-            <a:spLocks noGrp="1"/>
-          </p:cNvSpPr>
-          <p:nvPr>
-            <p:ph type="sldNum" sz="quarter" idx="12"/>
-          </p:nvPr>
-        </p:nvSpPr>
-        <p:spPr/>
-        <p:txBody>
-          <a:bodyPr/>
-          <a:lstStyle/>
-          <a:p>
-            <a:fld id="{981EB3C1-91EE-4842-99D8-6C7F16425B7A}" type="slidenum">
-              <a:rPr lang="en-GB" smtClean="0"/>
-              <a:t>‹#›</a:t>
-            </a:fld>
-            <a:endParaRPr lang="en-GB"/>
-          </a:p>
-        </p:txBody>
-      </p:sp>
-    </p:spTree>
-    <p:extLst>
-      <p:ext uri="{BB962C8B-B14F-4D97-AF65-F5344CB8AC3E}">
-        <p14:creationId xmlns:p14="http://schemas.microsoft.com/office/powerpoint/2010/main" val="361953679"/>
-      </p:ext>
-    </p:extLst>
-  </p:cSld>
-  <p:clrMapOvr>
-    <a:masterClrMapping/>
-  </p:clrMapOvr>
-</p:sldLayout>
-</file>
-
-<file path=ppt/slideLayouts/slideLayout76.xml><?xml version="1.0" encoding="utf-8"?>
-<p:sldLayout xmlns:a="http://schemas.openxmlformats.org/drawingml/2006/main" xmlns:r="http://schemas.openxmlformats.org/officeDocument/2006/relationships" xmlns:p="http://schemas.openxmlformats.org/presentationml/2006/main" type="vertTx" preserve="1">
-  <p:cSld name="Title and Vertical Text">
-    <p:spTree>
-      <p:nvGrpSpPr>
-        <p:cNvPr id="1" name=""/>
-        <p:cNvGrpSpPr/>
-        <p:nvPr/>
-      </p:nvGrpSpPr>
-      <p:grpSpPr>
-        <a:xfrm>
-          <a:off x="0" y="0"/>
-          <a:ext cx="0" cy="0"/>
-          <a:chOff x="0" y="0"/>
-          <a:chExt cx="0" cy="0"/>
-        </a:xfrm>
-      </p:grpSpPr>
-      <p:sp>
-        <p:nvSpPr>
-          <p:cNvPr id="2" name="Title 1">
-            <a:extLst>
-              <a:ext uri="{FF2B5EF4-FFF2-40B4-BE49-F238E27FC236}">
-                <a16:creationId xmlns:a16="http://schemas.microsoft.com/office/drawing/2014/main" id="{F3C8BC37-BB33-4E78-9DAB-D5D94F36F629}"/>
-              </a:ext>
-            </a:extLst>
-          </p:cNvPr>
-          <p:cNvSpPr>
-            <a:spLocks noGrp="1"/>
-          </p:cNvSpPr>
-          <p:nvPr>
-            <p:ph type="title"/>
-          </p:nvPr>
-        </p:nvSpPr>
-        <p:spPr/>
-        <p:txBody>
-          <a:bodyPr/>
-          <a:lstStyle/>
-          <a:p>
-            <a:r>
-              <a:rPr lang="en-US"/>
-              <a:t>Click to edit Master title style</a:t>
-            </a:r>
-            <a:endParaRPr lang="en-GB"/>
-          </a:p>
-        </p:txBody>
-      </p:sp>
-      <p:sp>
-        <p:nvSpPr>
-          <p:cNvPr id="3" name="Vertical Text Placeholder 2">
-            <a:extLst>
-              <a:ext uri="{FF2B5EF4-FFF2-40B4-BE49-F238E27FC236}">
-                <a16:creationId xmlns:a16="http://schemas.microsoft.com/office/drawing/2014/main" id="{73CCF0A8-1DCB-4334-9970-330181089351}"/>
-              </a:ext>
-            </a:extLst>
-          </p:cNvPr>
-          <p:cNvSpPr>
-            <a:spLocks noGrp="1"/>
-          </p:cNvSpPr>
-          <p:nvPr>
-            <p:ph type="body" orient="vert" idx="1"/>
-          </p:nvPr>
-        </p:nvSpPr>
-        <p:spPr/>
-        <p:txBody>
-          <a:bodyPr vert="eaVert"/>
-          <a:lstStyle/>
-          <a:p>
-            <a:pPr lvl="0"/>
-            <a:r>
-              <a:rPr lang="en-US"/>
-              <a:t>Click to edit Master text styles</a:t>
-            </a:r>
-          </a:p>
-          <a:p>
-            <a:pPr lvl="1"/>
-            <a:r>
-              <a:rPr lang="en-US"/>
-              <a:t>Second level</a:t>
-            </a:r>
-          </a:p>
-          <a:p>
-            <a:pPr lvl="2"/>
-            <a:r>
-              <a:rPr lang="en-US"/>
-              <a:t>Third level</a:t>
-            </a:r>
-          </a:p>
-          <a:p>
-            <a:pPr lvl="3"/>
-            <a:r>
-              <a:rPr lang="en-US"/>
-              <a:t>Fourth level</a:t>
-            </a:r>
-          </a:p>
-          <a:p>
-            <a:pPr lvl="4"/>
-            <a:r>
-              <a:rPr lang="en-US"/>
-              <a:t>Fifth level</a:t>
-            </a:r>
-            <a:endParaRPr lang="en-GB"/>
-          </a:p>
-        </p:txBody>
-      </p:sp>
-      <p:sp>
-        <p:nvSpPr>
-          <p:cNvPr id="4" name="Date Placeholder 3">
-            <a:extLst>
-              <a:ext uri="{FF2B5EF4-FFF2-40B4-BE49-F238E27FC236}">
-                <a16:creationId xmlns:a16="http://schemas.microsoft.com/office/drawing/2014/main" id="{422A4E6A-5B85-448E-A39E-B2F5520BAE0F}"/>
-              </a:ext>
-            </a:extLst>
-          </p:cNvPr>
-          <p:cNvSpPr>
-            <a:spLocks noGrp="1"/>
-          </p:cNvSpPr>
-          <p:nvPr>
-            <p:ph type="dt" sz="half" idx="10"/>
-          </p:nvPr>
-        </p:nvSpPr>
-        <p:spPr/>
-        <p:txBody>
-          <a:bodyPr/>
-          <a:lstStyle/>
-          <a:p>
-            <a:fld id="{5CAFF7CB-A38A-4A36-B304-607D939BA3D6}" type="datetimeFigureOut">
-              <a:rPr lang="en-GB" smtClean="0"/>
-              <a:t>05/12/2023</a:t>
-            </a:fld>
-            <a:endParaRPr lang="en-GB"/>
-          </a:p>
-        </p:txBody>
-      </p:sp>
-      <p:sp>
-        <p:nvSpPr>
-          <p:cNvPr id="5" name="Footer Placeholder 4">
-            <a:extLst>
-              <a:ext uri="{FF2B5EF4-FFF2-40B4-BE49-F238E27FC236}">
-                <a16:creationId xmlns:a16="http://schemas.microsoft.com/office/drawing/2014/main" id="{77A6BC1E-3596-4B36-B9A7-42A42AFC64C7}"/>
-              </a:ext>
-            </a:extLst>
-          </p:cNvPr>
-          <p:cNvSpPr>
-            <a:spLocks noGrp="1"/>
-          </p:cNvSpPr>
-          <p:nvPr>
-            <p:ph type="ftr" sz="quarter" idx="11"/>
-          </p:nvPr>
-        </p:nvSpPr>
-        <p:spPr/>
-        <p:txBody>
-          <a:bodyPr/>
-          <a:lstStyle/>
-          <a:p>
-            <a:endParaRPr lang="en-GB"/>
-          </a:p>
-        </p:txBody>
-      </p:sp>
-      <p:sp>
-        <p:nvSpPr>
-          <p:cNvPr id="6" name="Slide Number Placeholder 5">
-            <a:extLst>
-              <a:ext uri="{FF2B5EF4-FFF2-40B4-BE49-F238E27FC236}">
-                <a16:creationId xmlns:a16="http://schemas.microsoft.com/office/drawing/2014/main" id="{8EDC7271-69F4-4B6C-A5AD-492DAF7394CB}"/>
-              </a:ext>
-            </a:extLst>
-          </p:cNvPr>
-          <p:cNvSpPr>
-            <a:spLocks noGrp="1"/>
-          </p:cNvSpPr>
-          <p:nvPr>
-            <p:ph type="sldNum" sz="quarter" idx="12"/>
-          </p:nvPr>
-        </p:nvSpPr>
-        <p:spPr/>
-        <p:txBody>
-          <a:bodyPr/>
-          <a:lstStyle/>
-          <a:p>
-            <a:fld id="{981EB3C1-91EE-4842-99D8-6C7F16425B7A}" type="slidenum">
-              <a:rPr lang="en-GB" smtClean="0"/>
-              <a:t>‹#›</a:t>
-            </a:fld>
-            <a:endParaRPr lang="en-GB"/>
-          </a:p>
-        </p:txBody>
-      </p:sp>
-    </p:spTree>
-    <p:extLst>
-      <p:ext uri="{BB962C8B-B14F-4D97-AF65-F5344CB8AC3E}">
-        <p14:creationId xmlns:p14="http://schemas.microsoft.com/office/powerpoint/2010/main" val="2192960052"/>
-      </p:ext>
-    </p:extLst>
-  </p:cSld>
-  <p:clrMapOvr>
-    <a:masterClrMapping/>
-  </p:clrMapOvr>
-</p:sldLayout>
-</file>
-
-<file path=ppt/slideLayouts/slideLayout77.xml><?xml version="1.0" encoding="utf-8"?>
-<p:sldLayout xmlns:a="http://schemas.openxmlformats.org/drawingml/2006/main" xmlns:r="http://schemas.openxmlformats.org/officeDocument/2006/relationships" xmlns:p="http://schemas.openxmlformats.org/presentationml/2006/main" type="vertTitleAndTx" preserve="1">
-  <p:cSld name="Vertical Title and Text">
-    <p:spTree>
-      <p:nvGrpSpPr>
-        <p:cNvPr id="1" name=""/>
-        <p:cNvGrpSpPr/>
-        <p:nvPr/>
-      </p:nvGrpSpPr>
-      <p:grpSpPr>
-        <a:xfrm>
-          <a:off x="0" y="0"/>
-          <a:ext cx="0" cy="0"/>
-          <a:chOff x="0" y="0"/>
-          <a:chExt cx="0" cy="0"/>
-        </a:xfrm>
-      </p:grpSpPr>
-      <p:sp>
-        <p:nvSpPr>
-          <p:cNvPr id="2" name="Vertical Title 1">
-            <a:extLst>
-              <a:ext uri="{FF2B5EF4-FFF2-40B4-BE49-F238E27FC236}">
-                <a16:creationId xmlns:a16="http://schemas.microsoft.com/office/drawing/2014/main" id="{7954F673-F361-49FF-872E-C203C89515E2}"/>
-              </a:ext>
-            </a:extLst>
-          </p:cNvPr>
-          <p:cNvSpPr>
-            <a:spLocks noGrp="1"/>
-          </p:cNvSpPr>
-          <p:nvPr>
-            <p:ph type="title" orient="vert"/>
-          </p:nvPr>
-        </p:nvSpPr>
-        <p:spPr>
-          <a:xfrm>
-            <a:off x="12409126" y="519289"/>
-            <a:ext cx="3738994" cy="8265725"/>
-          </a:xfrm>
-        </p:spPr>
-        <p:txBody>
-          <a:bodyPr vert="eaVert"/>
-          <a:lstStyle/>
-          <a:p>
-            <a:r>
-              <a:rPr lang="en-US"/>
-              <a:t>Click to edit Master title style</a:t>
-            </a:r>
-            <a:endParaRPr lang="en-GB"/>
-          </a:p>
-        </p:txBody>
-      </p:sp>
-      <p:sp>
-        <p:nvSpPr>
-          <p:cNvPr id="3" name="Vertical Text Placeholder 2">
-            <a:extLst>
-              <a:ext uri="{FF2B5EF4-FFF2-40B4-BE49-F238E27FC236}">
-                <a16:creationId xmlns:a16="http://schemas.microsoft.com/office/drawing/2014/main" id="{5617B328-E536-457F-A484-F4DE9D9DC924}"/>
-              </a:ext>
-            </a:extLst>
-          </p:cNvPr>
-          <p:cNvSpPr>
-            <a:spLocks noGrp="1"/>
-          </p:cNvSpPr>
-          <p:nvPr>
-            <p:ph type="body" orient="vert" idx="1"/>
-          </p:nvPr>
-        </p:nvSpPr>
-        <p:spPr>
-          <a:xfrm>
-            <a:off x="1192143" y="519289"/>
-            <a:ext cx="11000229" cy="8265725"/>
-          </a:xfrm>
-        </p:spPr>
-        <p:txBody>
-          <a:bodyPr vert="eaVert"/>
-          <a:lstStyle/>
-          <a:p>
-            <a:pPr lvl="0"/>
-            <a:r>
-              <a:rPr lang="en-US"/>
-              <a:t>Click to edit Master text styles</a:t>
-            </a:r>
-          </a:p>
-          <a:p>
-            <a:pPr lvl="1"/>
-            <a:r>
-              <a:rPr lang="en-US"/>
-              <a:t>Second level</a:t>
-            </a:r>
-          </a:p>
-          <a:p>
-            <a:pPr lvl="2"/>
-            <a:r>
-              <a:rPr lang="en-US"/>
-              <a:t>Third level</a:t>
-            </a:r>
-          </a:p>
-          <a:p>
-            <a:pPr lvl="3"/>
-            <a:r>
-              <a:rPr lang="en-US"/>
-              <a:t>Fourth level</a:t>
-            </a:r>
-          </a:p>
-          <a:p>
-            <a:pPr lvl="4"/>
-            <a:r>
-              <a:rPr lang="en-US"/>
-              <a:t>Fifth level</a:t>
-            </a:r>
-            <a:endParaRPr lang="en-GB"/>
-          </a:p>
-        </p:txBody>
-      </p:sp>
-      <p:sp>
-        <p:nvSpPr>
-          <p:cNvPr id="4" name="Date Placeholder 3">
-            <a:extLst>
-              <a:ext uri="{FF2B5EF4-FFF2-40B4-BE49-F238E27FC236}">
-                <a16:creationId xmlns:a16="http://schemas.microsoft.com/office/drawing/2014/main" id="{DFF03EF8-15AA-4860-AE1D-F739881D0CA8}"/>
-              </a:ext>
-            </a:extLst>
-          </p:cNvPr>
-          <p:cNvSpPr>
-            <a:spLocks noGrp="1"/>
-          </p:cNvSpPr>
-          <p:nvPr>
-            <p:ph type="dt" sz="half" idx="10"/>
-          </p:nvPr>
-        </p:nvSpPr>
-        <p:spPr/>
-        <p:txBody>
-          <a:bodyPr/>
-          <a:lstStyle/>
-          <a:p>
-            <a:fld id="{5CAFF7CB-A38A-4A36-B304-607D939BA3D6}" type="datetimeFigureOut">
-              <a:rPr lang="en-GB" smtClean="0"/>
-              <a:t>05/12/2023</a:t>
-            </a:fld>
-            <a:endParaRPr lang="en-GB"/>
-          </a:p>
-        </p:txBody>
-      </p:sp>
-      <p:sp>
-        <p:nvSpPr>
-          <p:cNvPr id="5" name="Footer Placeholder 4">
-            <a:extLst>
-              <a:ext uri="{FF2B5EF4-FFF2-40B4-BE49-F238E27FC236}">
-                <a16:creationId xmlns:a16="http://schemas.microsoft.com/office/drawing/2014/main" id="{7903ED28-CE51-4B51-BB2C-AB357BB41F8B}"/>
-              </a:ext>
-            </a:extLst>
-          </p:cNvPr>
-          <p:cNvSpPr>
-            <a:spLocks noGrp="1"/>
-          </p:cNvSpPr>
-          <p:nvPr>
-            <p:ph type="ftr" sz="quarter" idx="11"/>
-          </p:nvPr>
-        </p:nvSpPr>
-        <p:spPr/>
-        <p:txBody>
-          <a:bodyPr/>
-          <a:lstStyle/>
-          <a:p>
-            <a:endParaRPr lang="en-GB"/>
-          </a:p>
-        </p:txBody>
-      </p:sp>
-      <p:sp>
-        <p:nvSpPr>
-          <p:cNvPr id="6" name="Slide Number Placeholder 5">
-            <a:extLst>
-              <a:ext uri="{FF2B5EF4-FFF2-40B4-BE49-F238E27FC236}">
-                <a16:creationId xmlns:a16="http://schemas.microsoft.com/office/drawing/2014/main" id="{E753B126-7081-46C9-B15C-0556B7871DF9}"/>
-              </a:ext>
-            </a:extLst>
-          </p:cNvPr>
-          <p:cNvSpPr>
-            <a:spLocks noGrp="1"/>
-          </p:cNvSpPr>
-          <p:nvPr>
-            <p:ph type="sldNum" sz="quarter" idx="12"/>
-          </p:nvPr>
-        </p:nvSpPr>
-        <p:spPr/>
-        <p:txBody>
-          <a:bodyPr/>
-          <a:lstStyle/>
-          <a:p>
-            <a:fld id="{981EB3C1-91EE-4842-99D8-6C7F16425B7A}" type="slidenum">
-              <a:rPr lang="en-GB" smtClean="0"/>
-              <a:t>‹#›</a:t>
-            </a:fld>
-            <a:endParaRPr lang="en-GB"/>
-          </a:p>
-        </p:txBody>
-      </p:sp>
-    </p:spTree>
-    <p:extLst>
-      <p:ext uri="{BB962C8B-B14F-4D97-AF65-F5344CB8AC3E}">
-        <p14:creationId xmlns:p14="http://schemas.microsoft.com/office/powerpoint/2010/main" val="1497399523"/>
-      </p:ext>
-    </p:extLst>
-  </p:cSld>
-  <p:clrMapOvr>
-    <a:masterClrMapping/>
-  </p:clrMapOvr>
 </p:sldLayout>
 </file>
 
@@ -19164,576 +16349,6 @@
       </a:lvl8pPr>
       <a:lvl9pPr marL="4877044" algn="l" defTabSz="1219261" rtl="0" eaLnBrk="1" latinLnBrk="0" hangingPunct="1">
         <a:defRPr sz="2400" kern="1200">
-          <a:solidFill>
-            <a:schemeClr val="tx1"/>
-          </a:solidFill>
-          <a:latin typeface="+mn-lt"/>
-          <a:ea typeface="+mn-ea"/>
-          <a:cs typeface="+mn-cs"/>
-        </a:defRPr>
-      </a:lvl9pPr>
-    </p:otherStyle>
-  </p:txStyles>
-</p:sldMaster>
-</file>
-
-<file path=ppt/slideMasters/slideMaster7.xml><?xml version="1.0" encoding="utf-8"?>
-<p:sldMaster xmlns:a="http://schemas.openxmlformats.org/drawingml/2006/main" xmlns:r="http://schemas.openxmlformats.org/officeDocument/2006/relationships" xmlns:p="http://schemas.openxmlformats.org/presentationml/2006/main">
-  <p:cSld>
-    <p:bg>
-      <p:bgRef idx="1001">
-        <a:schemeClr val="bg1"/>
-      </p:bgRef>
-    </p:bg>
-    <p:spTree>
-      <p:nvGrpSpPr>
-        <p:cNvPr id="1" name=""/>
-        <p:cNvGrpSpPr/>
-        <p:nvPr/>
-      </p:nvGrpSpPr>
-      <p:grpSpPr>
-        <a:xfrm>
-          <a:off x="0" y="0"/>
-          <a:ext cx="0" cy="0"/>
-          <a:chOff x="0" y="0"/>
-          <a:chExt cx="0" cy="0"/>
-        </a:xfrm>
-      </p:grpSpPr>
-      <p:sp>
-        <p:nvSpPr>
-          <p:cNvPr id="2" name="Title Placeholder 1">
-            <a:extLst>
-              <a:ext uri="{FF2B5EF4-FFF2-40B4-BE49-F238E27FC236}">
-                <a16:creationId xmlns:a16="http://schemas.microsoft.com/office/drawing/2014/main" id="{833307C4-CD4B-4FBA-8B39-0E03224818F8}"/>
-              </a:ext>
-            </a:extLst>
-          </p:cNvPr>
-          <p:cNvSpPr>
-            <a:spLocks noGrp="1"/>
-          </p:cNvSpPr>
-          <p:nvPr>
-            <p:ph type="title"/>
-          </p:nvPr>
-        </p:nvSpPr>
-        <p:spPr>
-          <a:xfrm>
-            <a:off x="1192143" y="519290"/>
-            <a:ext cx="14955977" cy="1885245"/>
-          </a:xfrm>
-          <a:prstGeom prst="rect">
-            <a:avLst/>
-          </a:prstGeom>
-        </p:spPr>
-        <p:txBody>
-          <a:bodyPr vert="horz" lIns="91440" tIns="45720" rIns="91440" bIns="45720" rtlCol="0" anchor="ctr">
-            <a:normAutofit/>
-          </a:bodyPr>
-          <a:lstStyle/>
-          <a:p>
-            <a:r>
-              <a:rPr lang="en-US"/>
-              <a:t>Click to edit Master title style</a:t>
-            </a:r>
-            <a:endParaRPr lang="en-GB"/>
-          </a:p>
-        </p:txBody>
-      </p:sp>
-      <p:sp>
-        <p:nvSpPr>
-          <p:cNvPr id="3" name="Text Placeholder 2">
-            <a:extLst>
-              <a:ext uri="{FF2B5EF4-FFF2-40B4-BE49-F238E27FC236}">
-                <a16:creationId xmlns:a16="http://schemas.microsoft.com/office/drawing/2014/main" id="{7175C9B2-805B-424A-B327-9AA7D2DF6031}"/>
-              </a:ext>
-            </a:extLst>
-          </p:cNvPr>
-          <p:cNvSpPr>
-            <a:spLocks noGrp="1"/>
-          </p:cNvSpPr>
-          <p:nvPr>
-            <p:ph type="body" idx="1"/>
-          </p:nvPr>
-        </p:nvSpPr>
-        <p:spPr>
-          <a:xfrm>
-            <a:off x="1192143" y="2596444"/>
-            <a:ext cx="14955977" cy="6188570"/>
-          </a:xfrm>
-          <a:prstGeom prst="rect">
-            <a:avLst/>
-          </a:prstGeom>
-        </p:spPr>
-        <p:txBody>
-          <a:bodyPr vert="horz" lIns="91440" tIns="45720" rIns="91440" bIns="45720" rtlCol="0">
-            <a:normAutofit/>
-          </a:bodyPr>
-          <a:lstStyle/>
-          <a:p>
-            <a:pPr lvl="0"/>
-            <a:r>
-              <a:rPr lang="en-US"/>
-              <a:t>Click to edit Master text styles</a:t>
-            </a:r>
-          </a:p>
-          <a:p>
-            <a:pPr lvl="1"/>
-            <a:r>
-              <a:rPr lang="en-US"/>
-              <a:t>Second level</a:t>
-            </a:r>
-          </a:p>
-          <a:p>
-            <a:pPr lvl="2"/>
-            <a:r>
-              <a:rPr lang="en-US"/>
-              <a:t>Third level</a:t>
-            </a:r>
-          </a:p>
-          <a:p>
-            <a:pPr lvl="3"/>
-            <a:r>
-              <a:rPr lang="en-US"/>
-              <a:t>Fourth level</a:t>
-            </a:r>
-          </a:p>
-          <a:p>
-            <a:pPr lvl="4"/>
-            <a:r>
-              <a:rPr lang="en-US"/>
-              <a:t>Fifth level</a:t>
-            </a:r>
-            <a:endParaRPr lang="en-GB"/>
-          </a:p>
-        </p:txBody>
-      </p:sp>
-      <p:sp>
-        <p:nvSpPr>
-          <p:cNvPr id="4" name="Date Placeholder 3">
-            <a:extLst>
-              <a:ext uri="{FF2B5EF4-FFF2-40B4-BE49-F238E27FC236}">
-                <a16:creationId xmlns:a16="http://schemas.microsoft.com/office/drawing/2014/main" id="{6B3A861C-5A4B-4BEB-AF17-4FDCB034E377}"/>
-              </a:ext>
-            </a:extLst>
-          </p:cNvPr>
-          <p:cNvSpPr>
-            <a:spLocks noGrp="1"/>
-          </p:cNvSpPr>
-          <p:nvPr>
-            <p:ph type="dt" sz="half" idx="2"/>
-          </p:nvPr>
-        </p:nvSpPr>
-        <p:spPr>
-          <a:xfrm>
-            <a:off x="1192143" y="9040143"/>
-            <a:ext cx="3901559" cy="519289"/>
-          </a:xfrm>
-          <a:prstGeom prst="rect">
-            <a:avLst/>
-          </a:prstGeom>
-        </p:spPr>
-        <p:txBody>
-          <a:bodyPr vert="horz" lIns="91440" tIns="45720" rIns="91440" bIns="45720" rtlCol="0" anchor="ctr"/>
-          <a:lstStyle>
-            <a:lvl1pPr algn="l">
-              <a:defRPr sz="1707">
-                <a:solidFill>
-                  <a:schemeClr val="tx1">
-                    <a:tint val="75000"/>
-                  </a:schemeClr>
-                </a:solidFill>
-              </a:defRPr>
-            </a:lvl1pPr>
-          </a:lstStyle>
-          <a:p>
-            <a:fld id="{5CAFF7CB-A38A-4A36-B304-607D939BA3D6}" type="datetimeFigureOut">
-              <a:rPr lang="en-GB" smtClean="0"/>
-              <a:t>05/12/2023</a:t>
-            </a:fld>
-            <a:endParaRPr lang="en-GB"/>
-          </a:p>
-        </p:txBody>
-      </p:sp>
-      <p:sp>
-        <p:nvSpPr>
-          <p:cNvPr id="5" name="Footer Placeholder 4">
-            <a:extLst>
-              <a:ext uri="{FF2B5EF4-FFF2-40B4-BE49-F238E27FC236}">
-                <a16:creationId xmlns:a16="http://schemas.microsoft.com/office/drawing/2014/main" id="{DF11D406-4072-4229-96E8-4549651EA1FA}"/>
-              </a:ext>
-            </a:extLst>
-          </p:cNvPr>
-          <p:cNvSpPr>
-            <a:spLocks noGrp="1"/>
-          </p:cNvSpPr>
-          <p:nvPr>
-            <p:ph type="ftr" sz="quarter" idx="3"/>
-          </p:nvPr>
-        </p:nvSpPr>
-        <p:spPr>
-          <a:xfrm>
-            <a:off x="5743962" y="9040143"/>
-            <a:ext cx="5852339" cy="519289"/>
-          </a:xfrm>
-          <a:prstGeom prst="rect">
-            <a:avLst/>
-          </a:prstGeom>
-        </p:spPr>
-        <p:txBody>
-          <a:bodyPr vert="horz" lIns="91440" tIns="45720" rIns="91440" bIns="45720" rtlCol="0" anchor="ctr"/>
-          <a:lstStyle>
-            <a:lvl1pPr algn="ctr">
-              <a:defRPr sz="1707">
-                <a:solidFill>
-                  <a:schemeClr val="tx1">
-                    <a:tint val="75000"/>
-                  </a:schemeClr>
-                </a:solidFill>
-              </a:defRPr>
-            </a:lvl1pPr>
-          </a:lstStyle>
-          <a:p>
-            <a:endParaRPr lang="en-GB"/>
-          </a:p>
-        </p:txBody>
-      </p:sp>
-      <p:sp>
-        <p:nvSpPr>
-          <p:cNvPr id="6" name="Slide Number Placeholder 5">
-            <a:extLst>
-              <a:ext uri="{FF2B5EF4-FFF2-40B4-BE49-F238E27FC236}">
-                <a16:creationId xmlns:a16="http://schemas.microsoft.com/office/drawing/2014/main" id="{6ADC2AC9-536F-4B26-9D3C-F852647E19CF}"/>
-              </a:ext>
-            </a:extLst>
-          </p:cNvPr>
-          <p:cNvSpPr>
-            <a:spLocks noGrp="1"/>
-          </p:cNvSpPr>
-          <p:nvPr>
-            <p:ph type="sldNum" sz="quarter" idx="4"/>
-          </p:nvPr>
-        </p:nvSpPr>
-        <p:spPr>
-          <a:xfrm>
-            <a:off x="12246561" y="9040143"/>
-            <a:ext cx="3901559" cy="519289"/>
-          </a:xfrm>
-          <a:prstGeom prst="rect">
-            <a:avLst/>
-          </a:prstGeom>
-        </p:spPr>
-        <p:txBody>
-          <a:bodyPr vert="horz" lIns="91440" tIns="45720" rIns="91440" bIns="45720" rtlCol="0" anchor="ctr"/>
-          <a:lstStyle>
-            <a:lvl1pPr algn="r">
-              <a:defRPr sz="1707">
-                <a:solidFill>
-                  <a:schemeClr val="tx1">
-                    <a:tint val="75000"/>
-                  </a:schemeClr>
-                </a:solidFill>
-              </a:defRPr>
-            </a:lvl1pPr>
-          </a:lstStyle>
-          <a:p>
-            <a:fld id="{981EB3C1-91EE-4842-99D8-6C7F16425B7A}" type="slidenum">
-              <a:rPr lang="en-GB" smtClean="0"/>
-              <a:t>‹#›</a:t>
-            </a:fld>
-            <a:endParaRPr lang="en-GB"/>
-          </a:p>
-        </p:txBody>
-      </p:sp>
-    </p:spTree>
-    <p:extLst>
-      <p:ext uri="{BB962C8B-B14F-4D97-AF65-F5344CB8AC3E}">
-        <p14:creationId xmlns:p14="http://schemas.microsoft.com/office/powerpoint/2010/main" val="1205916197"/>
-      </p:ext>
-    </p:extLst>
-  </p:cSld>
-  <p:clrMap bg1="lt1" tx1="dk1" bg2="lt2" tx2="dk2" accent1="accent1" accent2="accent2" accent3="accent3" accent4="accent4" accent5="accent5" accent6="accent6" hlink="hlink" folHlink="folHlink"/>
-  <p:sldLayoutIdLst>
-    <p:sldLayoutId id="2147483733" r:id="rId1"/>
-    <p:sldLayoutId id="2147483734" r:id="rId2"/>
-    <p:sldLayoutId id="2147483735" r:id="rId3"/>
-    <p:sldLayoutId id="2147483736" r:id="rId4"/>
-    <p:sldLayoutId id="2147483737" r:id="rId5"/>
-    <p:sldLayoutId id="2147483738" r:id="rId6"/>
-    <p:sldLayoutId id="2147483739" r:id="rId7"/>
-    <p:sldLayoutId id="2147483740" r:id="rId8"/>
-    <p:sldLayoutId id="2147483741" r:id="rId9"/>
-    <p:sldLayoutId id="2147483742" r:id="rId10"/>
-    <p:sldLayoutId id="2147483743" r:id="rId11"/>
-  </p:sldLayoutIdLst>
-  <p:txStyles>
-    <p:titleStyle>
-      <a:lvl1pPr algn="l" defTabSz="1300460" rtl="0" eaLnBrk="1" latinLnBrk="0" hangingPunct="1">
-        <a:lnSpc>
-          <a:spcPct val="90000"/>
-        </a:lnSpc>
-        <a:spcBef>
-          <a:spcPct val="0"/>
-        </a:spcBef>
-        <a:buNone/>
-        <a:defRPr sz="6258" kern="1200">
-          <a:solidFill>
-            <a:schemeClr val="tx1"/>
-          </a:solidFill>
-          <a:latin typeface="+mj-lt"/>
-          <a:ea typeface="+mj-ea"/>
-          <a:cs typeface="+mj-cs"/>
-        </a:defRPr>
-      </a:lvl1pPr>
-    </p:titleStyle>
-    <p:bodyStyle>
-      <a:lvl1pPr marL="325115" indent="-325115" algn="l" defTabSz="1300460" rtl="0" eaLnBrk="1" latinLnBrk="0" hangingPunct="1">
-        <a:lnSpc>
-          <a:spcPct val="90000"/>
-        </a:lnSpc>
-        <a:spcBef>
-          <a:spcPts val="1422"/>
-        </a:spcBef>
-        <a:buFont typeface="Arial" panose="020B0604020202020204" pitchFamily="34" charset="0"/>
-        <a:buChar char="•"/>
-        <a:defRPr sz="3982" kern="1200">
-          <a:solidFill>
-            <a:schemeClr val="tx1"/>
-          </a:solidFill>
-          <a:latin typeface="+mn-lt"/>
-          <a:ea typeface="+mn-ea"/>
-          <a:cs typeface="+mn-cs"/>
-        </a:defRPr>
-      </a:lvl1pPr>
-      <a:lvl2pPr marL="975345" indent="-325115" algn="l" defTabSz="1300460" rtl="0" eaLnBrk="1" latinLnBrk="0" hangingPunct="1">
-        <a:lnSpc>
-          <a:spcPct val="90000"/>
-        </a:lnSpc>
-        <a:spcBef>
-          <a:spcPts val="711"/>
-        </a:spcBef>
-        <a:buFont typeface="Arial" panose="020B0604020202020204" pitchFamily="34" charset="0"/>
-        <a:buChar char="•"/>
-        <a:defRPr sz="3413" kern="1200">
-          <a:solidFill>
-            <a:schemeClr val="tx1"/>
-          </a:solidFill>
-          <a:latin typeface="+mn-lt"/>
-          <a:ea typeface="+mn-ea"/>
-          <a:cs typeface="+mn-cs"/>
-        </a:defRPr>
-      </a:lvl2pPr>
-      <a:lvl3pPr marL="1625575" indent="-325115" algn="l" defTabSz="1300460" rtl="0" eaLnBrk="1" latinLnBrk="0" hangingPunct="1">
-        <a:lnSpc>
-          <a:spcPct val="90000"/>
-        </a:lnSpc>
-        <a:spcBef>
-          <a:spcPts val="711"/>
-        </a:spcBef>
-        <a:buFont typeface="Arial" panose="020B0604020202020204" pitchFamily="34" charset="0"/>
-        <a:buChar char="•"/>
-        <a:defRPr sz="2844" kern="1200">
-          <a:solidFill>
-            <a:schemeClr val="tx1"/>
-          </a:solidFill>
-          <a:latin typeface="+mn-lt"/>
-          <a:ea typeface="+mn-ea"/>
-          <a:cs typeface="+mn-cs"/>
-        </a:defRPr>
-      </a:lvl3pPr>
-      <a:lvl4pPr marL="2275804" indent="-325115" algn="l" defTabSz="1300460" rtl="0" eaLnBrk="1" latinLnBrk="0" hangingPunct="1">
-        <a:lnSpc>
-          <a:spcPct val="90000"/>
-        </a:lnSpc>
-        <a:spcBef>
-          <a:spcPts val="711"/>
-        </a:spcBef>
-        <a:buFont typeface="Arial" panose="020B0604020202020204" pitchFamily="34" charset="0"/>
-        <a:buChar char="•"/>
-        <a:defRPr sz="2560" kern="1200">
-          <a:solidFill>
-            <a:schemeClr val="tx1"/>
-          </a:solidFill>
-          <a:latin typeface="+mn-lt"/>
-          <a:ea typeface="+mn-ea"/>
-          <a:cs typeface="+mn-cs"/>
-        </a:defRPr>
-      </a:lvl4pPr>
-      <a:lvl5pPr marL="2926034" indent="-325115" algn="l" defTabSz="1300460" rtl="0" eaLnBrk="1" latinLnBrk="0" hangingPunct="1">
-        <a:lnSpc>
-          <a:spcPct val="90000"/>
-        </a:lnSpc>
-        <a:spcBef>
-          <a:spcPts val="711"/>
-        </a:spcBef>
-        <a:buFont typeface="Arial" panose="020B0604020202020204" pitchFamily="34" charset="0"/>
-        <a:buChar char="•"/>
-        <a:defRPr sz="2560" kern="1200">
-          <a:solidFill>
-            <a:schemeClr val="tx1"/>
-          </a:solidFill>
-          <a:latin typeface="+mn-lt"/>
-          <a:ea typeface="+mn-ea"/>
-          <a:cs typeface="+mn-cs"/>
-        </a:defRPr>
-      </a:lvl5pPr>
-      <a:lvl6pPr marL="3576264" indent="-325115" algn="l" defTabSz="1300460" rtl="0" eaLnBrk="1" latinLnBrk="0" hangingPunct="1">
-        <a:lnSpc>
-          <a:spcPct val="90000"/>
-        </a:lnSpc>
-        <a:spcBef>
-          <a:spcPts val="711"/>
-        </a:spcBef>
-        <a:buFont typeface="Arial" panose="020B0604020202020204" pitchFamily="34" charset="0"/>
-        <a:buChar char="•"/>
-        <a:defRPr sz="2560" kern="1200">
-          <a:solidFill>
-            <a:schemeClr val="tx1"/>
-          </a:solidFill>
-          <a:latin typeface="+mn-lt"/>
-          <a:ea typeface="+mn-ea"/>
-          <a:cs typeface="+mn-cs"/>
-        </a:defRPr>
-      </a:lvl6pPr>
-      <a:lvl7pPr marL="4226494" indent="-325115" algn="l" defTabSz="1300460" rtl="0" eaLnBrk="1" latinLnBrk="0" hangingPunct="1">
-        <a:lnSpc>
-          <a:spcPct val="90000"/>
-        </a:lnSpc>
-        <a:spcBef>
-          <a:spcPts val="711"/>
-        </a:spcBef>
-        <a:buFont typeface="Arial" panose="020B0604020202020204" pitchFamily="34" charset="0"/>
-        <a:buChar char="•"/>
-        <a:defRPr sz="2560" kern="1200">
-          <a:solidFill>
-            <a:schemeClr val="tx1"/>
-          </a:solidFill>
-          <a:latin typeface="+mn-lt"/>
-          <a:ea typeface="+mn-ea"/>
-          <a:cs typeface="+mn-cs"/>
-        </a:defRPr>
-      </a:lvl7pPr>
-      <a:lvl8pPr marL="4876724" indent="-325115" algn="l" defTabSz="1300460" rtl="0" eaLnBrk="1" latinLnBrk="0" hangingPunct="1">
-        <a:lnSpc>
-          <a:spcPct val="90000"/>
-        </a:lnSpc>
-        <a:spcBef>
-          <a:spcPts val="711"/>
-        </a:spcBef>
-        <a:buFont typeface="Arial" panose="020B0604020202020204" pitchFamily="34" charset="0"/>
-        <a:buChar char="•"/>
-        <a:defRPr sz="2560" kern="1200">
-          <a:solidFill>
-            <a:schemeClr val="tx1"/>
-          </a:solidFill>
-          <a:latin typeface="+mn-lt"/>
-          <a:ea typeface="+mn-ea"/>
-          <a:cs typeface="+mn-cs"/>
-        </a:defRPr>
-      </a:lvl8pPr>
-      <a:lvl9pPr marL="5526954" indent="-325115" algn="l" defTabSz="1300460" rtl="0" eaLnBrk="1" latinLnBrk="0" hangingPunct="1">
-        <a:lnSpc>
-          <a:spcPct val="90000"/>
-        </a:lnSpc>
-        <a:spcBef>
-          <a:spcPts val="711"/>
-        </a:spcBef>
-        <a:buFont typeface="Arial" panose="020B0604020202020204" pitchFamily="34" charset="0"/>
-        <a:buChar char="•"/>
-        <a:defRPr sz="2560" kern="1200">
-          <a:solidFill>
-            <a:schemeClr val="tx1"/>
-          </a:solidFill>
-          <a:latin typeface="+mn-lt"/>
-          <a:ea typeface="+mn-ea"/>
-          <a:cs typeface="+mn-cs"/>
-        </a:defRPr>
-      </a:lvl9pPr>
-    </p:bodyStyle>
-    <p:otherStyle>
-      <a:defPPr>
-        <a:defRPr lang="en-US"/>
-      </a:defPPr>
-      <a:lvl1pPr marL="0" algn="l" defTabSz="1300460" rtl="0" eaLnBrk="1" latinLnBrk="0" hangingPunct="1">
-        <a:defRPr sz="2560" kern="1200">
-          <a:solidFill>
-            <a:schemeClr val="tx1"/>
-          </a:solidFill>
-          <a:latin typeface="+mn-lt"/>
-          <a:ea typeface="+mn-ea"/>
-          <a:cs typeface="+mn-cs"/>
-        </a:defRPr>
-      </a:lvl1pPr>
-      <a:lvl2pPr marL="650230" algn="l" defTabSz="1300460" rtl="0" eaLnBrk="1" latinLnBrk="0" hangingPunct="1">
-        <a:defRPr sz="2560" kern="1200">
-          <a:solidFill>
-            <a:schemeClr val="tx1"/>
-          </a:solidFill>
-          <a:latin typeface="+mn-lt"/>
-          <a:ea typeface="+mn-ea"/>
-          <a:cs typeface="+mn-cs"/>
-        </a:defRPr>
-      </a:lvl2pPr>
-      <a:lvl3pPr marL="1300460" algn="l" defTabSz="1300460" rtl="0" eaLnBrk="1" latinLnBrk="0" hangingPunct="1">
-        <a:defRPr sz="2560" kern="1200">
-          <a:solidFill>
-            <a:schemeClr val="tx1"/>
-          </a:solidFill>
-          <a:latin typeface="+mn-lt"/>
-          <a:ea typeface="+mn-ea"/>
-          <a:cs typeface="+mn-cs"/>
-        </a:defRPr>
-      </a:lvl3pPr>
-      <a:lvl4pPr marL="1950690" algn="l" defTabSz="1300460" rtl="0" eaLnBrk="1" latinLnBrk="0" hangingPunct="1">
-        <a:defRPr sz="2560" kern="1200">
-          <a:solidFill>
-            <a:schemeClr val="tx1"/>
-          </a:solidFill>
-          <a:latin typeface="+mn-lt"/>
-          <a:ea typeface="+mn-ea"/>
-          <a:cs typeface="+mn-cs"/>
-        </a:defRPr>
-      </a:lvl4pPr>
-      <a:lvl5pPr marL="2600919" algn="l" defTabSz="1300460" rtl="0" eaLnBrk="1" latinLnBrk="0" hangingPunct="1">
-        <a:defRPr sz="2560" kern="1200">
-          <a:solidFill>
-            <a:schemeClr val="tx1"/>
-          </a:solidFill>
-          <a:latin typeface="+mn-lt"/>
-          <a:ea typeface="+mn-ea"/>
-          <a:cs typeface="+mn-cs"/>
-        </a:defRPr>
-      </a:lvl5pPr>
-      <a:lvl6pPr marL="3251149" algn="l" defTabSz="1300460" rtl="0" eaLnBrk="1" latinLnBrk="0" hangingPunct="1">
-        <a:defRPr sz="2560" kern="1200">
-          <a:solidFill>
-            <a:schemeClr val="tx1"/>
-          </a:solidFill>
-          <a:latin typeface="+mn-lt"/>
-          <a:ea typeface="+mn-ea"/>
-          <a:cs typeface="+mn-cs"/>
-        </a:defRPr>
-      </a:lvl6pPr>
-      <a:lvl7pPr marL="3901379" algn="l" defTabSz="1300460" rtl="0" eaLnBrk="1" latinLnBrk="0" hangingPunct="1">
-        <a:defRPr sz="2560" kern="1200">
-          <a:solidFill>
-            <a:schemeClr val="tx1"/>
-          </a:solidFill>
-          <a:latin typeface="+mn-lt"/>
-          <a:ea typeface="+mn-ea"/>
-          <a:cs typeface="+mn-cs"/>
-        </a:defRPr>
-      </a:lvl7pPr>
-      <a:lvl8pPr marL="4551609" algn="l" defTabSz="1300460" rtl="0" eaLnBrk="1" latinLnBrk="0" hangingPunct="1">
-        <a:defRPr sz="2560" kern="1200">
-          <a:solidFill>
-            <a:schemeClr val="tx1"/>
-          </a:solidFill>
-          <a:latin typeface="+mn-lt"/>
-          <a:ea typeface="+mn-ea"/>
-          <a:cs typeface="+mn-cs"/>
-        </a:defRPr>
-      </a:lvl8pPr>
-      <a:lvl9pPr marL="5201839" algn="l" defTabSz="1300460" rtl="0" eaLnBrk="1" latinLnBrk="0" hangingPunct="1">
-        <a:defRPr sz="2560" kern="1200">
           <a:solidFill>
             <a:schemeClr val="tx1"/>
           </a:solidFill>
@@ -26395,2396 +23010,6 @@
     <a:masterClrMapping/>
   </p:clrMapOvr>
   <p:transition/>
-</p:sld>
-</file>
-
-<file path=ppt/slides/slide20.xml><?xml version="1.0" encoding="utf-8"?>
-<p:sld xmlns:a="http://schemas.openxmlformats.org/drawingml/2006/main" xmlns:r="http://schemas.openxmlformats.org/officeDocument/2006/relationships" xmlns:p="http://schemas.openxmlformats.org/presentationml/2006/main">
-  <p:cSld>
-    <p:spTree>
-      <p:nvGrpSpPr>
-        <p:cNvPr id="1" name=""/>
-        <p:cNvGrpSpPr/>
-        <p:nvPr/>
-      </p:nvGrpSpPr>
-      <p:grpSpPr>
-        <a:xfrm>
-          <a:off x="0" y="0"/>
-          <a:ext cx="0" cy="0"/>
-          <a:chOff x="0" y="0"/>
-          <a:chExt cx="0" cy="0"/>
-        </a:xfrm>
-      </p:grpSpPr>
-      <p:sp>
-        <p:nvSpPr>
-          <p:cNvPr id="2" name="Title 1"/>
-          <p:cNvSpPr>
-            <a:spLocks noGrp="1"/>
-          </p:cNvSpPr>
-          <p:nvPr>
-            <p:ph type="ctrTitle"/>
-          </p:nvPr>
-        </p:nvSpPr>
-        <p:spPr/>
-        <p:txBody>
-          <a:bodyPr/>
-          <a:lstStyle/>
-          <a:p>
-            <a:r>
-              <a:rPr lang="en-GB" dirty="0"/>
-              <a:t>FM Synthesis</a:t>
-            </a:r>
-          </a:p>
-        </p:txBody>
-      </p:sp>
-      <p:sp>
-        <p:nvSpPr>
-          <p:cNvPr id="3" name="Subtitle 2"/>
-          <p:cNvSpPr>
-            <a:spLocks noGrp="1"/>
-          </p:cNvSpPr>
-          <p:nvPr>
-            <p:ph type="subTitle" idx="1"/>
-          </p:nvPr>
-        </p:nvSpPr>
-        <p:spPr/>
-        <p:txBody>
-          <a:bodyPr/>
-          <a:lstStyle/>
-          <a:p>
-            <a:endParaRPr lang="en-GB"/>
-          </a:p>
-        </p:txBody>
-      </p:sp>
-    </p:spTree>
-    <p:extLst>
-      <p:ext uri="{BB962C8B-B14F-4D97-AF65-F5344CB8AC3E}">
-        <p14:creationId xmlns:p14="http://schemas.microsoft.com/office/powerpoint/2010/main" val="1585101445"/>
-      </p:ext>
-    </p:extLst>
-  </p:cSld>
-  <p:clrMapOvr>
-    <a:masterClrMapping/>
-  </p:clrMapOvr>
-</p:sld>
-</file>
-
-<file path=ppt/slides/slide21.xml><?xml version="1.0" encoding="utf-8"?>
-<p:sld xmlns:a="http://schemas.openxmlformats.org/drawingml/2006/main" xmlns:r="http://schemas.openxmlformats.org/officeDocument/2006/relationships" xmlns:p="http://schemas.openxmlformats.org/presentationml/2006/main">
-  <p:cSld>
-    <p:spTree>
-      <p:nvGrpSpPr>
-        <p:cNvPr id="1" name=""/>
-        <p:cNvGrpSpPr/>
-        <p:nvPr/>
-      </p:nvGrpSpPr>
-      <p:grpSpPr>
-        <a:xfrm>
-          <a:off x="0" y="0"/>
-          <a:ext cx="0" cy="0"/>
-          <a:chOff x="0" y="0"/>
-          <a:chExt cx="0" cy="0"/>
-        </a:xfrm>
-      </p:grpSpPr>
-      <p:sp>
-        <p:nvSpPr>
-          <p:cNvPr id="2" name="Title 1"/>
-          <p:cNvSpPr>
-            <a:spLocks noGrp="1"/>
-          </p:cNvSpPr>
-          <p:nvPr>
-            <p:ph type="title"/>
-          </p:nvPr>
-        </p:nvSpPr>
-        <p:spPr>
-          <a:xfrm>
-            <a:off x="1192371" y="2"/>
-            <a:ext cx="14955520" cy="1148474"/>
-          </a:xfrm>
-        </p:spPr>
-        <p:txBody>
-          <a:bodyPr/>
-          <a:lstStyle/>
-          <a:p>
-            <a:r>
-              <a:rPr lang="en-GB" dirty="0"/>
-              <a:t>FM synthesis</a:t>
-            </a:r>
-          </a:p>
-        </p:txBody>
-      </p:sp>
-      <p:sp>
-        <p:nvSpPr>
-          <p:cNvPr id="3" name="Content Placeholder 2"/>
-          <p:cNvSpPr>
-            <a:spLocks noGrp="1"/>
-          </p:cNvSpPr>
-          <p:nvPr>
-            <p:ph idx="1"/>
-          </p:nvPr>
-        </p:nvSpPr>
-        <p:spPr>
-          <a:xfrm>
-            <a:off x="265" y="1148476"/>
-            <a:ext cx="12113458" cy="8605124"/>
-          </a:xfrm>
-        </p:spPr>
-        <p:txBody>
-          <a:bodyPr>
-            <a:normAutofit/>
-          </a:bodyPr>
-          <a:lstStyle/>
-          <a:p>
-            <a:r>
-              <a:rPr lang="en-GB" dirty="0"/>
-              <a:t>Modulation - varying properties of periodic waveform, the </a:t>
-            </a:r>
-            <a:r>
-              <a:rPr lang="en-GB" i="1" dirty="0"/>
-              <a:t>carrier</a:t>
-            </a:r>
-            <a:r>
-              <a:rPr lang="en-GB" dirty="0"/>
-              <a:t> signal, with a </a:t>
-            </a:r>
-            <a:r>
-              <a:rPr lang="en-GB" i="1" dirty="0"/>
-              <a:t>modulating</a:t>
-            </a:r>
-            <a:r>
-              <a:rPr lang="en-GB" dirty="0"/>
-              <a:t> signal.</a:t>
-            </a:r>
-          </a:p>
-          <a:p>
-            <a:r>
-              <a:rPr lang="en-GB" dirty="0"/>
-              <a:t>FM synthesis - Creating sound by modulating the frequency of a waveform using another waveform</a:t>
-            </a:r>
-          </a:p>
-          <a:p>
-            <a:pPr lvl="1"/>
-            <a:r>
-              <a:rPr lang="en-GB" dirty="0" err="1"/>
-              <a:t>Chowning</a:t>
-            </a:r>
-            <a:r>
-              <a:rPr lang="en-GB" dirty="0"/>
-              <a:t>, John M. "The synthesis of complex audio spectra by means of frequency modulation." </a:t>
-            </a:r>
-            <a:r>
-              <a:rPr lang="en-GB" i="1" dirty="0"/>
-              <a:t>Journal of the audio engineering society</a:t>
-            </a:r>
-            <a:r>
-              <a:rPr lang="en-GB" dirty="0"/>
-              <a:t> 21.7 (1973): 526-534.</a:t>
-            </a:r>
-          </a:p>
-          <a:p>
-            <a:pPr lvl="2"/>
-            <a:endParaRPr lang="en-GB" dirty="0"/>
-          </a:p>
-          <a:p>
-            <a:pPr marL="650230" lvl="1" indent="0">
-              <a:buNone/>
-            </a:pPr>
-            <a:r>
-              <a:rPr lang="en-GB" dirty="0"/>
-              <a:t>	</a:t>
-            </a:r>
-          </a:p>
-          <a:p>
-            <a:r>
-              <a:rPr lang="en-GB" sz="3413" dirty="0"/>
-              <a:t>Vary A – </a:t>
-            </a:r>
-            <a:r>
-              <a:rPr lang="en-GB" sz="3413" i="1" dirty="0">
-                <a:solidFill>
-                  <a:srgbClr val="0000FF"/>
-                </a:solidFill>
-              </a:rPr>
-              <a:t>Amplitude</a:t>
-            </a:r>
-            <a:r>
-              <a:rPr lang="en-GB" sz="3413" dirty="0">
-                <a:solidFill>
-                  <a:srgbClr val="0000FF"/>
-                </a:solidFill>
-              </a:rPr>
-              <a:t> </a:t>
-            </a:r>
-            <a:r>
-              <a:rPr lang="en-GB" sz="3413" dirty="0"/>
-              <a:t>modulation</a:t>
-            </a:r>
-          </a:p>
-          <a:p>
-            <a:r>
-              <a:rPr lang="en-GB" sz="3413" dirty="0"/>
-              <a:t>Vary </a:t>
-            </a:r>
-            <a:r>
-              <a:rPr lang="en-GB" sz="3413" i="1" dirty="0"/>
-              <a:t>f – </a:t>
-            </a:r>
-            <a:r>
-              <a:rPr lang="en-GB" sz="3413" i="1" dirty="0">
-                <a:solidFill>
-                  <a:srgbClr val="0000FF"/>
-                </a:solidFill>
-              </a:rPr>
-              <a:t>Frequency</a:t>
-            </a:r>
-            <a:r>
-              <a:rPr lang="en-GB" sz="3413" i="1" dirty="0"/>
-              <a:t> </a:t>
-            </a:r>
-            <a:r>
-              <a:rPr lang="en-GB" sz="3413" dirty="0"/>
-              <a:t>modulation</a:t>
-            </a:r>
-          </a:p>
-          <a:p>
-            <a:r>
-              <a:rPr lang="en-GB" sz="3413" dirty="0"/>
-              <a:t>Vary</a:t>
-            </a:r>
-            <a:r>
-              <a:rPr lang="en-GB" sz="3413" i="1" dirty="0"/>
-              <a:t> </a:t>
-            </a:r>
-            <a:r>
-              <a:rPr lang="en-GB" sz="3413" i="1" dirty="0">
-                <a:latin typeface="Symbol" panose="05050102010706020507" pitchFamily="18" charset="2"/>
-              </a:rPr>
-              <a:t>f</a:t>
-            </a:r>
-            <a:r>
-              <a:rPr lang="en-GB" sz="3413" i="1" dirty="0"/>
-              <a:t> – </a:t>
-            </a:r>
-            <a:r>
-              <a:rPr lang="en-GB" sz="3413" i="1" dirty="0">
-                <a:solidFill>
-                  <a:srgbClr val="0000FF"/>
-                </a:solidFill>
-              </a:rPr>
-              <a:t>Phase</a:t>
-            </a:r>
-            <a:r>
-              <a:rPr lang="en-GB" sz="3413" i="1" dirty="0"/>
-              <a:t> </a:t>
-            </a:r>
-            <a:r>
-              <a:rPr lang="en-GB" sz="3413" dirty="0"/>
-              <a:t>modulation</a:t>
-            </a:r>
-            <a:endParaRPr lang="en-GB" dirty="0"/>
-          </a:p>
-          <a:p>
-            <a:endParaRPr lang="en-GB" dirty="0"/>
-          </a:p>
-          <a:p>
-            <a:endParaRPr lang="en-GB" dirty="0"/>
-          </a:p>
-        </p:txBody>
-      </p:sp>
-      <p:pic>
-        <p:nvPicPr>
-          <p:cNvPr id="6" name="Picture 5"/>
-          <p:cNvPicPr>
-            <a:picLocks noChangeAspect="1"/>
-          </p:cNvPicPr>
-          <p:nvPr/>
-        </p:nvPicPr>
-        <p:blipFill>
-          <a:blip r:embed="rId2" cstate="print">
-            <a:extLst>
-              <a:ext uri="{28A0092B-C50C-407E-A947-70E740481C1C}">
-                <a14:useLocalDpi xmlns:a14="http://schemas.microsoft.com/office/drawing/2010/main" val="0"/>
-              </a:ext>
-            </a:extLst>
-          </a:blip>
-          <a:stretch>
-            <a:fillRect/>
-          </a:stretch>
-        </p:blipFill>
-        <p:spPr>
-          <a:xfrm>
-            <a:off x="12113723" y="1537121"/>
-            <a:ext cx="5226276" cy="4181020"/>
-          </a:xfrm>
-          <a:prstGeom prst="rect">
-            <a:avLst/>
-          </a:prstGeom>
-        </p:spPr>
-      </p:pic>
-      <mc:AlternateContent xmlns:mc="http://schemas.openxmlformats.org/markup-compatibility/2006">
-        <mc:Choice xmlns:a14="http://schemas.microsoft.com/office/drawing/2010/main" Requires="a14">
-          <p:sp>
-            <p:nvSpPr>
-              <p:cNvPr id="7" name="Object 6"/>
-              <p:cNvSpPr txBox="1"/>
-              <p:nvPr/>
-            </p:nvSpPr>
-            <p:spPr>
-              <a:xfrm>
-                <a:off x="598576" y="5277530"/>
-                <a:ext cx="5737748" cy="985546"/>
-              </a:xfrm>
-              <a:prstGeom prst="rect">
-                <a:avLst/>
-              </a:prstGeom>
-            </p:spPr>
-            <p:txBody>
-              <a:bodyPr>
-                <a:noAutofit/>
-              </a:bodyPr>
-              <a:lstStyle/>
-              <a:p>
-                <a:pPr algn="l" defTabSz="1300460" fontAlgn="auto">
-                  <a:spcBef>
-                    <a:spcPts val="0"/>
-                  </a:spcBef>
-                  <a:spcAft>
-                    <a:spcPts val="0"/>
-                  </a:spcAft>
-                </a:pPr>
-                <a14:m>
-                  <m:oMathPara xmlns:m="http://schemas.openxmlformats.org/officeDocument/2006/math">
-                    <m:oMathParaPr>
-                      <m:jc m:val="left"/>
-                    </m:oMathParaPr>
-                    <m:oMath xmlns:m="http://schemas.openxmlformats.org/officeDocument/2006/math">
-                      <m:r>
-                        <a:rPr lang="en-GB" sz="3982" i="1">
-                          <a:latin typeface="Cambria Math" panose="02040503050406030204" pitchFamily="18" charset="0"/>
-                          <a:ea typeface="+mn-ea"/>
-                          <a:cs typeface="+mn-cs"/>
-                        </a:rPr>
-                        <m:t>𝑥</m:t>
-                      </m:r>
-                      <m:r>
-                        <a:rPr lang="en-GB" sz="3982" i="1">
-                          <a:latin typeface="Cambria Math" panose="02040503050406030204" pitchFamily="18" charset="0"/>
-                          <a:ea typeface="+mn-ea"/>
-                          <a:cs typeface="+mn-cs"/>
-                        </a:rPr>
-                        <m:t>(</m:t>
-                      </m:r>
-                      <m:r>
-                        <a:rPr lang="en-GB" sz="3982" i="1">
-                          <a:latin typeface="Cambria Math" panose="02040503050406030204" pitchFamily="18" charset="0"/>
-                          <a:ea typeface="+mn-ea"/>
-                          <a:cs typeface="+mn-cs"/>
-                        </a:rPr>
-                        <m:t>𝑡</m:t>
-                      </m:r>
-                      <m:r>
-                        <a:rPr lang="en-GB" sz="3982" i="1">
-                          <a:latin typeface="Cambria Math" panose="02040503050406030204" pitchFamily="18" charset="0"/>
-                          <a:ea typeface="+mn-ea"/>
-                          <a:cs typeface="+mn-cs"/>
-                        </a:rPr>
-                        <m:t>)=</m:t>
-                      </m:r>
-                      <m:r>
-                        <a:rPr lang="en-GB" sz="3982" i="1">
-                          <a:latin typeface="Cambria Math" panose="02040503050406030204" pitchFamily="18" charset="0"/>
-                          <a:ea typeface="+mn-ea"/>
-                          <a:cs typeface="+mn-cs"/>
-                        </a:rPr>
-                        <m:t>𝐴</m:t>
-                      </m:r>
-                      <m:func>
-                        <m:funcPr>
-                          <m:ctrlPr>
-                            <a:rPr lang="en-GB" sz="3982" i="1">
-                              <a:latin typeface="Cambria Math" panose="02040503050406030204" pitchFamily="18" charset="0"/>
-                              <a:ea typeface="+mn-ea"/>
-                              <a:cs typeface="+mn-cs"/>
-                            </a:rPr>
-                          </m:ctrlPr>
-                        </m:funcPr>
-                        <m:fName>
-                          <m:r>
-                            <m:rPr>
-                              <m:sty m:val="p"/>
-                            </m:rPr>
-                            <a:rPr lang="en-GB" sz="3982">
-                              <a:latin typeface="Cambria Math" panose="02040503050406030204" pitchFamily="18" charset="0"/>
-                              <a:ea typeface="+mn-ea"/>
-                              <a:cs typeface="+mn-cs"/>
-                            </a:rPr>
-                            <m:t>sin</m:t>
-                          </m:r>
-                        </m:fName>
-                        <m:e>
-                          <m:r>
-                            <a:rPr lang="en-GB" sz="3982" i="1">
-                              <a:latin typeface="Cambria Math" panose="02040503050406030204" pitchFamily="18" charset="0"/>
-                              <a:ea typeface="+mn-ea"/>
-                              <a:cs typeface="+mn-cs"/>
-                            </a:rPr>
-                            <m:t>(</m:t>
-                          </m:r>
-                        </m:e>
-                      </m:func>
-                      <m:r>
-                        <a:rPr lang="en-GB" sz="3982" i="1">
-                          <a:latin typeface="Cambria Math" panose="02040503050406030204" pitchFamily="18" charset="0"/>
-                          <a:ea typeface="+mn-ea"/>
-                          <a:cs typeface="+mn-cs"/>
-                        </a:rPr>
-                        <m:t>2</m:t>
-                      </m:r>
-                      <m:r>
-                        <a:rPr lang="en-GB" sz="3982" i="1">
-                          <a:latin typeface="Cambria Math" panose="02040503050406030204" pitchFamily="18" charset="0"/>
-                          <a:ea typeface="+mn-ea"/>
-                          <a:cs typeface="+mn-cs"/>
-                        </a:rPr>
-                        <m:t>𝜋</m:t>
-                      </m:r>
-                      <m:r>
-                        <a:rPr lang="en-GB" sz="3982" i="1">
-                          <a:latin typeface="Cambria Math" panose="02040503050406030204" pitchFamily="18" charset="0"/>
-                          <a:ea typeface="+mn-ea"/>
-                          <a:cs typeface="+mn-cs"/>
-                        </a:rPr>
-                        <m:t>𝑓𝑡</m:t>
-                      </m:r>
-                      <m:r>
-                        <a:rPr lang="en-GB" sz="3982" i="1">
-                          <a:latin typeface="Cambria Math" panose="02040503050406030204" pitchFamily="18" charset="0"/>
-                          <a:ea typeface="+mn-ea"/>
-                          <a:cs typeface="+mn-cs"/>
-                        </a:rPr>
-                        <m:t>+</m:t>
-                      </m:r>
-                      <m:r>
-                        <a:rPr lang="en-GB" sz="3982" i="1">
-                          <a:latin typeface="Cambria Math" panose="02040503050406030204" pitchFamily="18" charset="0"/>
-                          <a:ea typeface="+mn-ea"/>
-                          <a:cs typeface="+mn-cs"/>
-                        </a:rPr>
-                        <m:t>𝜙</m:t>
-                      </m:r>
-                      <m:r>
-                        <a:rPr lang="en-GB" sz="3982" i="1">
-                          <a:latin typeface="Cambria Math" panose="02040503050406030204" pitchFamily="18" charset="0"/>
-                          <a:ea typeface="+mn-ea"/>
-                          <a:cs typeface="+mn-cs"/>
-                        </a:rPr>
-                        <m:t>)</m:t>
-                      </m:r>
-                    </m:oMath>
-                  </m:oMathPara>
-                </a14:m>
-                <a:endParaRPr lang="en-GB" sz="3982" dirty="0">
-                  <a:solidFill>
-                    <a:prstClr val="black"/>
-                  </a:solidFill>
-                  <a:latin typeface="Calibri" panose="020F0502020204030204"/>
-                  <a:ea typeface="+mn-ea"/>
-                  <a:cs typeface="+mn-cs"/>
-                </a:endParaRPr>
-              </a:p>
-            </p:txBody>
-          </p:sp>
-        </mc:Choice>
-        <mc:Fallback>
-          <p:sp>
-            <p:nvSpPr>
-              <p:cNvPr id="7" name="Object 6"/>
-              <p:cNvSpPr txBox="1">
-                <a:spLocks noRot="1" noChangeAspect="1" noMove="1" noResize="1" noEditPoints="1" noAdjustHandles="1" noChangeArrowheads="1" noChangeShapeType="1" noTextEdit="1"/>
-              </p:cNvSpPr>
-              <p:nvPr/>
-            </p:nvSpPr>
-            <p:spPr>
-              <a:xfrm>
-                <a:off x="598576" y="5277530"/>
-                <a:ext cx="5737748" cy="985546"/>
-              </a:xfrm>
-              <a:prstGeom prst="rect">
-                <a:avLst/>
-              </a:prstGeom>
-              <a:blipFill>
-                <a:blip r:embed="rId3"/>
-                <a:stretch>
-                  <a:fillRect/>
-                </a:stretch>
-              </a:blipFill>
-            </p:spPr>
-            <p:txBody>
-              <a:bodyPr/>
-              <a:lstStyle/>
-              <a:p>
-                <a:r>
-                  <a:rPr lang="en-GB">
-                    <a:noFill/>
-                  </a:rPr>
-                  <a:t> </a:t>
-                </a:r>
-              </a:p>
-            </p:txBody>
-          </p:sp>
-        </mc:Fallback>
-      </mc:AlternateContent>
-    </p:spTree>
-    <p:extLst>
-      <p:ext uri="{BB962C8B-B14F-4D97-AF65-F5344CB8AC3E}">
-        <p14:creationId xmlns:p14="http://schemas.microsoft.com/office/powerpoint/2010/main" val="811557432"/>
-      </p:ext>
-    </p:extLst>
-  </p:cSld>
-  <p:clrMapOvr>
-    <a:masterClrMapping/>
-  </p:clrMapOvr>
-</p:sld>
-</file>
-
-<file path=ppt/slides/slide22.xml><?xml version="1.0" encoding="utf-8"?>
-<p:sld xmlns:a="http://schemas.openxmlformats.org/drawingml/2006/main" xmlns:r="http://schemas.openxmlformats.org/officeDocument/2006/relationships" xmlns:p="http://schemas.openxmlformats.org/presentationml/2006/main">
-  <p:cSld>
-    <p:spTree>
-      <p:nvGrpSpPr>
-        <p:cNvPr id="1" name=""/>
-        <p:cNvGrpSpPr/>
-        <p:nvPr/>
-      </p:nvGrpSpPr>
-      <p:grpSpPr>
-        <a:xfrm>
-          <a:off x="0" y="0"/>
-          <a:ext cx="0" cy="0"/>
-          <a:chOff x="0" y="0"/>
-          <a:chExt cx="0" cy="0"/>
-        </a:xfrm>
-      </p:grpSpPr>
-      <p:sp>
-        <p:nvSpPr>
-          <p:cNvPr id="2" name="Title 1"/>
-          <p:cNvSpPr>
-            <a:spLocks noGrp="1"/>
-          </p:cNvSpPr>
-          <p:nvPr>
-            <p:ph type="title"/>
-          </p:nvPr>
-        </p:nvSpPr>
-        <p:spPr>
-          <a:xfrm>
-            <a:off x="1192371" y="2"/>
-            <a:ext cx="14955520" cy="1148474"/>
-          </a:xfrm>
-        </p:spPr>
-        <p:txBody>
-          <a:bodyPr/>
-          <a:lstStyle/>
-          <a:p>
-            <a:r>
-              <a:rPr lang="en-GB" dirty="0"/>
-              <a:t>Frequency modulation synthesis</a:t>
-            </a:r>
-          </a:p>
-        </p:txBody>
-      </p:sp>
-      <p:sp>
-        <p:nvSpPr>
-          <p:cNvPr id="3" name="Content Placeholder 2"/>
-          <p:cNvSpPr>
-            <a:spLocks noGrp="1"/>
-          </p:cNvSpPr>
-          <p:nvPr>
-            <p:ph idx="1"/>
-          </p:nvPr>
-        </p:nvSpPr>
-        <p:spPr>
-          <a:xfrm>
-            <a:off x="405610" y="1148476"/>
-            <a:ext cx="16704095" cy="8605124"/>
-          </a:xfrm>
-        </p:spPr>
-        <p:txBody>
-          <a:bodyPr>
-            <a:normAutofit/>
-          </a:bodyPr>
-          <a:lstStyle/>
-          <a:p>
-            <a:r>
-              <a:rPr lang="en-GB" dirty="0"/>
-              <a:t>Simple sine wave</a:t>
-            </a:r>
-          </a:p>
-          <a:p>
-            <a:pPr lvl="1"/>
-            <a:r>
-              <a:rPr lang="en-GB" i="1" dirty="0">
-                <a:solidFill>
-                  <a:srgbClr val="0000FF"/>
-                </a:solidFill>
-                <a:latin typeface="Times New Roman" panose="02020603050405020304" pitchFamily="18" charset="0"/>
-                <a:cs typeface="Times New Roman" panose="02020603050405020304" pitchFamily="18" charset="0"/>
-              </a:rPr>
-              <a:t>x</a:t>
-            </a:r>
-            <a:r>
-              <a:rPr lang="en-GB" dirty="0">
-                <a:solidFill>
-                  <a:srgbClr val="0000FF"/>
-                </a:solidFill>
-              </a:rPr>
-              <a:t>(</a:t>
-            </a:r>
-            <a:r>
-              <a:rPr lang="en-GB" i="1" dirty="0">
-                <a:solidFill>
-                  <a:srgbClr val="0000FF"/>
-                </a:solidFill>
-              </a:rPr>
-              <a:t>t</a:t>
-            </a:r>
-            <a:r>
-              <a:rPr lang="en-GB" dirty="0">
-                <a:solidFill>
-                  <a:srgbClr val="0000FF"/>
-                </a:solidFill>
-              </a:rPr>
-              <a:t>) – the carrier</a:t>
-            </a:r>
-          </a:p>
-          <a:p>
-            <a:pPr lvl="1"/>
-            <a:r>
-              <a:rPr lang="en-GB" i="1" dirty="0">
-                <a:latin typeface="Times New Roman" panose="02020603050405020304" pitchFamily="18" charset="0"/>
-                <a:cs typeface="Times New Roman" panose="02020603050405020304" pitchFamily="18" charset="0"/>
-              </a:rPr>
-              <a:t>f</a:t>
-            </a:r>
-            <a:r>
-              <a:rPr lang="en-GB" dirty="0"/>
-              <a:t> </a:t>
-            </a:r>
-            <a:r>
-              <a:rPr lang="en-GB" i="1" baseline="-25000" dirty="0"/>
-              <a:t>c</a:t>
-            </a:r>
-            <a:r>
-              <a:rPr lang="en-GB" dirty="0"/>
-              <a:t> – carrier frequency, or frequency offset, gives fundamental frequency</a:t>
-            </a:r>
-          </a:p>
-          <a:p>
-            <a:endParaRPr lang="en-GB" dirty="0"/>
-          </a:p>
-          <a:p>
-            <a:endParaRPr lang="en-GB" dirty="0"/>
-          </a:p>
-          <a:p>
-            <a:r>
-              <a:rPr lang="en-GB" dirty="0"/>
-              <a:t>Now modulate the frequency</a:t>
-            </a:r>
-          </a:p>
-          <a:p>
-            <a:pPr lvl="1"/>
-            <a:r>
-              <a:rPr lang="en-GB" i="1" dirty="0">
-                <a:solidFill>
-                  <a:srgbClr val="0000FF"/>
-                </a:solidFill>
-                <a:latin typeface="Times New Roman" panose="02020603050405020304" pitchFamily="18" charset="0"/>
-                <a:cs typeface="Times New Roman" panose="02020603050405020304" pitchFamily="18" charset="0"/>
-              </a:rPr>
-              <a:t>f</a:t>
-            </a:r>
-            <a:r>
-              <a:rPr lang="en-GB" dirty="0">
-                <a:solidFill>
-                  <a:srgbClr val="0000FF"/>
-                </a:solidFill>
-              </a:rPr>
-              <a:t> (</a:t>
-            </a:r>
-            <a:r>
-              <a:rPr lang="en-GB" i="1" dirty="0">
-                <a:solidFill>
-                  <a:srgbClr val="0000FF"/>
-                </a:solidFill>
-              </a:rPr>
-              <a:t>t</a:t>
-            </a:r>
-            <a:r>
-              <a:rPr lang="en-GB" dirty="0">
-                <a:solidFill>
-                  <a:srgbClr val="0000FF"/>
-                </a:solidFill>
-              </a:rPr>
-              <a:t>) – the modulator</a:t>
-            </a:r>
-          </a:p>
-          <a:p>
-            <a:pPr lvl="1"/>
-            <a:r>
-              <a:rPr lang="en-GB" i="1" dirty="0">
-                <a:latin typeface="Times New Roman" panose="02020603050405020304" pitchFamily="18" charset="0"/>
-                <a:cs typeface="Times New Roman" panose="02020603050405020304" pitchFamily="18" charset="0"/>
-              </a:rPr>
-              <a:t>f</a:t>
-            </a:r>
-            <a:r>
-              <a:rPr lang="en-GB" dirty="0"/>
-              <a:t> </a:t>
-            </a:r>
-            <a:r>
-              <a:rPr lang="en-GB" i="1" baseline="-25000" dirty="0"/>
-              <a:t>m</a:t>
-            </a:r>
-            <a:r>
-              <a:rPr lang="en-GB" dirty="0"/>
-              <a:t> –modulation frequency</a:t>
-            </a:r>
-          </a:p>
-          <a:p>
-            <a:pPr lvl="1"/>
-            <a:r>
-              <a:rPr lang="en-GB" i="1" dirty="0">
-                <a:latin typeface="Times New Roman" panose="02020603050405020304" pitchFamily="18" charset="0"/>
-                <a:cs typeface="Times New Roman" panose="02020603050405020304" pitchFamily="18" charset="0"/>
-              </a:rPr>
-              <a:t>D</a:t>
-            </a:r>
-            <a:r>
-              <a:rPr lang="en-GB" dirty="0"/>
-              <a:t> – modulation depth</a:t>
-            </a:r>
-          </a:p>
-          <a:p>
-            <a:pPr lvl="1"/>
-            <a:endParaRPr lang="en-GB" dirty="0"/>
-          </a:p>
-          <a:p>
-            <a:r>
-              <a:rPr lang="en-GB" dirty="0" err="1"/>
-              <a:t>Chowning</a:t>
-            </a:r>
-            <a:r>
-              <a:rPr lang="en-GB" dirty="0"/>
-              <a:t> originally did phase modulation</a:t>
-            </a:r>
-          </a:p>
-          <a:p>
-            <a:pPr lvl="1"/>
-            <a:endParaRPr lang="en-GB" dirty="0"/>
-          </a:p>
-          <a:p>
-            <a:endParaRPr lang="en-GB" dirty="0"/>
-          </a:p>
-          <a:p>
-            <a:endParaRPr lang="en-GB" dirty="0"/>
-          </a:p>
-        </p:txBody>
-      </p:sp>
-      <mc:AlternateContent xmlns:mc="http://schemas.openxmlformats.org/markup-compatibility/2006">
-        <mc:Choice xmlns:a14="http://schemas.microsoft.com/office/drawing/2010/main" Requires="a14">
-          <p:sp>
-            <p:nvSpPr>
-              <p:cNvPr id="4" name="Object 3"/>
-              <p:cNvSpPr txBox="1"/>
-              <p:nvPr/>
-            </p:nvSpPr>
-            <p:spPr>
-              <a:xfrm>
-                <a:off x="8405972" y="1316285"/>
-                <a:ext cx="3793067" cy="812800"/>
-              </a:xfrm>
-              <a:prstGeom prst="rect">
-                <a:avLst/>
-              </a:prstGeom>
-            </p:spPr>
-            <p:txBody>
-              <a:bodyPr>
-                <a:normAutofit/>
-              </a:bodyPr>
-              <a:lstStyle/>
-              <a:p>
-                <a:pPr algn="l" defTabSz="1300460" fontAlgn="auto">
-                  <a:spcBef>
-                    <a:spcPts val="0"/>
-                  </a:spcBef>
-                  <a:spcAft>
-                    <a:spcPts val="0"/>
-                  </a:spcAft>
-                </a:pPr>
-                <a14:m>
-                  <m:oMathPara xmlns:m="http://schemas.openxmlformats.org/officeDocument/2006/math">
-                    <m:oMathParaPr>
-                      <m:jc m:val="left"/>
-                    </m:oMathParaPr>
-                    <m:oMath xmlns:m="http://schemas.openxmlformats.org/officeDocument/2006/math">
-                      <m:r>
-                        <a:rPr lang="en-GB" sz="3413" i="1">
-                          <a:latin typeface="Cambria Math" panose="02040503050406030204" pitchFamily="18" charset="0"/>
-                          <a:ea typeface="+mn-ea"/>
-                          <a:cs typeface="+mn-cs"/>
-                        </a:rPr>
-                        <m:t>𝑥</m:t>
-                      </m:r>
-                      <m:r>
-                        <a:rPr lang="en-GB" sz="3413" i="1">
-                          <a:latin typeface="Cambria Math" panose="02040503050406030204" pitchFamily="18" charset="0"/>
-                          <a:ea typeface="+mn-ea"/>
-                          <a:cs typeface="+mn-cs"/>
-                        </a:rPr>
-                        <m:t>(</m:t>
-                      </m:r>
-                      <m:r>
-                        <a:rPr lang="en-GB" sz="3413" i="1">
-                          <a:latin typeface="Cambria Math" panose="02040503050406030204" pitchFamily="18" charset="0"/>
-                          <a:ea typeface="+mn-ea"/>
-                          <a:cs typeface="+mn-cs"/>
-                        </a:rPr>
-                        <m:t>𝑡</m:t>
-                      </m:r>
-                      <m:r>
-                        <a:rPr lang="en-GB" sz="3413" i="1">
-                          <a:latin typeface="Cambria Math" panose="02040503050406030204" pitchFamily="18" charset="0"/>
-                          <a:ea typeface="+mn-ea"/>
-                          <a:cs typeface="+mn-cs"/>
-                        </a:rPr>
-                        <m:t>)=</m:t>
-                      </m:r>
-                      <m:func>
-                        <m:funcPr>
-                          <m:ctrlPr>
-                            <a:rPr lang="en-GB" sz="3413" i="1">
-                              <a:latin typeface="Cambria Math" panose="02040503050406030204" pitchFamily="18" charset="0"/>
-                              <a:ea typeface="+mn-ea"/>
-                              <a:cs typeface="+mn-cs"/>
-                            </a:rPr>
-                          </m:ctrlPr>
-                        </m:funcPr>
-                        <m:fName>
-                          <m:r>
-                            <m:rPr>
-                              <m:sty m:val="p"/>
-                            </m:rPr>
-                            <a:rPr lang="en-GB" sz="3413">
-                              <a:latin typeface="Cambria Math" panose="02040503050406030204" pitchFamily="18" charset="0"/>
-                              <a:ea typeface="+mn-ea"/>
-                              <a:cs typeface="+mn-cs"/>
-                            </a:rPr>
-                            <m:t>sin</m:t>
-                          </m:r>
-                        </m:fName>
-                        <m:e>
-                          <m:r>
-                            <a:rPr lang="en-GB" sz="3413" i="1">
-                              <a:latin typeface="Cambria Math" panose="02040503050406030204" pitchFamily="18" charset="0"/>
-                              <a:ea typeface="+mn-ea"/>
-                              <a:cs typeface="+mn-cs"/>
-                            </a:rPr>
-                            <m:t>(</m:t>
-                          </m:r>
-                        </m:e>
-                      </m:func>
-                      <m:r>
-                        <a:rPr lang="en-GB" sz="3413" i="1">
-                          <a:latin typeface="Cambria Math" panose="02040503050406030204" pitchFamily="18" charset="0"/>
-                          <a:ea typeface="+mn-ea"/>
-                          <a:cs typeface="+mn-cs"/>
-                        </a:rPr>
-                        <m:t>2</m:t>
-                      </m:r>
-                      <m:r>
-                        <a:rPr lang="en-GB" sz="3413" i="1">
-                          <a:latin typeface="Cambria Math" panose="02040503050406030204" pitchFamily="18" charset="0"/>
-                          <a:ea typeface="+mn-ea"/>
-                          <a:cs typeface="+mn-cs"/>
-                        </a:rPr>
-                        <m:t>𝜋</m:t>
-                      </m:r>
-                      <m:sSub>
-                        <m:sSubPr>
-                          <m:ctrlPr>
-                            <a:rPr lang="en-GB" sz="3413" i="1">
-                              <a:latin typeface="Cambria Math" panose="02040503050406030204" pitchFamily="18" charset="0"/>
-                              <a:ea typeface="+mn-ea"/>
-                              <a:cs typeface="+mn-cs"/>
-                            </a:rPr>
-                          </m:ctrlPr>
-                        </m:sSubPr>
-                        <m:e>
-                          <m:r>
-                            <a:rPr lang="en-GB" sz="3413" i="1">
-                              <a:latin typeface="Cambria Math" panose="02040503050406030204" pitchFamily="18" charset="0"/>
-                              <a:ea typeface="+mn-ea"/>
-                              <a:cs typeface="+mn-cs"/>
-                            </a:rPr>
-                            <m:t>𝑓</m:t>
-                          </m:r>
-                        </m:e>
-                        <m:sub>
-                          <m:r>
-                            <a:rPr lang="en-GB" sz="3413" i="1">
-                              <a:latin typeface="Cambria Math" panose="02040503050406030204" pitchFamily="18" charset="0"/>
-                              <a:ea typeface="+mn-ea"/>
-                              <a:cs typeface="+mn-cs"/>
-                            </a:rPr>
-                            <m:t>𝑐</m:t>
-                          </m:r>
-                        </m:sub>
-                      </m:sSub>
-                      <m:r>
-                        <a:rPr lang="en-GB" sz="3413" i="1">
-                          <a:latin typeface="Cambria Math" panose="02040503050406030204" pitchFamily="18" charset="0"/>
-                          <a:ea typeface="+mn-ea"/>
-                          <a:cs typeface="+mn-cs"/>
-                        </a:rPr>
-                        <m:t>𝑡</m:t>
-                      </m:r>
-                      <m:r>
-                        <a:rPr lang="en-GB" sz="3413" i="1">
-                          <a:latin typeface="Cambria Math" panose="02040503050406030204" pitchFamily="18" charset="0"/>
-                          <a:ea typeface="+mn-ea"/>
-                          <a:cs typeface="+mn-cs"/>
-                        </a:rPr>
-                        <m:t>)</m:t>
-                      </m:r>
-                    </m:oMath>
-                  </m:oMathPara>
-                </a14:m>
-                <a:endParaRPr lang="en-GB" sz="3413" dirty="0">
-                  <a:solidFill>
-                    <a:prstClr val="black"/>
-                  </a:solidFill>
-                  <a:latin typeface="Calibri" panose="020F0502020204030204"/>
-                  <a:ea typeface="+mn-ea"/>
-                  <a:cs typeface="+mn-cs"/>
-                </a:endParaRPr>
-              </a:p>
-            </p:txBody>
-          </p:sp>
-        </mc:Choice>
-        <mc:Fallback>
-          <p:sp>
-            <p:nvSpPr>
-              <p:cNvPr id="4" name="Object 3"/>
-              <p:cNvSpPr txBox="1">
-                <a:spLocks noRot="1" noChangeAspect="1" noMove="1" noResize="1" noEditPoints="1" noAdjustHandles="1" noChangeArrowheads="1" noChangeShapeType="1" noTextEdit="1"/>
-              </p:cNvSpPr>
-              <p:nvPr/>
-            </p:nvSpPr>
-            <p:spPr>
-              <a:xfrm>
-                <a:off x="8405972" y="1316285"/>
-                <a:ext cx="3793067" cy="812800"/>
-              </a:xfrm>
-              <a:prstGeom prst="rect">
-                <a:avLst/>
-              </a:prstGeom>
-              <a:blipFill>
-                <a:blip r:embed="rId3"/>
-                <a:stretch>
-                  <a:fillRect/>
-                </a:stretch>
-              </a:blipFill>
-            </p:spPr>
-            <p:txBody>
-              <a:bodyPr/>
-              <a:lstStyle/>
-              <a:p>
-                <a:r>
-                  <a:rPr lang="en-GB">
-                    <a:noFill/>
-                  </a:rPr>
-                  <a:t> </a:t>
-                </a:r>
-              </a:p>
-            </p:txBody>
-          </p:sp>
-        </mc:Fallback>
-      </mc:AlternateContent>
-      <mc:AlternateContent xmlns:mc="http://schemas.openxmlformats.org/markup-compatibility/2006">
-        <mc:Choice xmlns:a14="http://schemas.microsoft.com/office/drawing/2010/main" Requires="a14">
-          <p:sp>
-            <p:nvSpPr>
-              <p:cNvPr id="5" name="Object 4"/>
-              <p:cNvSpPr txBox="1"/>
-              <p:nvPr/>
-            </p:nvSpPr>
-            <p:spPr>
-              <a:xfrm>
-                <a:off x="10234914" y="7515513"/>
-                <a:ext cx="6175022" cy="2438400"/>
-              </a:xfrm>
-              <a:prstGeom prst="rect">
-                <a:avLst/>
-              </a:prstGeom>
-            </p:spPr>
-            <p:txBody>
-              <a:bodyPr>
-                <a:normAutofit/>
-              </a:bodyPr>
-              <a:lstStyle/>
-              <a:p>
-                <a:pPr algn="l" defTabSz="1300460" fontAlgn="auto">
-                  <a:spcBef>
-                    <a:spcPts val="0"/>
-                  </a:spcBef>
-                  <a:spcAft>
-                    <a:spcPts val="0"/>
-                  </a:spcAft>
-                </a:pPr>
-                <a14:m>
-                  <m:oMathPara xmlns:m="http://schemas.openxmlformats.org/officeDocument/2006/math">
-                    <m:oMathParaPr>
-                      <m:jc m:val="left"/>
-                    </m:oMathParaPr>
-                    <m:oMath xmlns:m="http://schemas.openxmlformats.org/officeDocument/2006/math">
-                      <m:r>
-                        <a:rPr lang="en-GB" sz="3413" i="1">
-                          <a:latin typeface="Cambria Math" panose="02040503050406030204" pitchFamily="18" charset="0"/>
-                          <a:ea typeface="+mn-ea"/>
-                          <a:cs typeface="+mn-cs"/>
-                        </a:rPr>
-                        <m:t>𝑓</m:t>
-                      </m:r>
-                      <m:r>
-                        <a:rPr lang="en-GB" sz="3413" i="1">
-                          <a:latin typeface="Cambria Math" panose="02040503050406030204" pitchFamily="18" charset="0"/>
-                          <a:ea typeface="+mn-ea"/>
-                          <a:cs typeface="+mn-cs"/>
-                        </a:rPr>
-                        <m:t>(</m:t>
-                      </m:r>
-                      <m:r>
-                        <a:rPr lang="en-GB" sz="3413" i="1">
-                          <a:latin typeface="Cambria Math" panose="02040503050406030204" pitchFamily="18" charset="0"/>
-                          <a:ea typeface="+mn-ea"/>
-                          <a:cs typeface="+mn-cs"/>
-                        </a:rPr>
-                        <m:t>𝑡</m:t>
-                      </m:r>
-                      <m:r>
-                        <a:rPr lang="en-GB" sz="3413" i="1">
-                          <a:latin typeface="Cambria Math" panose="02040503050406030204" pitchFamily="18" charset="0"/>
-                          <a:ea typeface="+mn-ea"/>
-                          <a:cs typeface="+mn-cs"/>
-                        </a:rPr>
-                        <m:t>)=</m:t>
-                      </m:r>
-                      <m:r>
-                        <a:rPr lang="en-GB" sz="3413" i="1">
-                          <a:latin typeface="Cambria Math" panose="02040503050406030204" pitchFamily="18" charset="0"/>
-                          <a:ea typeface="+mn-ea"/>
-                          <a:cs typeface="+mn-cs"/>
-                        </a:rPr>
-                        <m:t>𝐷</m:t>
-                      </m:r>
-                      <m:func>
-                        <m:funcPr>
-                          <m:ctrlPr>
-                            <a:rPr lang="en-GB" sz="3413" i="1">
-                              <a:latin typeface="Cambria Math" panose="02040503050406030204" pitchFamily="18" charset="0"/>
-                              <a:ea typeface="+mn-ea"/>
-                              <a:cs typeface="+mn-cs"/>
-                            </a:rPr>
-                          </m:ctrlPr>
-                        </m:funcPr>
-                        <m:fName>
-                          <m:r>
-                            <m:rPr>
-                              <m:sty m:val="p"/>
-                            </m:rPr>
-                            <a:rPr lang="en-GB" sz="3413">
-                              <a:latin typeface="Cambria Math" panose="02040503050406030204" pitchFamily="18" charset="0"/>
-                              <a:ea typeface="+mn-ea"/>
-                              <a:cs typeface="+mn-cs"/>
-                            </a:rPr>
-                            <m:t>sin</m:t>
-                          </m:r>
-                        </m:fName>
-                        <m:e>
-                          <m:r>
-                            <a:rPr lang="en-GB" sz="3413" i="1">
-                              <a:latin typeface="Cambria Math" panose="02040503050406030204" pitchFamily="18" charset="0"/>
-                              <a:ea typeface="+mn-ea"/>
-                              <a:cs typeface="+mn-cs"/>
-                            </a:rPr>
-                            <m:t>(</m:t>
-                          </m:r>
-                        </m:e>
-                      </m:func>
-                      <m:r>
-                        <a:rPr lang="en-GB" sz="3413" i="1">
-                          <a:latin typeface="Cambria Math" panose="02040503050406030204" pitchFamily="18" charset="0"/>
-                          <a:ea typeface="+mn-ea"/>
-                          <a:cs typeface="+mn-cs"/>
-                        </a:rPr>
-                        <m:t>2</m:t>
-                      </m:r>
-                      <m:r>
-                        <a:rPr lang="en-GB" sz="3413" i="1">
-                          <a:latin typeface="Cambria Math" panose="02040503050406030204" pitchFamily="18" charset="0"/>
-                          <a:ea typeface="+mn-ea"/>
-                          <a:cs typeface="+mn-cs"/>
-                        </a:rPr>
-                        <m:t>𝜋</m:t>
-                      </m:r>
-                      <m:sSub>
-                        <m:sSubPr>
-                          <m:ctrlPr>
-                            <a:rPr lang="en-GB" sz="3413" i="1">
-                              <a:latin typeface="Cambria Math" panose="02040503050406030204" pitchFamily="18" charset="0"/>
-                              <a:ea typeface="+mn-ea"/>
-                              <a:cs typeface="+mn-cs"/>
-                            </a:rPr>
-                          </m:ctrlPr>
-                        </m:sSubPr>
-                        <m:e>
-                          <m:r>
-                            <a:rPr lang="en-GB" sz="3413" i="1">
-                              <a:latin typeface="Cambria Math" panose="02040503050406030204" pitchFamily="18" charset="0"/>
-                              <a:ea typeface="+mn-ea"/>
-                              <a:cs typeface="+mn-cs"/>
-                            </a:rPr>
-                            <m:t>𝑓</m:t>
-                          </m:r>
-                        </m:e>
-                        <m:sub>
-                          <m:r>
-                            <a:rPr lang="en-GB" sz="3413" i="1">
-                              <a:latin typeface="Cambria Math" panose="02040503050406030204" pitchFamily="18" charset="0"/>
-                              <a:ea typeface="+mn-ea"/>
-                              <a:cs typeface="+mn-cs"/>
-                            </a:rPr>
-                            <m:t>𝑚</m:t>
-                          </m:r>
-                        </m:sub>
-                      </m:sSub>
-                      <m:r>
-                        <a:rPr lang="en-GB" sz="3413" i="1">
-                          <a:latin typeface="Cambria Math" panose="02040503050406030204" pitchFamily="18" charset="0"/>
-                          <a:ea typeface="+mn-ea"/>
-                          <a:cs typeface="+mn-cs"/>
-                        </a:rPr>
-                        <m:t>𝑡</m:t>
-                      </m:r>
-                      <m:r>
-                        <a:rPr lang="en-GB" sz="3413" i="1">
-                          <a:latin typeface="Cambria Math" panose="02040503050406030204" pitchFamily="18" charset="0"/>
-                          <a:ea typeface="+mn-ea"/>
-                          <a:cs typeface="+mn-cs"/>
-                        </a:rPr>
-                        <m:t>)</m:t>
-                      </m:r>
-                    </m:oMath>
-                    <m:oMath xmlns:m="http://schemas.openxmlformats.org/officeDocument/2006/math">
-                      <m:r>
-                        <a:rPr lang="en-GB" sz="3413" i="1">
-                          <a:latin typeface="Cambria Math" panose="02040503050406030204" pitchFamily="18" charset="0"/>
-                          <a:ea typeface="+mn-ea"/>
-                          <a:cs typeface="+mn-cs"/>
-                        </a:rPr>
-                        <m:t>→</m:t>
-                      </m:r>
-                      <m:r>
-                        <a:rPr lang="en-GB" sz="3413" i="1">
-                          <a:latin typeface="Cambria Math" panose="02040503050406030204" pitchFamily="18" charset="0"/>
-                          <a:ea typeface="+mn-ea"/>
-                          <a:cs typeface="+mn-cs"/>
-                        </a:rPr>
-                        <m:t>𝑥</m:t>
-                      </m:r>
-                      <m:r>
-                        <a:rPr lang="en-GB" sz="3413" i="1">
-                          <a:latin typeface="Cambria Math" panose="02040503050406030204" pitchFamily="18" charset="0"/>
-                          <a:ea typeface="+mn-ea"/>
-                          <a:cs typeface="+mn-cs"/>
-                        </a:rPr>
-                        <m:t>(</m:t>
-                      </m:r>
-                      <m:r>
-                        <a:rPr lang="en-GB" sz="3413" i="1">
-                          <a:latin typeface="Cambria Math" panose="02040503050406030204" pitchFamily="18" charset="0"/>
-                          <a:ea typeface="+mn-ea"/>
-                          <a:cs typeface="+mn-cs"/>
-                        </a:rPr>
-                        <m:t>𝑡</m:t>
-                      </m:r>
-                      <m:r>
-                        <a:rPr lang="en-GB" sz="3413" i="1">
-                          <a:latin typeface="Cambria Math" panose="02040503050406030204" pitchFamily="18" charset="0"/>
-                          <a:ea typeface="+mn-ea"/>
-                          <a:cs typeface="+mn-cs"/>
-                        </a:rPr>
-                        <m:t>)=</m:t>
-                      </m:r>
-                      <m:func>
-                        <m:funcPr>
-                          <m:ctrlPr>
-                            <a:rPr lang="en-GB" sz="3413" i="1">
-                              <a:latin typeface="Cambria Math" panose="02040503050406030204" pitchFamily="18" charset="0"/>
-                              <a:ea typeface="+mn-ea"/>
-                              <a:cs typeface="+mn-cs"/>
-                            </a:rPr>
-                          </m:ctrlPr>
-                        </m:funcPr>
-                        <m:fName>
-                          <m:r>
-                            <m:rPr>
-                              <m:sty m:val="p"/>
-                            </m:rPr>
-                            <a:rPr lang="en-GB" sz="3413">
-                              <a:latin typeface="Cambria Math" panose="02040503050406030204" pitchFamily="18" charset="0"/>
-                              <a:ea typeface="+mn-ea"/>
-                              <a:cs typeface="+mn-cs"/>
-                            </a:rPr>
-                            <m:t>sin</m:t>
-                          </m:r>
-                        </m:fName>
-                        <m:e>
-                          <m:r>
-                            <a:rPr lang="en-GB" sz="3413" i="1">
-                              <a:latin typeface="Cambria Math" panose="02040503050406030204" pitchFamily="18" charset="0"/>
-                              <a:ea typeface="+mn-ea"/>
-                              <a:cs typeface="+mn-cs"/>
-                            </a:rPr>
-                            <m:t>(</m:t>
-                          </m:r>
-                        </m:e>
-                      </m:func>
-                      <m:r>
-                        <a:rPr lang="en-GB" sz="3413" i="1">
-                          <a:latin typeface="Cambria Math" panose="02040503050406030204" pitchFamily="18" charset="0"/>
-                          <a:ea typeface="+mn-ea"/>
-                          <a:cs typeface="+mn-cs"/>
-                        </a:rPr>
-                        <m:t>2</m:t>
-                      </m:r>
-                      <m:r>
-                        <a:rPr lang="en-GB" sz="3413" i="1">
-                          <a:latin typeface="Cambria Math" panose="02040503050406030204" pitchFamily="18" charset="0"/>
-                          <a:ea typeface="+mn-ea"/>
-                          <a:cs typeface="+mn-cs"/>
-                        </a:rPr>
-                        <m:t>𝜋</m:t>
-                      </m:r>
-                      <m:sSub>
-                        <m:sSubPr>
-                          <m:ctrlPr>
-                            <a:rPr lang="en-GB" sz="3413" i="1">
-                              <a:latin typeface="Cambria Math" panose="02040503050406030204" pitchFamily="18" charset="0"/>
-                              <a:ea typeface="+mn-ea"/>
-                              <a:cs typeface="+mn-cs"/>
-                            </a:rPr>
-                          </m:ctrlPr>
-                        </m:sSubPr>
-                        <m:e>
-                          <m:r>
-                            <a:rPr lang="en-GB" sz="3413" i="1">
-                              <a:latin typeface="Cambria Math" panose="02040503050406030204" pitchFamily="18" charset="0"/>
-                              <a:ea typeface="+mn-ea"/>
-                              <a:cs typeface="+mn-cs"/>
-                            </a:rPr>
-                            <m:t>(</m:t>
-                          </m:r>
-                          <m:r>
-                            <a:rPr lang="en-GB" sz="3413" i="1">
-                              <a:latin typeface="Cambria Math" panose="02040503050406030204" pitchFamily="18" charset="0"/>
-                              <a:ea typeface="+mn-ea"/>
-                              <a:cs typeface="+mn-cs"/>
-                            </a:rPr>
-                            <m:t>𝑓</m:t>
-                          </m:r>
-                        </m:e>
-                        <m:sub>
-                          <m:r>
-                            <a:rPr lang="en-GB" sz="3413" i="1">
-                              <a:latin typeface="Cambria Math" panose="02040503050406030204" pitchFamily="18" charset="0"/>
-                              <a:ea typeface="+mn-ea"/>
-                              <a:cs typeface="+mn-cs"/>
-                            </a:rPr>
-                            <m:t>𝑐</m:t>
-                          </m:r>
-                        </m:sub>
-                      </m:sSub>
-                      <m:r>
-                        <a:rPr lang="en-GB" sz="3413" i="1">
-                          <a:latin typeface="Cambria Math" panose="02040503050406030204" pitchFamily="18" charset="0"/>
-                          <a:ea typeface="+mn-ea"/>
-                          <a:cs typeface="+mn-cs"/>
-                        </a:rPr>
-                        <m:t>𝑡</m:t>
-                      </m:r>
-                      <m:r>
-                        <a:rPr lang="en-GB" sz="3413" i="1">
-                          <a:latin typeface="Cambria Math" panose="02040503050406030204" pitchFamily="18" charset="0"/>
-                          <a:ea typeface="+mn-ea"/>
-                          <a:cs typeface="+mn-cs"/>
-                        </a:rPr>
-                        <m:t>+</m:t>
-                      </m:r>
-                      <m:r>
-                        <a:rPr lang="en-GB" sz="3413" i="1">
-                          <a:latin typeface="Cambria Math" panose="02040503050406030204" pitchFamily="18" charset="0"/>
-                          <a:ea typeface="+mn-ea"/>
-                          <a:cs typeface="+mn-cs"/>
-                        </a:rPr>
-                        <m:t>𝑓</m:t>
-                      </m:r>
-                      <m:r>
-                        <a:rPr lang="en-GB" sz="3413" i="1">
-                          <a:latin typeface="Cambria Math" panose="02040503050406030204" pitchFamily="18" charset="0"/>
-                          <a:ea typeface="+mn-ea"/>
-                          <a:cs typeface="+mn-cs"/>
-                        </a:rPr>
-                        <m:t>(</m:t>
-                      </m:r>
-                      <m:r>
-                        <a:rPr lang="en-GB" sz="3413" i="1">
-                          <a:latin typeface="Cambria Math" panose="02040503050406030204" pitchFamily="18" charset="0"/>
-                          <a:ea typeface="+mn-ea"/>
-                          <a:cs typeface="+mn-cs"/>
-                        </a:rPr>
-                        <m:t>𝑡</m:t>
-                      </m:r>
-                      <m:r>
-                        <a:rPr lang="en-GB" sz="3413" i="1">
-                          <a:latin typeface="Cambria Math" panose="02040503050406030204" pitchFamily="18" charset="0"/>
-                          <a:ea typeface="+mn-ea"/>
-                          <a:cs typeface="+mn-cs"/>
-                        </a:rPr>
-                        <m:t>)))</m:t>
-                      </m:r>
-                    </m:oMath>
-                    <m:oMath xmlns:m="http://schemas.openxmlformats.org/officeDocument/2006/math">
-                      <m:r>
-                        <a:rPr lang="en-GB" sz="3413" i="1">
-                          <a:latin typeface="Cambria Math" panose="02040503050406030204" pitchFamily="18" charset="0"/>
-                          <a:ea typeface="+mn-ea"/>
-                          <a:cs typeface="+mn-cs"/>
-                        </a:rPr>
-                        <m:t>=</m:t>
-                      </m:r>
-                      <m:func>
-                        <m:funcPr>
-                          <m:ctrlPr>
-                            <a:rPr lang="en-GB" sz="3413" i="1">
-                              <a:latin typeface="Cambria Math" panose="02040503050406030204" pitchFamily="18" charset="0"/>
-                              <a:ea typeface="+mn-ea"/>
-                              <a:cs typeface="+mn-cs"/>
-                            </a:rPr>
-                          </m:ctrlPr>
-                        </m:funcPr>
-                        <m:fName>
-                          <m:r>
-                            <m:rPr>
-                              <m:sty m:val="p"/>
-                            </m:rPr>
-                            <a:rPr lang="en-GB" sz="3413">
-                              <a:latin typeface="Cambria Math" panose="02040503050406030204" pitchFamily="18" charset="0"/>
-                              <a:ea typeface="+mn-ea"/>
-                              <a:cs typeface="+mn-cs"/>
-                            </a:rPr>
-                            <m:t>sin</m:t>
-                          </m:r>
-                        </m:fName>
-                        <m:e>
-                          <m:r>
-                            <a:rPr lang="en-GB" sz="3413" i="1">
-                              <a:latin typeface="Cambria Math" panose="02040503050406030204" pitchFamily="18" charset="0"/>
-                              <a:ea typeface="+mn-ea"/>
-                              <a:cs typeface="+mn-cs"/>
-                            </a:rPr>
-                            <m:t>(</m:t>
-                          </m:r>
-                        </m:e>
-                      </m:func>
-                      <m:r>
-                        <a:rPr lang="en-GB" sz="3413" i="1">
-                          <a:latin typeface="Cambria Math" panose="02040503050406030204" pitchFamily="18" charset="0"/>
-                          <a:ea typeface="+mn-ea"/>
-                          <a:cs typeface="+mn-cs"/>
-                        </a:rPr>
-                        <m:t>2</m:t>
-                      </m:r>
-                      <m:r>
-                        <a:rPr lang="en-GB" sz="3413" i="1">
-                          <a:latin typeface="Cambria Math" panose="02040503050406030204" pitchFamily="18" charset="0"/>
-                          <a:ea typeface="+mn-ea"/>
-                          <a:cs typeface="+mn-cs"/>
-                        </a:rPr>
-                        <m:t>𝜋</m:t>
-                      </m:r>
-                      <m:r>
-                        <a:rPr lang="en-GB" sz="3413" i="1">
-                          <a:latin typeface="Cambria Math" panose="02040503050406030204" pitchFamily="18" charset="0"/>
-                          <a:ea typeface="+mn-ea"/>
-                          <a:cs typeface="+mn-cs"/>
-                        </a:rPr>
-                        <m:t>(</m:t>
-                      </m:r>
-                      <m:sSub>
-                        <m:sSubPr>
-                          <m:ctrlPr>
-                            <a:rPr lang="en-GB" sz="3413" i="1">
-                              <a:latin typeface="Cambria Math" panose="02040503050406030204" pitchFamily="18" charset="0"/>
-                              <a:ea typeface="+mn-ea"/>
-                              <a:cs typeface="+mn-cs"/>
-                            </a:rPr>
-                          </m:ctrlPr>
-                        </m:sSubPr>
-                        <m:e>
-                          <m:r>
-                            <a:rPr lang="en-GB" sz="3413" i="1">
-                              <a:latin typeface="Cambria Math" panose="02040503050406030204" pitchFamily="18" charset="0"/>
-                              <a:ea typeface="+mn-ea"/>
-                              <a:cs typeface="+mn-cs"/>
-                            </a:rPr>
-                            <m:t>𝑓</m:t>
-                          </m:r>
-                        </m:e>
-                        <m:sub>
-                          <m:r>
-                            <a:rPr lang="en-GB" sz="3413" i="1">
-                              <a:latin typeface="Cambria Math" panose="02040503050406030204" pitchFamily="18" charset="0"/>
-                              <a:ea typeface="+mn-ea"/>
-                              <a:cs typeface="+mn-cs"/>
-                            </a:rPr>
-                            <m:t>𝑐</m:t>
-                          </m:r>
-                        </m:sub>
-                      </m:sSub>
-                      <m:r>
-                        <a:rPr lang="en-GB" sz="3413" i="1">
-                          <a:latin typeface="Cambria Math" panose="02040503050406030204" pitchFamily="18" charset="0"/>
-                          <a:ea typeface="+mn-ea"/>
-                          <a:cs typeface="+mn-cs"/>
-                        </a:rPr>
-                        <m:t>𝑡</m:t>
-                      </m:r>
-                      <m:r>
-                        <a:rPr lang="en-GB" sz="3413" i="1">
-                          <a:latin typeface="Cambria Math" panose="02040503050406030204" pitchFamily="18" charset="0"/>
-                          <a:ea typeface="+mn-ea"/>
-                          <a:cs typeface="+mn-cs"/>
-                        </a:rPr>
-                        <m:t>+</m:t>
-                      </m:r>
-                      <m:r>
-                        <a:rPr lang="en-GB" sz="3413" i="1">
-                          <a:latin typeface="Cambria Math" panose="02040503050406030204" pitchFamily="18" charset="0"/>
-                          <a:ea typeface="+mn-ea"/>
-                          <a:cs typeface="+mn-cs"/>
-                        </a:rPr>
-                        <m:t>𝐷</m:t>
-                      </m:r>
-                      <m:func>
-                        <m:funcPr>
-                          <m:ctrlPr>
-                            <a:rPr lang="en-GB" sz="3413" i="1">
-                              <a:latin typeface="Cambria Math" panose="02040503050406030204" pitchFamily="18" charset="0"/>
-                              <a:ea typeface="+mn-ea"/>
-                              <a:cs typeface="+mn-cs"/>
-                            </a:rPr>
-                          </m:ctrlPr>
-                        </m:funcPr>
-                        <m:fName>
-                          <m:r>
-                            <m:rPr>
-                              <m:sty m:val="p"/>
-                            </m:rPr>
-                            <a:rPr lang="en-GB" sz="3413">
-                              <a:latin typeface="Cambria Math" panose="02040503050406030204" pitchFamily="18" charset="0"/>
-                              <a:ea typeface="+mn-ea"/>
-                              <a:cs typeface="+mn-cs"/>
-                            </a:rPr>
-                            <m:t>sin</m:t>
-                          </m:r>
-                        </m:fName>
-                        <m:e>
-                          <m:r>
-                            <a:rPr lang="en-GB" sz="3413" i="1">
-                              <a:latin typeface="Cambria Math" panose="02040503050406030204" pitchFamily="18" charset="0"/>
-                              <a:ea typeface="+mn-ea"/>
-                              <a:cs typeface="+mn-cs"/>
-                            </a:rPr>
-                            <m:t>(</m:t>
-                          </m:r>
-                        </m:e>
-                      </m:func>
-                      <m:r>
-                        <a:rPr lang="en-GB" sz="3413" i="1">
-                          <a:latin typeface="Cambria Math" panose="02040503050406030204" pitchFamily="18" charset="0"/>
-                          <a:ea typeface="+mn-ea"/>
-                          <a:cs typeface="+mn-cs"/>
-                        </a:rPr>
-                        <m:t>2</m:t>
-                      </m:r>
-                      <m:r>
-                        <a:rPr lang="en-GB" sz="3413" i="1">
-                          <a:latin typeface="Cambria Math" panose="02040503050406030204" pitchFamily="18" charset="0"/>
-                          <a:ea typeface="+mn-ea"/>
-                          <a:cs typeface="+mn-cs"/>
-                        </a:rPr>
-                        <m:t>𝜋</m:t>
-                      </m:r>
-                      <m:sSub>
-                        <m:sSubPr>
-                          <m:ctrlPr>
-                            <a:rPr lang="en-GB" sz="3413" i="1">
-                              <a:latin typeface="Cambria Math" panose="02040503050406030204" pitchFamily="18" charset="0"/>
-                              <a:ea typeface="+mn-ea"/>
-                              <a:cs typeface="+mn-cs"/>
-                            </a:rPr>
-                          </m:ctrlPr>
-                        </m:sSubPr>
-                        <m:e>
-                          <m:r>
-                            <a:rPr lang="en-GB" sz="3413" i="1">
-                              <a:latin typeface="Cambria Math" panose="02040503050406030204" pitchFamily="18" charset="0"/>
-                              <a:ea typeface="+mn-ea"/>
-                              <a:cs typeface="+mn-cs"/>
-                            </a:rPr>
-                            <m:t>𝑓</m:t>
-                          </m:r>
-                        </m:e>
-                        <m:sub>
-                          <m:r>
-                            <a:rPr lang="en-GB" sz="3413" i="1">
-                              <a:latin typeface="Cambria Math" panose="02040503050406030204" pitchFamily="18" charset="0"/>
-                              <a:ea typeface="+mn-ea"/>
-                              <a:cs typeface="+mn-cs"/>
-                            </a:rPr>
-                            <m:t>𝑚</m:t>
-                          </m:r>
-                        </m:sub>
-                      </m:sSub>
-                      <m:r>
-                        <a:rPr lang="en-GB" sz="3413" i="1">
-                          <a:latin typeface="Cambria Math" panose="02040503050406030204" pitchFamily="18" charset="0"/>
-                          <a:ea typeface="+mn-ea"/>
-                          <a:cs typeface="+mn-cs"/>
-                        </a:rPr>
-                        <m:t>𝑡</m:t>
-                      </m:r>
-                      <m:r>
-                        <a:rPr lang="en-GB" sz="3413" i="1">
-                          <a:latin typeface="Cambria Math" panose="02040503050406030204" pitchFamily="18" charset="0"/>
-                          <a:ea typeface="+mn-ea"/>
-                          <a:cs typeface="+mn-cs"/>
-                        </a:rPr>
-                        <m:t>)))</m:t>
-                      </m:r>
-                    </m:oMath>
-                  </m:oMathPara>
-                </a14:m>
-                <a:endParaRPr lang="en-GB" sz="3413" dirty="0">
-                  <a:solidFill>
-                    <a:prstClr val="black"/>
-                  </a:solidFill>
-                  <a:latin typeface="Calibri" panose="020F0502020204030204"/>
-                  <a:ea typeface="+mn-ea"/>
-                  <a:cs typeface="+mn-cs"/>
-                </a:endParaRPr>
-              </a:p>
-            </p:txBody>
-          </p:sp>
-        </mc:Choice>
-        <mc:Fallback>
-          <p:sp>
-            <p:nvSpPr>
-              <p:cNvPr id="5" name="Object 4"/>
-              <p:cNvSpPr txBox="1">
-                <a:spLocks noRot="1" noChangeAspect="1" noMove="1" noResize="1" noEditPoints="1" noAdjustHandles="1" noChangeArrowheads="1" noChangeShapeType="1" noTextEdit="1"/>
-              </p:cNvSpPr>
-              <p:nvPr/>
-            </p:nvSpPr>
-            <p:spPr>
-              <a:xfrm>
-                <a:off x="10234914" y="7515513"/>
-                <a:ext cx="6175022" cy="2438400"/>
-              </a:xfrm>
-              <a:prstGeom prst="rect">
-                <a:avLst/>
-              </a:prstGeom>
-              <a:blipFill>
-                <a:blip r:embed="rId4"/>
-                <a:stretch>
-                  <a:fillRect/>
-                </a:stretch>
-              </a:blipFill>
-            </p:spPr>
-            <p:txBody>
-              <a:bodyPr/>
-              <a:lstStyle/>
-              <a:p>
-                <a:r>
-                  <a:rPr lang="en-GB">
-                    <a:noFill/>
-                  </a:rPr>
-                  <a:t> </a:t>
-                </a:r>
-              </a:p>
-            </p:txBody>
-          </p:sp>
-        </mc:Fallback>
-      </mc:AlternateContent>
-      <mc:AlternateContent xmlns:mc="http://schemas.openxmlformats.org/markup-compatibility/2006">
-        <mc:Choice xmlns:a14="http://schemas.microsoft.com/office/drawing/2010/main" Requires="a14">
-          <p:sp>
-            <p:nvSpPr>
-              <p:cNvPr id="6" name="Object 4">
-                <a:extLst>
-                  <a:ext uri="{FF2B5EF4-FFF2-40B4-BE49-F238E27FC236}">
-                    <a16:creationId xmlns:a16="http://schemas.microsoft.com/office/drawing/2014/main" id="{5623E7F1-69CC-1B3E-4F55-3EE0122E3703}"/>
-                  </a:ext>
-                </a:extLst>
-              </p:cNvPr>
-              <p:cNvSpPr txBox="1"/>
-              <p:nvPr/>
-            </p:nvSpPr>
-            <p:spPr>
-              <a:xfrm>
-                <a:off x="10234914" y="4476174"/>
-                <a:ext cx="6175022" cy="2438400"/>
-              </a:xfrm>
-              <a:prstGeom prst="rect">
-                <a:avLst/>
-              </a:prstGeom>
-            </p:spPr>
-            <p:txBody>
-              <a:bodyPr>
-                <a:normAutofit/>
-              </a:bodyPr>
-              <a:lstStyle/>
-              <a:p>
-                <a:pPr algn="l" defTabSz="1300460" fontAlgn="auto">
-                  <a:spcBef>
-                    <a:spcPts val="0"/>
-                  </a:spcBef>
-                  <a:spcAft>
-                    <a:spcPts val="0"/>
-                  </a:spcAft>
-                </a:pPr>
-                <a14:m>
-                  <m:oMathPara xmlns:m="http://schemas.openxmlformats.org/officeDocument/2006/math">
-                    <m:oMathParaPr>
-                      <m:jc m:val="left"/>
-                    </m:oMathParaPr>
-                    <m:oMath xmlns:m="http://schemas.openxmlformats.org/officeDocument/2006/math">
-                      <m:r>
-                        <a:rPr lang="en-GB" sz="3413" i="1">
-                          <a:latin typeface="Cambria Math" panose="02040503050406030204" pitchFamily="18" charset="0"/>
-                          <a:ea typeface="+mn-ea"/>
-                          <a:cs typeface="+mn-cs"/>
-                        </a:rPr>
-                        <m:t>𝑓</m:t>
-                      </m:r>
-                      <m:r>
-                        <a:rPr lang="en-GB" sz="3413" i="1">
-                          <a:latin typeface="Cambria Math" panose="02040503050406030204" pitchFamily="18" charset="0"/>
-                          <a:ea typeface="+mn-ea"/>
-                          <a:cs typeface="+mn-cs"/>
-                        </a:rPr>
-                        <m:t>(</m:t>
-                      </m:r>
-                      <m:r>
-                        <a:rPr lang="en-GB" sz="3413" i="1">
-                          <a:latin typeface="Cambria Math" panose="02040503050406030204" pitchFamily="18" charset="0"/>
-                          <a:ea typeface="+mn-ea"/>
-                          <a:cs typeface="+mn-cs"/>
-                        </a:rPr>
-                        <m:t>𝑡</m:t>
-                      </m:r>
-                      <m:r>
-                        <a:rPr lang="en-GB" sz="3413" i="1">
-                          <a:latin typeface="Cambria Math" panose="02040503050406030204" pitchFamily="18" charset="0"/>
-                          <a:ea typeface="+mn-ea"/>
-                          <a:cs typeface="+mn-cs"/>
-                        </a:rPr>
-                        <m:t>)=</m:t>
-                      </m:r>
-                      <m:r>
-                        <a:rPr lang="en-GB" sz="3413" i="1">
-                          <a:latin typeface="Cambria Math" panose="02040503050406030204" pitchFamily="18" charset="0"/>
-                          <a:ea typeface="+mn-ea"/>
-                          <a:cs typeface="+mn-cs"/>
-                        </a:rPr>
-                        <m:t>𝐷</m:t>
-                      </m:r>
-                      <m:func>
-                        <m:funcPr>
-                          <m:ctrlPr>
-                            <a:rPr lang="en-GB" sz="3413" i="1">
-                              <a:latin typeface="Cambria Math" panose="02040503050406030204" pitchFamily="18" charset="0"/>
-                              <a:ea typeface="+mn-ea"/>
-                              <a:cs typeface="+mn-cs"/>
-                            </a:rPr>
-                          </m:ctrlPr>
-                        </m:funcPr>
-                        <m:fName>
-                          <m:r>
-                            <m:rPr>
-                              <m:sty m:val="p"/>
-                            </m:rPr>
-                            <a:rPr lang="en-GB" sz="3413">
-                              <a:latin typeface="Cambria Math" panose="02040503050406030204" pitchFamily="18" charset="0"/>
-                              <a:ea typeface="+mn-ea"/>
-                              <a:cs typeface="+mn-cs"/>
-                            </a:rPr>
-                            <m:t>sin</m:t>
-                          </m:r>
-                        </m:fName>
-                        <m:e>
-                          <m:r>
-                            <a:rPr lang="en-GB" sz="3413" i="1">
-                              <a:latin typeface="Cambria Math" panose="02040503050406030204" pitchFamily="18" charset="0"/>
-                              <a:ea typeface="+mn-ea"/>
-                              <a:cs typeface="+mn-cs"/>
-                            </a:rPr>
-                            <m:t>(</m:t>
-                          </m:r>
-                        </m:e>
-                      </m:func>
-                      <m:r>
-                        <a:rPr lang="en-GB" sz="3413" i="1">
-                          <a:latin typeface="Cambria Math" panose="02040503050406030204" pitchFamily="18" charset="0"/>
-                          <a:ea typeface="+mn-ea"/>
-                          <a:cs typeface="+mn-cs"/>
-                        </a:rPr>
-                        <m:t>2</m:t>
-                      </m:r>
-                      <m:r>
-                        <a:rPr lang="en-GB" sz="3413" i="1">
-                          <a:latin typeface="Cambria Math" panose="02040503050406030204" pitchFamily="18" charset="0"/>
-                          <a:ea typeface="+mn-ea"/>
-                          <a:cs typeface="+mn-cs"/>
-                        </a:rPr>
-                        <m:t>𝜋</m:t>
-                      </m:r>
-                      <m:sSub>
-                        <m:sSubPr>
-                          <m:ctrlPr>
-                            <a:rPr lang="en-GB" sz="3413" i="1">
-                              <a:latin typeface="Cambria Math" panose="02040503050406030204" pitchFamily="18" charset="0"/>
-                              <a:ea typeface="+mn-ea"/>
-                              <a:cs typeface="+mn-cs"/>
-                            </a:rPr>
-                          </m:ctrlPr>
-                        </m:sSubPr>
-                        <m:e>
-                          <m:r>
-                            <a:rPr lang="en-GB" sz="3413" i="1">
-                              <a:latin typeface="Cambria Math" panose="02040503050406030204" pitchFamily="18" charset="0"/>
-                              <a:ea typeface="+mn-ea"/>
-                              <a:cs typeface="+mn-cs"/>
-                            </a:rPr>
-                            <m:t>𝑓</m:t>
-                          </m:r>
-                        </m:e>
-                        <m:sub>
-                          <m:r>
-                            <a:rPr lang="en-GB" sz="3413" i="1">
-                              <a:latin typeface="Cambria Math" panose="02040503050406030204" pitchFamily="18" charset="0"/>
-                              <a:ea typeface="+mn-ea"/>
-                              <a:cs typeface="+mn-cs"/>
-                            </a:rPr>
-                            <m:t>𝑚</m:t>
-                          </m:r>
-                        </m:sub>
-                      </m:sSub>
-                      <m:r>
-                        <a:rPr lang="en-GB" sz="3413" i="1">
-                          <a:latin typeface="Cambria Math" panose="02040503050406030204" pitchFamily="18" charset="0"/>
-                          <a:ea typeface="+mn-ea"/>
-                          <a:cs typeface="+mn-cs"/>
-                        </a:rPr>
-                        <m:t>𝑡</m:t>
-                      </m:r>
-                      <m:r>
-                        <a:rPr lang="en-GB" sz="3413" i="1">
-                          <a:latin typeface="Cambria Math" panose="02040503050406030204" pitchFamily="18" charset="0"/>
-                          <a:ea typeface="+mn-ea"/>
-                          <a:cs typeface="+mn-cs"/>
-                        </a:rPr>
-                        <m:t>)</m:t>
-                      </m:r>
-                    </m:oMath>
-                    <m:oMath xmlns:m="http://schemas.openxmlformats.org/officeDocument/2006/math">
-                      <m:r>
-                        <a:rPr lang="en-GB" sz="3413" i="1">
-                          <a:latin typeface="Cambria Math" panose="02040503050406030204" pitchFamily="18" charset="0"/>
-                          <a:ea typeface="+mn-ea"/>
-                          <a:cs typeface="+mn-cs"/>
-                        </a:rPr>
-                        <m:t>→</m:t>
-                      </m:r>
-                      <m:r>
-                        <a:rPr lang="en-GB" sz="3413" i="1">
-                          <a:latin typeface="Cambria Math" panose="02040503050406030204" pitchFamily="18" charset="0"/>
-                          <a:ea typeface="+mn-ea"/>
-                          <a:cs typeface="+mn-cs"/>
-                        </a:rPr>
-                        <m:t>𝑥</m:t>
-                      </m:r>
-                      <m:r>
-                        <a:rPr lang="en-GB" sz="3413" i="1">
-                          <a:latin typeface="Cambria Math" panose="02040503050406030204" pitchFamily="18" charset="0"/>
-                          <a:ea typeface="+mn-ea"/>
-                          <a:cs typeface="+mn-cs"/>
-                        </a:rPr>
-                        <m:t>(</m:t>
-                      </m:r>
-                      <m:r>
-                        <a:rPr lang="en-GB" sz="3413" i="1">
-                          <a:latin typeface="Cambria Math" panose="02040503050406030204" pitchFamily="18" charset="0"/>
-                          <a:ea typeface="+mn-ea"/>
-                          <a:cs typeface="+mn-cs"/>
-                        </a:rPr>
-                        <m:t>𝑡</m:t>
-                      </m:r>
-                      <m:r>
-                        <a:rPr lang="en-GB" sz="3413" i="1">
-                          <a:latin typeface="Cambria Math" panose="02040503050406030204" pitchFamily="18" charset="0"/>
-                          <a:ea typeface="+mn-ea"/>
-                          <a:cs typeface="+mn-cs"/>
-                        </a:rPr>
-                        <m:t>)=</m:t>
-                      </m:r>
-                      <m:func>
-                        <m:funcPr>
-                          <m:ctrlPr>
-                            <a:rPr lang="en-GB" sz="3413" i="1">
-                              <a:latin typeface="Cambria Math" panose="02040503050406030204" pitchFamily="18" charset="0"/>
-                              <a:ea typeface="+mn-ea"/>
-                              <a:cs typeface="+mn-cs"/>
-                            </a:rPr>
-                          </m:ctrlPr>
-                        </m:funcPr>
-                        <m:fName>
-                          <m:r>
-                            <m:rPr>
-                              <m:sty m:val="p"/>
-                            </m:rPr>
-                            <a:rPr lang="en-GB" sz="3413">
-                              <a:latin typeface="Cambria Math" panose="02040503050406030204" pitchFamily="18" charset="0"/>
-                              <a:ea typeface="+mn-ea"/>
-                              <a:cs typeface="+mn-cs"/>
-                            </a:rPr>
-                            <m:t>sin</m:t>
-                          </m:r>
-                        </m:fName>
-                        <m:e>
-                          <m:r>
-                            <a:rPr lang="en-GB" sz="3413" i="1">
-                              <a:latin typeface="Cambria Math" panose="02040503050406030204" pitchFamily="18" charset="0"/>
-                              <a:ea typeface="+mn-ea"/>
-                              <a:cs typeface="+mn-cs"/>
-                            </a:rPr>
-                            <m:t>(</m:t>
-                          </m:r>
-                        </m:e>
-                      </m:func>
-                      <m:r>
-                        <a:rPr lang="en-GB" sz="3413" i="1">
-                          <a:latin typeface="Cambria Math" panose="02040503050406030204" pitchFamily="18" charset="0"/>
-                          <a:ea typeface="+mn-ea"/>
-                          <a:cs typeface="+mn-cs"/>
-                        </a:rPr>
-                        <m:t>2</m:t>
-                      </m:r>
-                      <m:r>
-                        <a:rPr lang="en-GB" sz="3413" i="1">
-                          <a:latin typeface="Cambria Math" panose="02040503050406030204" pitchFamily="18" charset="0"/>
-                          <a:ea typeface="+mn-ea"/>
-                          <a:cs typeface="+mn-cs"/>
-                        </a:rPr>
-                        <m:t>𝜋</m:t>
-                      </m:r>
-                      <m:r>
-                        <a:rPr lang="en-GB" sz="3413" i="1">
-                          <a:latin typeface="Cambria Math" panose="02040503050406030204" pitchFamily="18" charset="0"/>
-                          <a:ea typeface="+mn-ea"/>
-                          <a:cs typeface="+mn-cs"/>
-                        </a:rPr>
-                        <m:t>(</m:t>
-                      </m:r>
-                      <m:sSub>
-                        <m:sSubPr>
-                          <m:ctrlPr>
-                            <a:rPr lang="en-GB" sz="3413" i="1">
-                              <a:latin typeface="Cambria Math" panose="02040503050406030204" pitchFamily="18" charset="0"/>
-                              <a:ea typeface="+mn-ea"/>
-                              <a:cs typeface="+mn-cs"/>
-                            </a:rPr>
-                          </m:ctrlPr>
-                        </m:sSubPr>
-                        <m:e>
-                          <m:r>
-                            <a:rPr lang="en-GB" sz="3413" i="1">
-                              <a:latin typeface="Cambria Math" panose="02040503050406030204" pitchFamily="18" charset="0"/>
-                              <a:ea typeface="+mn-ea"/>
-                              <a:cs typeface="+mn-cs"/>
-                            </a:rPr>
-                            <m:t>𝑓</m:t>
-                          </m:r>
-                        </m:e>
-                        <m:sub>
-                          <m:r>
-                            <a:rPr lang="en-GB" sz="3413" i="1">
-                              <a:latin typeface="Cambria Math" panose="02040503050406030204" pitchFamily="18" charset="0"/>
-                              <a:ea typeface="+mn-ea"/>
-                              <a:cs typeface="+mn-cs"/>
-                            </a:rPr>
-                            <m:t>𝑐</m:t>
-                          </m:r>
-                        </m:sub>
-                      </m:sSub>
-                      <m:r>
-                        <a:rPr lang="en-GB" sz="3413" i="1">
-                          <a:latin typeface="Cambria Math" panose="02040503050406030204" pitchFamily="18" charset="0"/>
-                          <a:ea typeface="+mn-ea"/>
-                          <a:cs typeface="+mn-cs"/>
-                        </a:rPr>
-                        <m:t>+</m:t>
-                      </m:r>
-                      <m:r>
-                        <a:rPr lang="en-GB" sz="3413" i="1">
-                          <a:latin typeface="Cambria Math" panose="02040503050406030204" pitchFamily="18" charset="0"/>
-                          <a:ea typeface="+mn-ea"/>
-                          <a:cs typeface="+mn-cs"/>
-                        </a:rPr>
-                        <m:t>𝑓</m:t>
-                      </m:r>
-                      <m:d>
-                        <m:dPr>
-                          <m:ctrlPr>
-                            <a:rPr lang="en-GB" sz="3413" i="1">
-                              <a:latin typeface="Cambria Math" panose="02040503050406030204" pitchFamily="18" charset="0"/>
-                              <a:ea typeface="+mn-ea"/>
-                              <a:cs typeface="+mn-cs"/>
-                            </a:rPr>
-                          </m:ctrlPr>
-                        </m:dPr>
-                        <m:e>
-                          <m:r>
-                            <a:rPr lang="en-GB" sz="3413" i="1">
-                              <a:latin typeface="Cambria Math" panose="02040503050406030204" pitchFamily="18" charset="0"/>
-                              <a:ea typeface="+mn-ea"/>
-                              <a:cs typeface="+mn-cs"/>
-                            </a:rPr>
-                            <m:t>𝑡</m:t>
-                          </m:r>
-                        </m:e>
-                      </m:d>
-                      <m:r>
-                        <a:rPr lang="en-GB" sz="3413" i="1">
-                          <a:latin typeface="Cambria Math" panose="02040503050406030204" pitchFamily="18" charset="0"/>
-                          <a:ea typeface="+mn-ea"/>
-                          <a:cs typeface="+mn-cs"/>
-                        </a:rPr>
-                        <m:t>)</m:t>
-                      </m:r>
-                      <m:r>
-                        <a:rPr lang="en-GB" sz="3413" i="1">
-                          <a:latin typeface="Cambria Math" panose="02040503050406030204" pitchFamily="18" charset="0"/>
-                          <a:ea typeface="+mn-ea"/>
-                          <a:cs typeface="+mn-cs"/>
-                        </a:rPr>
-                        <m:t>𝑡</m:t>
-                      </m:r>
-                      <m:r>
-                        <a:rPr lang="en-GB" sz="3413" i="1">
-                          <a:latin typeface="Cambria Math" panose="02040503050406030204" pitchFamily="18" charset="0"/>
-                          <a:ea typeface="+mn-ea"/>
-                          <a:cs typeface="+mn-cs"/>
-                        </a:rPr>
-                        <m:t>)</m:t>
-                      </m:r>
-                    </m:oMath>
-                    <m:oMath xmlns:m="http://schemas.openxmlformats.org/officeDocument/2006/math">
-                      <m:r>
-                        <a:rPr lang="en-GB" sz="3413" i="1">
-                          <a:latin typeface="Cambria Math" panose="02040503050406030204" pitchFamily="18" charset="0"/>
-                          <a:ea typeface="+mn-ea"/>
-                          <a:cs typeface="+mn-cs"/>
-                        </a:rPr>
-                        <m:t>=</m:t>
-                      </m:r>
-                      <m:func>
-                        <m:funcPr>
-                          <m:ctrlPr>
-                            <a:rPr lang="en-GB" sz="3413" i="1">
-                              <a:latin typeface="Cambria Math" panose="02040503050406030204" pitchFamily="18" charset="0"/>
-                              <a:ea typeface="+mn-ea"/>
-                              <a:cs typeface="+mn-cs"/>
-                            </a:rPr>
-                          </m:ctrlPr>
-                        </m:funcPr>
-                        <m:fName>
-                          <m:r>
-                            <m:rPr>
-                              <m:sty m:val="p"/>
-                            </m:rPr>
-                            <a:rPr lang="en-GB" sz="3413">
-                              <a:latin typeface="Cambria Math" panose="02040503050406030204" pitchFamily="18" charset="0"/>
-                              <a:ea typeface="+mn-ea"/>
-                              <a:cs typeface="+mn-cs"/>
-                            </a:rPr>
-                            <m:t>sin</m:t>
-                          </m:r>
-                        </m:fName>
-                        <m:e>
-                          <m:r>
-                            <a:rPr lang="en-GB" sz="3413" i="1">
-                              <a:latin typeface="Cambria Math" panose="02040503050406030204" pitchFamily="18" charset="0"/>
-                              <a:ea typeface="+mn-ea"/>
-                              <a:cs typeface="+mn-cs"/>
-                            </a:rPr>
-                            <m:t>(</m:t>
-                          </m:r>
-                        </m:e>
-                      </m:func>
-                      <m:r>
-                        <a:rPr lang="en-GB" sz="3413" i="1">
-                          <a:latin typeface="Cambria Math" panose="02040503050406030204" pitchFamily="18" charset="0"/>
-                          <a:ea typeface="+mn-ea"/>
-                          <a:cs typeface="+mn-cs"/>
-                        </a:rPr>
-                        <m:t>2</m:t>
-                      </m:r>
-                      <m:r>
-                        <a:rPr lang="en-GB" sz="3413" i="1">
-                          <a:latin typeface="Cambria Math" panose="02040503050406030204" pitchFamily="18" charset="0"/>
-                          <a:ea typeface="+mn-ea"/>
-                          <a:cs typeface="+mn-cs"/>
-                        </a:rPr>
-                        <m:t>𝜋</m:t>
-                      </m:r>
-                      <m:r>
-                        <a:rPr lang="en-GB" sz="3413" i="1">
-                          <a:latin typeface="Cambria Math" panose="02040503050406030204" pitchFamily="18" charset="0"/>
-                          <a:ea typeface="+mn-ea"/>
-                          <a:cs typeface="+mn-cs"/>
-                        </a:rPr>
-                        <m:t>(</m:t>
-                      </m:r>
-                      <m:sSub>
-                        <m:sSubPr>
-                          <m:ctrlPr>
-                            <a:rPr lang="en-GB" sz="3413" i="1">
-                              <a:latin typeface="Cambria Math" panose="02040503050406030204" pitchFamily="18" charset="0"/>
-                              <a:ea typeface="+mn-ea"/>
-                              <a:cs typeface="+mn-cs"/>
-                            </a:rPr>
-                          </m:ctrlPr>
-                        </m:sSubPr>
-                        <m:e>
-                          <m:r>
-                            <a:rPr lang="en-GB" sz="3413" i="1">
-                              <a:latin typeface="Cambria Math" panose="02040503050406030204" pitchFamily="18" charset="0"/>
-                              <a:ea typeface="+mn-ea"/>
-                              <a:cs typeface="+mn-cs"/>
-                            </a:rPr>
-                            <m:t>𝑓</m:t>
-                          </m:r>
-                        </m:e>
-                        <m:sub>
-                          <m:r>
-                            <a:rPr lang="en-GB" sz="3413" i="1">
-                              <a:latin typeface="Cambria Math" panose="02040503050406030204" pitchFamily="18" charset="0"/>
-                              <a:ea typeface="+mn-ea"/>
-                              <a:cs typeface="+mn-cs"/>
-                            </a:rPr>
-                            <m:t>𝑐</m:t>
-                          </m:r>
-                        </m:sub>
-                      </m:sSub>
-                      <m:r>
-                        <a:rPr lang="en-GB" sz="3413" i="1">
-                          <a:latin typeface="Cambria Math" panose="02040503050406030204" pitchFamily="18" charset="0"/>
-                          <a:ea typeface="+mn-ea"/>
-                          <a:cs typeface="+mn-cs"/>
-                        </a:rPr>
-                        <m:t>+</m:t>
-                      </m:r>
-                      <m:r>
-                        <a:rPr lang="en-GB" sz="3413" i="1">
-                          <a:latin typeface="Cambria Math" panose="02040503050406030204" pitchFamily="18" charset="0"/>
-                          <a:ea typeface="+mn-ea"/>
-                          <a:cs typeface="+mn-cs"/>
-                        </a:rPr>
-                        <m:t>𝐷</m:t>
-                      </m:r>
-                      <m:func>
-                        <m:funcPr>
-                          <m:ctrlPr>
-                            <a:rPr lang="en-GB" sz="3413" i="1">
-                              <a:latin typeface="Cambria Math" panose="02040503050406030204" pitchFamily="18" charset="0"/>
-                              <a:ea typeface="+mn-ea"/>
-                              <a:cs typeface="+mn-cs"/>
-                            </a:rPr>
-                          </m:ctrlPr>
-                        </m:funcPr>
-                        <m:fName>
-                          <m:r>
-                            <m:rPr>
-                              <m:sty m:val="p"/>
-                            </m:rPr>
-                            <a:rPr lang="en-GB" sz="3413">
-                              <a:latin typeface="Cambria Math" panose="02040503050406030204" pitchFamily="18" charset="0"/>
-                              <a:ea typeface="+mn-ea"/>
-                              <a:cs typeface="+mn-cs"/>
-                            </a:rPr>
-                            <m:t>sin</m:t>
-                          </m:r>
-                        </m:fName>
-                        <m:e>
-                          <m:r>
-                            <a:rPr lang="en-GB" sz="3413" i="1">
-                              <a:latin typeface="Cambria Math" panose="02040503050406030204" pitchFamily="18" charset="0"/>
-                              <a:ea typeface="+mn-ea"/>
-                              <a:cs typeface="+mn-cs"/>
-                            </a:rPr>
-                            <m:t>(</m:t>
-                          </m:r>
-                        </m:e>
-                      </m:func>
-                      <m:r>
-                        <a:rPr lang="en-GB" sz="3413" i="1">
-                          <a:latin typeface="Cambria Math" panose="02040503050406030204" pitchFamily="18" charset="0"/>
-                          <a:ea typeface="+mn-ea"/>
-                          <a:cs typeface="+mn-cs"/>
-                        </a:rPr>
-                        <m:t>2</m:t>
-                      </m:r>
-                      <m:r>
-                        <a:rPr lang="en-GB" sz="3413" i="1">
-                          <a:latin typeface="Cambria Math" panose="02040503050406030204" pitchFamily="18" charset="0"/>
-                          <a:ea typeface="+mn-ea"/>
-                          <a:cs typeface="+mn-cs"/>
-                        </a:rPr>
-                        <m:t>𝜋</m:t>
-                      </m:r>
-                      <m:sSub>
-                        <m:sSubPr>
-                          <m:ctrlPr>
-                            <a:rPr lang="en-GB" sz="3413" i="1">
-                              <a:latin typeface="Cambria Math" panose="02040503050406030204" pitchFamily="18" charset="0"/>
-                              <a:ea typeface="+mn-ea"/>
-                              <a:cs typeface="+mn-cs"/>
-                            </a:rPr>
-                          </m:ctrlPr>
-                        </m:sSubPr>
-                        <m:e>
-                          <m:r>
-                            <a:rPr lang="en-GB" sz="3413" i="1">
-                              <a:latin typeface="Cambria Math" panose="02040503050406030204" pitchFamily="18" charset="0"/>
-                              <a:ea typeface="+mn-ea"/>
-                              <a:cs typeface="+mn-cs"/>
-                            </a:rPr>
-                            <m:t>𝑓</m:t>
-                          </m:r>
-                        </m:e>
-                        <m:sub>
-                          <m:r>
-                            <a:rPr lang="en-GB" sz="3413" i="1">
-                              <a:latin typeface="Cambria Math" panose="02040503050406030204" pitchFamily="18" charset="0"/>
-                              <a:ea typeface="+mn-ea"/>
-                              <a:cs typeface="+mn-cs"/>
-                            </a:rPr>
-                            <m:t>𝑚</m:t>
-                          </m:r>
-                        </m:sub>
-                      </m:sSub>
-                      <m:r>
-                        <a:rPr lang="en-GB" sz="3413" i="1">
-                          <a:latin typeface="Cambria Math" panose="02040503050406030204" pitchFamily="18" charset="0"/>
-                          <a:ea typeface="+mn-ea"/>
-                          <a:cs typeface="+mn-cs"/>
-                        </a:rPr>
-                        <m:t>𝑡</m:t>
-                      </m:r>
-                      <m:r>
-                        <a:rPr lang="en-GB" sz="3413" i="1">
-                          <a:latin typeface="Cambria Math" panose="02040503050406030204" pitchFamily="18" charset="0"/>
-                          <a:ea typeface="+mn-ea"/>
-                          <a:cs typeface="+mn-cs"/>
-                        </a:rPr>
-                        <m:t>))</m:t>
-                      </m:r>
-                      <m:r>
-                        <a:rPr lang="en-GB" sz="3413" i="1">
-                          <a:latin typeface="Cambria Math" panose="02040503050406030204" pitchFamily="18" charset="0"/>
-                          <a:ea typeface="+mn-ea"/>
-                          <a:cs typeface="+mn-cs"/>
-                        </a:rPr>
-                        <m:t>𝑡</m:t>
-                      </m:r>
-                      <m:r>
-                        <a:rPr lang="en-GB" sz="3413" i="1">
-                          <a:latin typeface="Cambria Math" panose="02040503050406030204" pitchFamily="18" charset="0"/>
-                          <a:ea typeface="+mn-ea"/>
-                          <a:cs typeface="+mn-cs"/>
-                        </a:rPr>
-                        <m:t>)</m:t>
-                      </m:r>
-                    </m:oMath>
-                  </m:oMathPara>
-                </a14:m>
-                <a:endParaRPr lang="en-GB" sz="3413" dirty="0">
-                  <a:solidFill>
-                    <a:prstClr val="black"/>
-                  </a:solidFill>
-                  <a:latin typeface="Calibri" panose="020F0502020204030204"/>
-                  <a:ea typeface="+mn-ea"/>
-                  <a:cs typeface="+mn-cs"/>
-                </a:endParaRPr>
-              </a:p>
-            </p:txBody>
-          </p:sp>
-        </mc:Choice>
-        <mc:Fallback>
-          <p:sp>
-            <p:nvSpPr>
-              <p:cNvPr id="6" name="Object 4">
-                <a:extLst>
-                  <a:ext uri="{FF2B5EF4-FFF2-40B4-BE49-F238E27FC236}">
-                    <a16:creationId xmlns:a16="http://schemas.microsoft.com/office/drawing/2014/main" id="{5623E7F1-69CC-1B3E-4F55-3EE0122E3703}"/>
-                  </a:ext>
-                </a:extLst>
-              </p:cNvPr>
-              <p:cNvSpPr txBox="1">
-                <a:spLocks noRot="1" noChangeAspect="1" noMove="1" noResize="1" noEditPoints="1" noAdjustHandles="1" noChangeArrowheads="1" noChangeShapeType="1" noTextEdit="1"/>
-              </p:cNvSpPr>
-              <p:nvPr/>
-            </p:nvSpPr>
-            <p:spPr>
-              <a:xfrm>
-                <a:off x="10234914" y="4476174"/>
-                <a:ext cx="6175022" cy="2438400"/>
-              </a:xfrm>
-              <a:prstGeom prst="rect">
-                <a:avLst/>
-              </a:prstGeom>
-              <a:blipFill>
-                <a:blip r:embed="rId5"/>
-                <a:stretch>
-                  <a:fillRect/>
-                </a:stretch>
-              </a:blipFill>
-            </p:spPr>
-            <p:txBody>
-              <a:bodyPr/>
-              <a:lstStyle/>
-              <a:p>
-                <a:r>
-                  <a:rPr lang="en-GB">
-                    <a:noFill/>
-                  </a:rPr>
-                  <a:t> </a:t>
-                </a:r>
-              </a:p>
-            </p:txBody>
-          </p:sp>
-        </mc:Fallback>
-      </mc:AlternateContent>
-    </p:spTree>
-    <p:extLst>
-      <p:ext uri="{BB962C8B-B14F-4D97-AF65-F5344CB8AC3E}">
-        <p14:creationId xmlns:p14="http://schemas.microsoft.com/office/powerpoint/2010/main" val="3660230061"/>
-      </p:ext>
-    </p:extLst>
-  </p:cSld>
-  <p:clrMapOvr>
-    <a:masterClrMapping/>
-  </p:clrMapOvr>
-</p:sld>
-</file>
-
-<file path=ppt/slides/slide23.xml><?xml version="1.0" encoding="utf-8"?>
-<p:sld xmlns:a="http://schemas.openxmlformats.org/drawingml/2006/main" xmlns:r="http://schemas.openxmlformats.org/officeDocument/2006/relationships" xmlns:p="http://schemas.openxmlformats.org/presentationml/2006/main">
-  <p:cSld>
-    <p:spTree>
-      <p:nvGrpSpPr>
-        <p:cNvPr id="1" name=""/>
-        <p:cNvGrpSpPr/>
-        <p:nvPr/>
-      </p:nvGrpSpPr>
-      <p:grpSpPr>
-        <a:xfrm>
-          <a:off x="0" y="0"/>
-          <a:ext cx="0" cy="0"/>
-          <a:chOff x="0" y="0"/>
-          <a:chExt cx="0" cy="0"/>
-        </a:xfrm>
-      </p:grpSpPr>
-      <p:sp>
-        <p:nvSpPr>
-          <p:cNvPr id="2" name="Title 1"/>
-          <p:cNvSpPr>
-            <a:spLocks noGrp="1"/>
-          </p:cNvSpPr>
-          <p:nvPr>
-            <p:ph type="title"/>
-          </p:nvPr>
-        </p:nvSpPr>
-        <p:spPr/>
-        <p:txBody>
-          <a:bodyPr/>
-          <a:lstStyle/>
-          <a:p>
-            <a:r>
-              <a:rPr lang="en-GB" dirty="0"/>
-              <a:t>Example</a:t>
-            </a:r>
-          </a:p>
-        </p:txBody>
-      </p:sp>
-      <p:pic>
-        <p:nvPicPr>
-          <p:cNvPr id="4" name="Content Placeholder 3"/>
-          <p:cNvPicPr>
-            <a:picLocks noGrp="1" noChangeAspect="1"/>
-          </p:cNvPicPr>
-          <p:nvPr>
-            <p:ph idx="1"/>
-          </p:nvPr>
-        </p:nvPicPr>
-        <p:blipFill rotWithShape="1">
-          <a:blip r:embed="rId2">
-            <a:extLst>
-              <a:ext uri="{28A0092B-C50C-407E-A947-70E740481C1C}">
-                <a14:useLocalDpi xmlns:a14="http://schemas.microsoft.com/office/drawing/2010/main" val="0"/>
-              </a:ext>
-            </a:extLst>
-          </a:blip>
-          <a:srcRect t="14176"/>
-          <a:stretch/>
-        </p:blipFill>
-        <p:spPr>
-          <a:xfrm>
-            <a:off x="1552002" y="2181013"/>
-            <a:ext cx="14236258" cy="6882836"/>
-          </a:xfrm>
-        </p:spPr>
-      </p:pic>
-    </p:spTree>
-    <p:extLst>
-      <p:ext uri="{BB962C8B-B14F-4D97-AF65-F5344CB8AC3E}">
-        <p14:creationId xmlns:p14="http://schemas.microsoft.com/office/powerpoint/2010/main" val="3523829064"/>
-      </p:ext>
-    </p:extLst>
-  </p:cSld>
-  <p:clrMapOvr>
-    <a:masterClrMapping/>
-  </p:clrMapOvr>
 </p:sld>
 </file>
 
@@ -36283,301 +30508,6 @@
 <file path=ppt/theme/theme7.xml><?xml version="1.0" encoding="utf-8"?>
 <a:theme xmlns:a="http://schemas.openxmlformats.org/drawingml/2006/main" name="Office Theme">
   <a:themeElements>
-    <a:clrScheme name="Office">
-      <a:dk1>
-        <a:sysClr val="windowText" lastClr="000000"/>
-      </a:dk1>
-      <a:lt1>
-        <a:sysClr val="window" lastClr="FFFFFF"/>
-      </a:lt1>
-      <a:dk2>
-        <a:srgbClr val="44546A"/>
-      </a:dk2>
-      <a:lt2>
-        <a:srgbClr val="E7E6E6"/>
-      </a:lt2>
-      <a:accent1>
-        <a:srgbClr val="4472C4"/>
-      </a:accent1>
-      <a:accent2>
-        <a:srgbClr val="ED7D31"/>
-      </a:accent2>
-      <a:accent3>
-        <a:srgbClr val="A5A5A5"/>
-      </a:accent3>
-      <a:accent4>
-        <a:srgbClr val="FFC000"/>
-      </a:accent4>
-      <a:accent5>
-        <a:srgbClr val="5B9BD5"/>
-      </a:accent5>
-      <a:accent6>
-        <a:srgbClr val="70AD47"/>
-      </a:accent6>
-      <a:hlink>
-        <a:srgbClr val="0563C1"/>
-      </a:hlink>
-      <a:folHlink>
-        <a:srgbClr val="954F72"/>
-      </a:folHlink>
-    </a:clrScheme>
-    <a:fontScheme name="Office">
-      <a:majorFont>
-        <a:latin typeface="Calibri Light" panose="020F0302020204030204"/>
-        <a:ea typeface=""/>
-        <a:cs typeface=""/>
-        <a:font script="Jpan" typeface="游ゴシック Light"/>
-        <a:font script="Hang" typeface="맑은 고딕"/>
-        <a:font script="Hans" typeface="等线 Light"/>
-        <a:font script="Hant" typeface="新細明體"/>
-        <a:font script="Arab" typeface="Times New Roman"/>
-        <a:font script="Hebr" typeface="Times New Roman"/>
-        <a:font script="Thai" typeface="Angsana New"/>
-        <a:font script="Ethi" typeface="Nyala"/>
-        <a:font script="Beng" typeface="Vrinda"/>
-        <a:font script="Gujr" typeface="Shruti"/>
-        <a:font script="Khmr" typeface="MoolBoran"/>
-        <a:font script="Knda" typeface="Tunga"/>
-        <a:font script="Guru" typeface="Raavi"/>
-        <a:font script="Cans" typeface="Euphemia"/>
-        <a:font script="Cher" typeface="Plantagenet Cherokee"/>
-        <a:font script="Yiii" typeface="Microsoft Yi Baiti"/>
-        <a:font script="Tibt" typeface="Microsoft Himalaya"/>
-        <a:font script="Thaa" typeface="MV Boli"/>
-        <a:font script="Deva" typeface="Mangal"/>
-        <a:font script="Telu" typeface="Gautami"/>
-        <a:font script="Taml" typeface="Latha"/>
-        <a:font script="Syrc" typeface="Estrangelo Edessa"/>
-        <a:font script="Orya" typeface="Kalinga"/>
-        <a:font script="Mlym" typeface="Kartika"/>
-        <a:font script="Laoo" typeface="DokChampa"/>
-        <a:font script="Sinh" typeface="Iskoola Pota"/>
-        <a:font script="Mong" typeface="Mongolian Baiti"/>
-        <a:font script="Viet" typeface="Times New Roman"/>
-        <a:font script="Uigh" typeface="Microsoft Uighur"/>
-        <a:font script="Geor" typeface="Sylfaen"/>
-        <a:font script="Armn" typeface="Arial"/>
-        <a:font script="Bugi" typeface="Leelawadee UI"/>
-        <a:font script="Bopo" typeface="Microsoft JhengHei"/>
-        <a:font script="Java" typeface="Javanese Text"/>
-        <a:font script="Lisu" typeface="Segoe UI"/>
-        <a:font script="Mymr" typeface="Myanmar Text"/>
-        <a:font script="Nkoo" typeface="Ebrima"/>
-        <a:font script="Olck" typeface="Nirmala UI"/>
-        <a:font script="Osma" typeface="Ebrima"/>
-        <a:font script="Phag" typeface="Phagspa"/>
-        <a:font script="Syrn" typeface="Estrangelo Edessa"/>
-        <a:font script="Syrj" typeface="Estrangelo Edessa"/>
-        <a:font script="Syre" typeface="Estrangelo Edessa"/>
-        <a:font script="Sora" typeface="Nirmala UI"/>
-        <a:font script="Tale" typeface="Microsoft Tai Le"/>
-        <a:font script="Talu" typeface="Microsoft New Tai Lue"/>
-        <a:font script="Tfng" typeface="Ebrima"/>
-      </a:majorFont>
-      <a:minorFont>
-        <a:latin typeface="Calibri" panose="020F0502020204030204"/>
-        <a:ea typeface=""/>
-        <a:cs typeface=""/>
-        <a:font script="Jpan" typeface="游ゴシック"/>
-        <a:font script="Hang" typeface="맑은 고딕"/>
-        <a:font script="Hans" typeface="等线"/>
-        <a:font script="Hant" typeface="新細明體"/>
-        <a:font script="Arab" typeface="Arial"/>
-        <a:font script="Hebr" typeface="Arial"/>
-        <a:font script="Thai" typeface="Cordia New"/>
-        <a:font script="Ethi" typeface="Nyala"/>
-        <a:font script="Beng" typeface="Vrinda"/>
-        <a:font script="Gujr" typeface="Shruti"/>
-        <a:font script="Khmr" typeface="DaunPenh"/>
-        <a:font script="Knda" typeface="Tunga"/>
-        <a:font script="Guru" typeface="Raavi"/>
-        <a:font script="Cans" typeface="Euphemia"/>
-        <a:font script="Cher" typeface="Plantagenet Cherokee"/>
-        <a:font script="Yiii" typeface="Microsoft Yi Baiti"/>
-        <a:font script="Tibt" typeface="Microsoft Himalaya"/>
-        <a:font script="Thaa" typeface="MV Boli"/>
-        <a:font script="Deva" typeface="Mangal"/>
-        <a:font script="Telu" typeface="Gautami"/>
-        <a:font script="Taml" typeface="Latha"/>
-        <a:font script="Syrc" typeface="Estrangelo Edessa"/>
-        <a:font script="Orya" typeface="Kalinga"/>
-        <a:font script="Mlym" typeface="Kartika"/>
-        <a:font script="Laoo" typeface="DokChampa"/>
-        <a:font script="Sinh" typeface="Iskoola Pota"/>
-        <a:font script="Mong" typeface="Mongolian Baiti"/>
-        <a:font script="Viet" typeface="Arial"/>
-        <a:font script="Uigh" typeface="Microsoft Uighur"/>
-        <a:font script="Geor" typeface="Sylfaen"/>
-        <a:font script="Armn" typeface="Arial"/>
-        <a:font script="Bugi" typeface="Leelawadee UI"/>
-        <a:font script="Bopo" typeface="Microsoft JhengHei"/>
-        <a:font script="Java" typeface="Javanese Text"/>
-        <a:font script="Lisu" typeface="Segoe UI"/>
-        <a:font script="Mymr" typeface="Myanmar Text"/>
-        <a:font script="Nkoo" typeface="Ebrima"/>
-        <a:font script="Olck" typeface="Nirmala UI"/>
-        <a:font script="Osma" typeface="Ebrima"/>
-        <a:font script="Phag" typeface="Phagspa"/>
-        <a:font script="Syrn" typeface="Estrangelo Edessa"/>
-        <a:font script="Syrj" typeface="Estrangelo Edessa"/>
-        <a:font script="Syre" typeface="Estrangelo Edessa"/>
-        <a:font script="Sora" typeface="Nirmala UI"/>
-        <a:font script="Tale" typeface="Microsoft Tai Le"/>
-        <a:font script="Talu" typeface="Microsoft New Tai Lue"/>
-        <a:font script="Tfng" typeface="Ebrima"/>
-      </a:minorFont>
-    </a:fontScheme>
-    <a:fmtScheme name="Office">
-      <a:fillStyleLst>
-        <a:solidFill>
-          <a:schemeClr val="phClr"/>
-        </a:solidFill>
-        <a:gradFill rotWithShape="1">
-          <a:gsLst>
-            <a:gs pos="0">
-              <a:schemeClr val="phClr">
-                <a:lumMod val="110000"/>
-                <a:satMod val="105000"/>
-                <a:tint val="67000"/>
-              </a:schemeClr>
-            </a:gs>
-            <a:gs pos="50000">
-              <a:schemeClr val="phClr">
-                <a:lumMod val="105000"/>
-                <a:satMod val="103000"/>
-                <a:tint val="73000"/>
-              </a:schemeClr>
-            </a:gs>
-            <a:gs pos="100000">
-              <a:schemeClr val="phClr">
-                <a:lumMod val="105000"/>
-                <a:satMod val="109000"/>
-                <a:tint val="81000"/>
-              </a:schemeClr>
-            </a:gs>
-          </a:gsLst>
-          <a:lin ang="5400000" scaled="0"/>
-        </a:gradFill>
-        <a:gradFill rotWithShape="1">
-          <a:gsLst>
-            <a:gs pos="0">
-              <a:schemeClr val="phClr">
-                <a:satMod val="103000"/>
-                <a:lumMod val="102000"/>
-                <a:tint val="94000"/>
-              </a:schemeClr>
-            </a:gs>
-            <a:gs pos="50000">
-              <a:schemeClr val="phClr">
-                <a:satMod val="110000"/>
-                <a:lumMod val="100000"/>
-                <a:shade val="100000"/>
-              </a:schemeClr>
-            </a:gs>
-            <a:gs pos="100000">
-              <a:schemeClr val="phClr">
-                <a:lumMod val="99000"/>
-                <a:satMod val="120000"/>
-                <a:shade val="78000"/>
-              </a:schemeClr>
-            </a:gs>
-          </a:gsLst>
-          <a:lin ang="5400000" scaled="0"/>
-        </a:gradFill>
-      </a:fillStyleLst>
-      <a:lnStyleLst>
-        <a:ln w="6350" cap="flat" cmpd="sng" algn="ctr">
-          <a:solidFill>
-            <a:schemeClr val="phClr"/>
-          </a:solidFill>
-          <a:prstDash val="solid"/>
-          <a:miter lim="800000"/>
-        </a:ln>
-        <a:ln w="12700" cap="flat" cmpd="sng" algn="ctr">
-          <a:solidFill>
-            <a:schemeClr val="phClr"/>
-          </a:solidFill>
-          <a:prstDash val="solid"/>
-          <a:miter lim="800000"/>
-        </a:ln>
-        <a:ln w="19050" cap="flat" cmpd="sng" algn="ctr">
-          <a:solidFill>
-            <a:schemeClr val="phClr"/>
-          </a:solidFill>
-          <a:prstDash val="solid"/>
-          <a:miter lim="800000"/>
-        </a:ln>
-      </a:lnStyleLst>
-      <a:effectStyleLst>
-        <a:effectStyle>
-          <a:effectLst/>
-        </a:effectStyle>
-        <a:effectStyle>
-          <a:effectLst/>
-        </a:effectStyle>
-        <a:effectStyle>
-          <a:effectLst>
-            <a:outerShdw blurRad="57150" dist="19050" dir="5400000" algn="ctr" rotWithShape="0">
-              <a:srgbClr val="000000">
-                <a:alpha val="63000"/>
-              </a:srgbClr>
-            </a:outerShdw>
-          </a:effectLst>
-        </a:effectStyle>
-      </a:effectStyleLst>
-      <a:bgFillStyleLst>
-        <a:solidFill>
-          <a:schemeClr val="phClr"/>
-        </a:solidFill>
-        <a:solidFill>
-          <a:schemeClr val="phClr">
-            <a:tint val="95000"/>
-            <a:satMod val="170000"/>
-          </a:schemeClr>
-        </a:solidFill>
-        <a:gradFill rotWithShape="1">
-          <a:gsLst>
-            <a:gs pos="0">
-              <a:schemeClr val="phClr">
-                <a:tint val="93000"/>
-                <a:satMod val="150000"/>
-                <a:shade val="98000"/>
-                <a:lumMod val="102000"/>
-              </a:schemeClr>
-            </a:gs>
-            <a:gs pos="50000">
-              <a:schemeClr val="phClr">
-                <a:tint val="98000"/>
-                <a:satMod val="130000"/>
-                <a:shade val="90000"/>
-                <a:lumMod val="103000"/>
-              </a:schemeClr>
-            </a:gs>
-            <a:gs pos="100000">
-              <a:schemeClr val="phClr">
-                <a:shade val="63000"/>
-                <a:satMod val="120000"/>
-              </a:schemeClr>
-            </a:gs>
-          </a:gsLst>
-          <a:lin ang="5400000" scaled="0"/>
-        </a:gradFill>
-      </a:bgFillStyleLst>
-    </a:fmtScheme>
-  </a:themeElements>
-  <a:objectDefaults/>
-  <a:extraClrSchemeLst/>
-  <a:extLst>
-    <a:ext uri="{05A4C25C-085E-4340-85A3-A5531E510DB2}">
-      <thm15:themeFamily xmlns:thm15="http://schemas.microsoft.com/office/thememl/2012/main" name="Office Theme" id="{62F939B6-93AF-4DB8-9C6B-D6C7DFDC589F}" vid="{4A3C46E8-61CC-4603-A589-7422A47A8E4A}"/>
-    </a:ext>
-  </a:extLst>
-</a:theme>
-</file>
-
-<file path=ppt/theme/theme8.xml><?xml version="1.0" encoding="utf-8"?>
-<a:theme xmlns:a="http://schemas.openxmlformats.org/drawingml/2006/main" name="Office Theme">
-  <a:themeElements>
     <a:clrScheme name="">
       <a:dk1>
         <a:srgbClr val="000000"/>
